--- a/презентация бот.pptx
+++ b/презентация бот.pptx
@@ -1,37 +1,37 @@
 
 <file path=ppt/presentation.xml><?xml version="1.0" encoding="utf-8"?>
-<p:presentation xmlns:a="http://schemas.openxmlformats.org/drawingml/2006/main" xmlns:r="http://schemas.openxmlformats.org/officeDocument/2006/relationships" xmlns:p="http://schemas.openxmlformats.org/presentationml/2006/main" strictFirstAndLastChars="0" embedTrueTypeFonts="1" saveSubsetFonts="1" autoCompressPictures="0">
+<p:presentation xmlns:a="http://schemas.openxmlformats.org/drawingml/2006/main" xmlns:r="http://schemas.openxmlformats.org/officeDocument/2006/relationships" xmlns:mc="http://schemas.openxmlformats.org/markup-compatibility/2006" xmlns:mv="urn:schemas-microsoft-com:mac:vml" xmlns:p="http://schemas.openxmlformats.org/presentationml/2006/main" xmlns:c="http://schemas.openxmlformats.org/drawingml/2006/chart" xmlns:dgm="http://schemas.openxmlformats.org/drawingml/2006/diagram" xmlns:o="urn:schemas-microsoft-com:office:office" xmlns:v="urn:schemas-microsoft-com:vml" xmlns:pvml="urn:schemas-microsoft-com:office:powerpoint" xmlns:com="http://schemas.openxmlformats.org/drawingml/2006/compatibility" xmlns:p14="http://schemas.microsoft.com/office/powerpoint/2010/main" xmlns:p15="http://schemas.microsoft.com/office/powerpoint/2012/main" xmlns:ahyp="http://schemas.microsoft.com/office/drawing/2018/hyperlinkcolor" autoCompressPictures="0" embedTrueTypeFonts="1" strictFirstAndLastChars="0" saveSubsetFonts="1">
   <p:sldMasterIdLst>
-    <p:sldMasterId id="2147483675" r:id="rId1"/>
+    <p:sldMasterId id="2147483653" r:id="rId3"/>
   </p:sldMasterIdLst>
   <p:notesMasterIdLst>
-    <p:notesMasterId r:id="rId7"/>
+    <p:notesMasterId r:id="rId4"/>
   </p:notesMasterIdLst>
   <p:sldIdLst>
-    <p:sldId id="256" r:id="rId2"/>
-    <p:sldId id="257" r:id="rId3"/>
-    <p:sldId id="301" r:id="rId4"/>
-    <p:sldId id="302" r:id="rId5"/>
-    <p:sldId id="303" r:id="rId6"/>
+    <p:sldId id="256" r:id="rId5"/>
+    <p:sldId id="257" r:id="rId6"/>
+    <p:sldId id="258" r:id="rId7"/>
+    <p:sldId id="259" r:id="rId8"/>
+    <p:sldId id="260" r:id="rId9"/>
   </p:sldIdLst>
-  <p:sldSz cx="9144000" cy="5143500" type="screen16x9"/>
+  <p:sldSz cy="5143500" cx="9144000"/>
   <p:notesSz cx="6858000" cy="9144000"/>
   <p:embeddedFontLst>
     <p:embeddedFont>
-      <p:font typeface="Alegreya Sans ExtraBold" panose="020B0604020202020204" charset="0"/>
-      <p:bold r:id="rId8"/>
-      <p:boldItalic r:id="rId9"/>
+      <p:font typeface="Alegreya Sans ExtraBold"/>
+      <p:bold r:id="rId10"/>
+      <p:boldItalic r:id="rId11"/>
     </p:embeddedFont>
     <p:embeddedFont>
-      <p:font typeface="PT Sans" panose="020B0604020202020204" charset="-52"/>
-      <p:regular r:id="rId10"/>
-      <p:bold r:id="rId11"/>
-      <p:italic r:id="rId12"/>
-      <p:boldItalic r:id="rId13"/>
+      <p:font typeface="PT Sans"/>
+      <p:regular r:id="rId12"/>
+      <p:bold r:id="rId13"/>
+      <p:italic r:id="rId14"/>
+      <p:boldItalic r:id="rId15"/>
     </p:embeddedFont>
   </p:embeddedFontLst>
   <p:defaultTextStyle>
-    <a:defPPr marR="0" lvl="0" algn="l" rtl="0">
+    <a:defPPr lvl="0" marR="0" rtl="0" algn="l">
       <a:lnSpc>
         <a:spcPct val="100000"/>
       </a:lnSpc>
@@ -42,7 +42,7 @@
         <a:spcPts val="0"/>
       </a:spcAft>
     </a:defPPr>
-    <a:lvl1pPr marR="0" lvl="0" algn="l" rtl="0">
+    <a:lvl1pPr lvl="0" marR="0" rtl="0" algn="l">
       <a:lnSpc>
         <a:spcPct val="100000"/>
       </a:lnSpc>
@@ -56,7 +56,7 @@
         <a:srgbClr val="000000"/>
       </a:buClr>
       <a:buFont typeface="Arial"/>
-      <a:defRPr sz="1400" b="0" i="0" u="none" strike="noStrike" cap="none">
+      <a:defRPr b="0" i="0" sz="1400" u="none" cap="none" strike="noStrike">
         <a:solidFill>
           <a:srgbClr val="000000"/>
         </a:solidFill>
@@ -66,7 +66,7 @@
         <a:sym typeface="Arial"/>
       </a:defRPr>
     </a:lvl1pPr>
-    <a:lvl2pPr marR="0" lvl="1" algn="l" rtl="0">
+    <a:lvl2pPr lvl="1" marR="0" rtl="0" algn="l">
       <a:lnSpc>
         <a:spcPct val="100000"/>
       </a:lnSpc>
@@ -80,7 +80,7 @@
         <a:srgbClr val="000000"/>
       </a:buClr>
       <a:buFont typeface="Arial"/>
-      <a:defRPr sz="1400" b="0" i="0" u="none" strike="noStrike" cap="none">
+      <a:defRPr b="0" i="0" sz="1400" u="none" cap="none" strike="noStrike">
         <a:solidFill>
           <a:srgbClr val="000000"/>
         </a:solidFill>
@@ -90,7 +90,7 @@
         <a:sym typeface="Arial"/>
       </a:defRPr>
     </a:lvl2pPr>
-    <a:lvl3pPr marR="0" lvl="2" algn="l" rtl="0">
+    <a:lvl3pPr lvl="2" marR="0" rtl="0" algn="l">
       <a:lnSpc>
         <a:spcPct val="100000"/>
       </a:lnSpc>
@@ -104,7 +104,7 @@
         <a:srgbClr val="000000"/>
       </a:buClr>
       <a:buFont typeface="Arial"/>
-      <a:defRPr sz="1400" b="0" i="0" u="none" strike="noStrike" cap="none">
+      <a:defRPr b="0" i="0" sz="1400" u="none" cap="none" strike="noStrike">
         <a:solidFill>
           <a:srgbClr val="000000"/>
         </a:solidFill>
@@ -114,7 +114,7 @@
         <a:sym typeface="Arial"/>
       </a:defRPr>
     </a:lvl3pPr>
-    <a:lvl4pPr marR="0" lvl="3" algn="l" rtl="0">
+    <a:lvl4pPr lvl="3" marR="0" rtl="0" algn="l">
       <a:lnSpc>
         <a:spcPct val="100000"/>
       </a:lnSpc>
@@ -128,7 +128,7 @@
         <a:srgbClr val="000000"/>
       </a:buClr>
       <a:buFont typeface="Arial"/>
-      <a:defRPr sz="1400" b="0" i="0" u="none" strike="noStrike" cap="none">
+      <a:defRPr b="0" i="0" sz="1400" u="none" cap="none" strike="noStrike">
         <a:solidFill>
           <a:srgbClr val="000000"/>
         </a:solidFill>
@@ -138,7 +138,7 @@
         <a:sym typeface="Arial"/>
       </a:defRPr>
     </a:lvl4pPr>
-    <a:lvl5pPr marR="0" lvl="4" algn="l" rtl="0">
+    <a:lvl5pPr lvl="4" marR="0" rtl="0" algn="l">
       <a:lnSpc>
         <a:spcPct val="100000"/>
       </a:lnSpc>
@@ -152,7 +152,7 @@
         <a:srgbClr val="000000"/>
       </a:buClr>
       <a:buFont typeface="Arial"/>
-      <a:defRPr sz="1400" b="0" i="0" u="none" strike="noStrike" cap="none">
+      <a:defRPr b="0" i="0" sz="1400" u="none" cap="none" strike="noStrike">
         <a:solidFill>
           <a:srgbClr val="000000"/>
         </a:solidFill>
@@ -162,7 +162,7 @@
         <a:sym typeface="Arial"/>
       </a:defRPr>
     </a:lvl5pPr>
-    <a:lvl6pPr marR="0" lvl="5" algn="l" rtl="0">
+    <a:lvl6pPr lvl="5" marR="0" rtl="0" algn="l">
       <a:lnSpc>
         <a:spcPct val="100000"/>
       </a:lnSpc>
@@ -176,7 +176,7 @@
         <a:srgbClr val="000000"/>
       </a:buClr>
       <a:buFont typeface="Arial"/>
-      <a:defRPr sz="1400" b="0" i="0" u="none" strike="noStrike" cap="none">
+      <a:defRPr b="0" i="0" sz="1400" u="none" cap="none" strike="noStrike">
         <a:solidFill>
           <a:srgbClr val="000000"/>
         </a:solidFill>
@@ -186,7 +186,7 @@
         <a:sym typeface="Arial"/>
       </a:defRPr>
     </a:lvl6pPr>
-    <a:lvl7pPr marR="0" lvl="6" algn="l" rtl="0">
+    <a:lvl7pPr lvl="6" marR="0" rtl="0" algn="l">
       <a:lnSpc>
         <a:spcPct val="100000"/>
       </a:lnSpc>
@@ -200,7 +200,7 @@
         <a:srgbClr val="000000"/>
       </a:buClr>
       <a:buFont typeface="Arial"/>
-      <a:defRPr sz="1400" b="0" i="0" u="none" strike="noStrike" cap="none">
+      <a:defRPr b="0" i="0" sz="1400" u="none" cap="none" strike="noStrike">
         <a:solidFill>
           <a:srgbClr val="000000"/>
         </a:solidFill>
@@ -210,7 +210,7 @@
         <a:sym typeface="Arial"/>
       </a:defRPr>
     </a:lvl7pPr>
-    <a:lvl8pPr marR="0" lvl="7" algn="l" rtl="0">
+    <a:lvl8pPr lvl="7" marR="0" rtl="0" algn="l">
       <a:lnSpc>
         <a:spcPct val="100000"/>
       </a:lnSpc>
@@ -224,7 +224,7 @@
         <a:srgbClr val="000000"/>
       </a:buClr>
       <a:buFont typeface="Arial"/>
-      <a:defRPr sz="1400" b="0" i="0" u="none" strike="noStrike" cap="none">
+      <a:defRPr b="0" i="0" sz="1400" u="none" cap="none" strike="noStrike">
         <a:solidFill>
           <a:srgbClr val="000000"/>
         </a:solidFill>
@@ -234,7 +234,7 @@
         <a:sym typeface="Arial"/>
       </a:defRPr>
     </a:lvl8pPr>
-    <a:lvl9pPr marR="0" lvl="8" algn="l" rtl="0">
+    <a:lvl9pPr lvl="8" marR="0" rtl="0" algn="l">
       <a:lnSpc>
         <a:spcPct val="100000"/>
       </a:lnSpc>
@@ -248,7 +248,7 @@
         <a:srgbClr val="000000"/>
       </a:buClr>
       <a:buFont typeface="Arial"/>
-      <a:defRPr sz="1400" b="0" i="0" u="none" strike="noStrike" cap="none">
+      <a:defRPr b="0" i="0" sz="1400" u="none" cap="none" strike="noStrike">
         <a:solidFill>
           <a:srgbClr val="000000"/>
         </a:solidFill>
@@ -259,25 +259,22 @@
       </a:defRPr>
     </a:lvl9pPr>
   </p:defaultTextStyle>
-  <p:extLst>
-    <p:ext uri="{EFAFB233-063F-42B5-8137-9DF3F51BA10A}">
-      <p15:sldGuideLst xmlns:p15="http://schemas.microsoft.com/office/powerpoint/2012/main"/>
-    </p:ext>
-  </p:extLst>
 </p:presentation>
 </file>
 
 <file path=ppt/notesMasters/notesMaster1.xml><?xml version="1.0" encoding="utf-8"?>
-<p:notesMaster xmlns:a="http://schemas.openxmlformats.org/drawingml/2006/main" xmlns:r="http://schemas.openxmlformats.org/officeDocument/2006/relationships" xmlns:p="http://schemas.openxmlformats.org/presentationml/2006/main">
+<p:notesMaster xmlns:a="http://schemas.openxmlformats.org/drawingml/2006/main" xmlns:r="http://schemas.openxmlformats.org/officeDocument/2006/relationships" xmlns:mc="http://schemas.openxmlformats.org/markup-compatibility/2006" xmlns:mv="urn:schemas-microsoft-com:mac:vml" xmlns:p="http://schemas.openxmlformats.org/presentationml/2006/main" xmlns:c="http://schemas.openxmlformats.org/drawingml/2006/chart" xmlns:dgm="http://schemas.openxmlformats.org/drawingml/2006/diagram" xmlns:o="urn:schemas-microsoft-com:office:office" xmlns:v="urn:schemas-microsoft-com:vml" xmlns:pvml="urn:schemas-microsoft-com:office:powerpoint" xmlns:com="http://schemas.openxmlformats.org/drawingml/2006/compatibility" xmlns:p14="http://schemas.microsoft.com/office/powerpoint/2010/main" xmlns:p15="http://schemas.microsoft.com/office/powerpoint/2012/main" xmlns:ahyp="http://schemas.microsoft.com/office/drawing/2018/hyperlinkcolor">
   <p:cSld>
     <p:bg>
-      <p:bgRef idx="1001">
-        <a:schemeClr val="bg1"/>
-      </p:bgRef>
+      <p:bgPr>
+        <a:solidFill>
+          <a:schemeClr val="lt1"/>
+        </a:solidFill>
+      </p:bgPr>
     </p:bg>
     <p:spTree>
       <p:nvGrpSpPr>
-        <p:cNvPr id="1" name="Shape 2"/>
+        <p:cNvPr id="2" name="Shape 2"/>
         <p:cNvGrpSpPr/>
         <p:nvPr/>
       </p:nvGrpSpPr>
@@ -292,11 +289,9 @@
       <p:sp>
         <p:nvSpPr>
           <p:cNvPr id="3" name="Google Shape;3;n"/>
-          <p:cNvSpPr>
-            <a:spLocks noGrp="1" noRot="1" noChangeAspect="1"/>
-          </p:cNvSpPr>
+          <p:cNvSpPr/>
           <p:nvPr>
-            <p:ph type="sldImg" idx="2"/>
+            <p:ph idx="2" type="sldImg"/>
           </p:nvPr>
         </p:nvSpPr>
         <p:spPr>
@@ -305,13 +300,9 @@
             <a:ext cx="6096075" cy="3429000"/>
           </a:xfrm>
           <a:custGeom>
-            <a:avLst/>
-            <a:gdLst/>
-            <a:ahLst/>
-            <a:cxnLst/>
-            <a:rect l="l" t="t" r="r" b="b"/>
+            <a:rect b="b" l="l" r="r" t="t"/>
             <a:pathLst>
-              <a:path w="120000" h="120000" extrusionOk="0">
+              <a:path extrusionOk="0" h="120000" w="120000">
                 <a:moveTo>
                   <a:pt x="0" y="0"/>
                 </a:moveTo>
@@ -329,25 +320,23 @@
             </a:pathLst>
           </a:custGeom>
           <a:noFill/>
-          <a:ln w="9525" cap="flat" cmpd="sng">
+          <a:ln cap="flat" cmpd="sng" w="9525">
             <a:solidFill>
               <a:srgbClr val="000000"/>
             </a:solidFill>
             <a:prstDash val="solid"/>
             <a:round/>
-            <a:headEnd type="none" w="sm" len="sm"/>
-            <a:tailEnd type="none" w="sm" len="sm"/>
+            <a:headEnd len="sm" w="sm" type="none"/>
+            <a:tailEnd len="sm" w="sm" type="none"/>
           </a:ln>
         </p:spPr>
       </p:sp>
       <p:sp>
         <p:nvSpPr>
           <p:cNvPr id="4" name="Google Shape;4;n"/>
-          <p:cNvSpPr txBox="1">
-            <a:spLocks noGrp="1"/>
-          </p:cNvSpPr>
+          <p:cNvSpPr txBox="1"/>
           <p:nvPr>
-            <p:ph type="body" idx="1"/>
+            <p:ph idx="1" type="body"/>
           </p:nvPr>
         </p:nvSpPr>
         <p:spPr>
@@ -364,120 +353,253 @@
           </a:ln>
         </p:spPr>
         <p:txBody>
-          <a:bodyPr spcFirstLastPara="1" wrap="square" lIns="91425" tIns="91425" rIns="91425" bIns="91425" anchor="t" anchorCtr="0">
+          <a:bodyPr anchorCtr="0" anchor="t" bIns="91425" lIns="91425" spcFirstLastPara="1" rIns="91425" wrap="square" tIns="91425">
             <a:noAutofit/>
           </a:bodyPr>
           <a:lstStyle>
-            <a:lvl1pPr marL="457200" lvl="0" indent="-298450">
-              <a:spcBef>
-                <a:spcPts val="0"/>
-              </a:spcBef>
-              <a:spcAft>
-                <a:spcPts val="0"/>
-              </a:spcAft>
+            <a:lvl1pPr indent="-298450" lvl="0" marL="457200" marR="0" rtl="0" algn="l">
+              <a:lnSpc>
+                <a:spcPct val="100000"/>
+              </a:lnSpc>
+              <a:spcBef>
+                <a:spcPts val="0"/>
+              </a:spcBef>
+              <a:spcAft>
+                <a:spcPts val="0"/>
+              </a:spcAft>
+              <a:buClr>
+                <a:srgbClr val="000000"/>
+              </a:buClr>
               <a:buSzPts val="1100"/>
+              <a:buFont typeface="Arial"/>
               <a:buChar char="●"/>
-              <a:defRPr sz="1100"/>
+              <a:defRPr b="0" i="0" sz="1100" u="none" cap="none" strike="noStrike">
+                <a:solidFill>
+                  <a:srgbClr val="000000"/>
+                </a:solidFill>
+                <a:latin typeface="Arial"/>
+                <a:ea typeface="Arial"/>
+                <a:cs typeface="Arial"/>
+                <a:sym typeface="Arial"/>
+              </a:defRPr>
             </a:lvl1pPr>
-            <a:lvl2pPr marL="914400" lvl="1" indent="-298450">
-              <a:spcBef>
-                <a:spcPts val="0"/>
-              </a:spcBef>
-              <a:spcAft>
-                <a:spcPts val="0"/>
-              </a:spcAft>
+            <a:lvl2pPr indent="-298450" lvl="1" marL="914400" marR="0" rtl="0" algn="l">
+              <a:lnSpc>
+                <a:spcPct val="100000"/>
+              </a:lnSpc>
+              <a:spcBef>
+                <a:spcPts val="0"/>
+              </a:spcBef>
+              <a:spcAft>
+                <a:spcPts val="0"/>
+              </a:spcAft>
+              <a:buClr>
+                <a:srgbClr val="000000"/>
+              </a:buClr>
               <a:buSzPts val="1100"/>
+              <a:buFont typeface="Arial"/>
               <a:buChar char="○"/>
-              <a:defRPr sz="1100"/>
+              <a:defRPr b="0" i="0" sz="1100" u="none" cap="none" strike="noStrike">
+                <a:solidFill>
+                  <a:srgbClr val="000000"/>
+                </a:solidFill>
+                <a:latin typeface="Arial"/>
+                <a:ea typeface="Arial"/>
+                <a:cs typeface="Arial"/>
+                <a:sym typeface="Arial"/>
+              </a:defRPr>
             </a:lvl2pPr>
-            <a:lvl3pPr marL="1371600" lvl="2" indent="-298450">
-              <a:spcBef>
-                <a:spcPts val="0"/>
-              </a:spcBef>
-              <a:spcAft>
-                <a:spcPts val="0"/>
-              </a:spcAft>
+            <a:lvl3pPr indent="-298450" lvl="2" marL="1371600" marR="0" rtl="0" algn="l">
+              <a:lnSpc>
+                <a:spcPct val="100000"/>
+              </a:lnSpc>
+              <a:spcBef>
+                <a:spcPts val="0"/>
+              </a:spcBef>
+              <a:spcAft>
+                <a:spcPts val="0"/>
+              </a:spcAft>
+              <a:buClr>
+                <a:srgbClr val="000000"/>
+              </a:buClr>
               <a:buSzPts val="1100"/>
+              <a:buFont typeface="Arial"/>
               <a:buChar char="■"/>
-              <a:defRPr sz="1100"/>
+              <a:defRPr b="0" i="0" sz="1100" u="none" cap="none" strike="noStrike">
+                <a:solidFill>
+                  <a:srgbClr val="000000"/>
+                </a:solidFill>
+                <a:latin typeface="Arial"/>
+                <a:ea typeface="Arial"/>
+                <a:cs typeface="Arial"/>
+                <a:sym typeface="Arial"/>
+              </a:defRPr>
             </a:lvl3pPr>
-            <a:lvl4pPr marL="1828800" lvl="3" indent="-298450">
-              <a:spcBef>
-                <a:spcPts val="0"/>
-              </a:spcBef>
-              <a:spcAft>
-                <a:spcPts val="0"/>
-              </a:spcAft>
+            <a:lvl4pPr indent="-298450" lvl="3" marL="1828800" marR="0" rtl="0" algn="l">
+              <a:lnSpc>
+                <a:spcPct val="100000"/>
+              </a:lnSpc>
+              <a:spcBef>
+                <a:spcPts val="0"/>
+              </a:spcBef>
+              <a:spcAft>
+                <a:spcPts val="0"/>
+              </a:spcAft>
+              <a:buClr>
+                <a:srgbClr val="000000"/>
+              </a:buClr>
               <a:buSzPts val="1100"/>
+              <a:buFont typeface="Arial"/>
               <a:buChar char="●"/>
-              <a:defRPr sz="1100"/>
+              <a:defRPr b="0" i="0" sz="1100" u="none" cap="none" strike="noStrike">
+                <a:solidFill>
+                  <a:srgbClr val="000000"/>
+                </a:solidFill>
+                <a:latin typeface="Arial"/>
+                <a:ea typeface="Arial"/>
+                <a:cs typeface="Arial"/>
+                <a:sym typeface="Arial"/>
+              </a:defRPr>
             </a:lvl4pPr>
-            <a:lvl5pPr marL="2286000" lvl="4" indent="-298450">
-              <a:spcBef>
-                <a:spcPts val="0"/>
-              </a:spcBef>
-              <a:spcAft>
-                <a:spcPts val="0"/>
-              </a:spcAft>
+            <a:lvl5pPr indent="-298450" lvl="4" marL="2286000" marR="0" rtl="0" algn="l">
+              <a:lnSpc>
+                <a:spcPct val="100000"/>
+              </a:lnSpc>
+              <a:spcBef>
+                <a:spcPts val="0"/>
+              </a:spcBef>
+              <a:spcAft>
+                <a:spcPts val="0"/>
+              </a:spcAft>
+              <a:buClr>
+                <a:srgbClr val="000000"/>
+              </a:buClr>
               <a:buSzPts val="1100"/>
+              <a:buFont typeface="Arial"/>
               <a:buChar char="○"/>
-              <a:defRPr sz="1100"/>
+              <a:defRPr b="0" i="0" sz="1100" u="none" cap="none" strike="noStrike">
+                <a:solidFill>
+                  <a:srgbClr val="000000"/>
+                </a:solidFill>
+                <a:latin typeface="Arial"/>
+                <a:ea typeface="Arial"/>
+                <a:cs typeface="Arial"/>
+                <a:sym typeface="Arial"/>
+              </a:defRPr>
             </a:lvl5pPr>
-            <a:lvl6pPr marL="2743200" lvl="5" indent="-298450">
-              <a:spcBef>
-                <a:spcPts val="0"/>
-              </a:spcBef>
-              <a:spcAft>
-                <a:spcPts val="0"/>
-              </a:spcAft>
+            <a:lvl6pPr indent="-298450" lvl="5" marL="2743200" marR="0" rtl="0" algn="l">
+              <a:lnSpc>
+                <a:spcPct val="100000"/>
+              </a:lnSpc>
+              <a:spcBef>
+                <a:spcPts val="0"/>
+              </a:spcBef>
+              <a:spcAft>
+                <a:spcPts val="0"/>
+              </a:spcAft>
+              <a:buClr>
+                <a:srgbClr val="000000"/>
+              </a:buClr>
               <a:buSzPts val="1100"/>
+              <a:buFont typeface="Arial"/>
               <a:buChar char="■"/>
-              <a:defRPr sz="1100"/>
+              <a:defRPr b="0" i="0" sz="1100" u="none" cap="none" strike="noStrike">
+                <a:solidFill>
+                  <a:srgbClr val="000000"/>
+                </a:solidFill>
+                <a:latin typeface="Arial"/>
+                <a:ea typeface="Arial"/>
+                <a:cs typeface="Arial"/>
+                <a:sym typeface="Arial"/>
+              </a:defRPr>
             </a:lvl6pPr>
-            <a:lvl7pPr marL="3200400" lvl="6" indent="-298450">
-              <a:spcBef>
-                <a:spcPts val="0"/>
-              </a:spcBef>
-              <a:spcAft>
-                <a:spcPts val="0"/>
-              </a:spcAft>
+            <a:lvl7pPr indent="-298450" lvl="6" marL="3200400" marR="0" rtl="0" algn="l">
+              <a:lnSpc>
+                <a:spcPct val="100000"/>
+              </a:lnSpc>
+              <a:spcBef>
+                <a:spcPts val="0"/>
+              </a:spcBef>
+              <a:spcAft>
+                <a:spcPts val="0"/>
+              </a:spcAft>
+              <a:buClr>
+                <a:srgbClr val="000000"/>
+              </a:buClr>
               <a:buSzPts val="1100"/>
+              <a:buFont typeface="Arial"/>
               <a:buChar char="●"/>
-              <a:defRPr sz="1100"/>
+              <a:defRPr b="0" i="0" sz="1100" u="none" cap="none" strike="noStrike">
+                <a:solidFill>
+                  <a:srgbClr val="000000"/>
+                </a:solidFill>
+                <a:latin typeface="Arial"/>
+                <a:ea typeface="Arial"/>
+                <a:cs typeface="Arial"/>
+                <a:sym typeface="Arial"/>
+              </a:defRPr>
             </a:lvl7pPr>
-            <a:lvl8pPr marL="3657600" lvl="7" indent="-298450">
-              <a:spcBef>
-                <a:spcPts val="0"/>
-              </a:spcBef>
-              <a:spcAft>
-                <a:spcPts val="0"/>
-              </a:spcAft>
+            <a:lvl8pPr indent="-298450" lvl="7" marL="3657600" marR="0" rtl="0" algn="l">
+              <a:lnSpc>
+                <a:spcPct val="100000"/>
+              </a:lnSpc>
+              <a:spcBef>
+                <a:spcPts val="0"/>
+              </a:spcBef>
+              <a:spcAft>
+                <a:spcPts val="0"/>
+              </a:spcAft>
+              <a:buClr>
+                <a:srgbClr val="000000"/>
+              </a:buClr>
               <a:buSzPts val="1100"/>
+              <a:buFont typeface="Arial"/>
               <a:buChar char="○"/>
-              <a:defRPr sz="1100"/>
+              <a:defRPr b="0" i="0" sz="1100" u="none" cap="none" strike="noStrike">
+                <a:solidFill>
+                  <a:srgbClr val="000000"/>
+                </a:solidFill>
+                <a:latin typeface="Arial"/>
+                <a:ea typeface="Arial"/>
+                <a:cs typeface="Arial"/>
+                <a:sym typeface="Arial"/>
+              </a:defRPr>
             </a:lvl8pPr>
-            <a:lvl9pPr marL="4114800" lvl="8" indent="-298450">
-              <a:spcBef>
-                <a:spcPts val="0"/>
-              </a:spcBef>
-              <a:spcAft>
-                <a:spcPts val="0"/>
-              </a:spcAft>
+            <a:lvl9pPr indent="-298450" lvl="8" marL="4114800" marR="0" rtl="0" algn="l">
+              <a:lnSpc>
+                <a:spcPct val="100000"/>
+              </a:lnSpc>
+              <a:spcBef>
+                <a:spcPts val="0"/>
+              </a:spcBef>
+              <a:spcAft>
+                <a:spcPts val="0"/>
+              </a:spcAft>
+              <a:buClr>
+                <a:srgbClr val="000000"/>
+              </a:buClr>
               <a:buSzPts val="1100"/>
+              <a:buFont typeface="Arial"/>
               <a:buChar char="■"/>
-              <a:defRPr sz="1100"/>
+              <a:defRPr b="0" i="0" sz="1100" u="none" cap="none" strike="noStrike">
+                <a:solidFill>
+                  <a:srgbClr val="000000"/>
+                </a:solidFill>
+                <a:latin typeface="Arial"/>
+                <a:ea typeface="Arial"/>
+                <a:cs typeface="Arial"/>
+                <a:sym typeface="Arial"/>
+              </a:defRPr>
             </a:lvl9pPr>
           </a:lstStyle>
-          <a:p>
-            <a:endParaRPr/>
-          </a:p>
+          <a:p/>
         </p:txBody>
       </p:sp>
     </p:spTree>
   </p:cSld>
-  <p:clrMap bg1="lt1" tx1="dk1" bg2="dk2" tx2="lt2" accent1="accent1" accent2="accent2" accent3="accent3" accent4="accent4" accent5="accent5" accent6="accent6" hlink="hlink" folHlink="folHlink"/>
+  <p:clrMap accent1="accent1" accent2="accent2" accent3="accent3" accent4="accent4" accent5="accent5" accent6="accent6" bg1="lt1" bg2="dk2" tx1="dk1" tx2="lt2" folHlink="folHlink" hlink="hlink"/>
   <p:notesStyle>
-    <a:defPPr marR="0" lvl="0" algn="l" rtl="0">
+    <a:defPPr lvl="0" marR="0" rtl="0" algn="l">
       <a:lnSpc>
         <a:spcPct val="100000"/>
       </a:lnSpc>
@@ -488,7 +610,7 @@
         <a:spcPts val="0"/>
       </a:spcAft>
     </a:defPPr>
-    <a:lvl1pPr marR="0" lvl="0" algn="l" rtl="0">
+    <a:lvl1pPr lvl="0" marR="0" rtl="0" algn="l">
       <a:lnSpc>
         <a:spcPct val="100000"/>
       </a:lnSpc>
@@ -502,7 +624,7 @@
         <a:srgbClr val="000000"/>
       </a:buClr>
       <a:buFont typeface="Arial"/>
-      <a:defRPr sz="1400" b="0" i="0" u="none" strike="noStrike" cap="none">
+      <a:defRPr b="0" i="0" sz="1400" u="none" cap="none" strike="noStrike">
         <a:solidFill>
           <a:srgbClr val="000000"/>
         </a:solidFill>
@@ -512,7 +634,7 @@
         <a:sym typeface="Arial"/>
       </a:defRPr>
     </a:lvl1pPr>
-    <a:lvl2pPr marR="0" lvl="1" algn="l" rtl="0">
+    <a:lvl2pPr lvl="1" marR="0" rtl="0" algn="l">
       <a:lnSpc>
         <a:spcPct val="100000"/>
       </a:lnSpc>
@@ -526,7 +648,7 @@
         <a:srgbClr val="000000"/>
       </a:buClr>
       <a:buFont typeface="Arial"/>
-      <a:defRPr sz="1400" b="0" i="0" u="none" strike="noStrike" cap="none">
+      <a:defRPr b="0" i="0" sz="1400" u="none" cap="none" strike="noStrike">
         <a:solidFill>
           <a:srgbClr val="000000"/>
         </a:solidFill>
@@ -536,7 +658,7 @@
         <a:sym typeface="Arial"/>
       </a:defRPr>
     </a:lvl2pPr>
-    <a:lvl3pPr marR="0" lvl="2" algn="l" rtl="0">
+    <a:lvl3pPr lvl="2" marR="0" rtl="0" algn="l">
       <a:lnSpc>
         <a:spcPct val="100000"/>
       </a:lnSpc>
@@ -550,7 +672,7 @@
         <a:srgbClr val="000000"/>
       </a:buClr>
       <a:buFont typeface="Arial"/>
-      <a:defRPr sz="1400" b="0" i="0" u="none" strike="noStrike" cap="none">
+      <a:defRPr b="0" i="0" sz="1400" u="none" cap="none" strike="noStrike">
         <a:solidFill>
           <a:srgbClr val="000000"/>
         </a:solidFill>
@@ -560,7 +682,7 @@
         <a:sym typeface="Arial"/>
       </a:defRPr>
     </a:lvl3pPr>
-    <a:lvl4pPr marR="0" lvl="3" algn="l" rtl="0">
+    <a:lvl4pPr lvl="3" marR="0" rtl="0" algn="l">
       <a:lnSpc>
         <a:spcPct val="100000"/>
       </a:lnSpc>
@@ -574,7 +696,7 @@
         <a:srgbClr val="000000"/>
       </a:buClr>
       <a:buFont typeface="Arial"/>
-      <a:defRPr sz="1400" b="0" i="0" u="none" strike="noStrike" cap="none">
+      <a:defRPr b="0" i="0" sz="1400" u="none" cap="none" strike="noStrike">
         <a:solidFill>
           <a:srgbClr val="000000"/>
         </a:solidFill>
@@ -584,7 +706,7 @@
         <a:sym typeface="Arial"/>
       </a:defRPr>
     </a:lvl4pPr>
-    <a:lvl5pPr marR="0" lvl="4" algn="l" rtl="0">
+    <a:lvl5pPr lvl="4" marR="0" rtl="0" algn="l">
       <a:lnSpc>
         <a:spcPct val="100000"/>
       </a:lnSpc>
@@ -598,7 +720,7 @@
         <a:srgbClr val="000000"/>
       </a:buClr>
       <a:buFont typeface="Arial"/>
-      <a:defRPr sz="1400" b="0" i="0" u="none" strike="noStrike" cap="none">
+      <a:defRPr b="0" i="0" sz="1400" u="none" cap="none" strike="noStrike">
         <a:solidFill>
           <a:srgbClr val="000000"/>
         </a:solidFill>
@@ -608,7 +730,7 @@
         <a:sym typeface="Arial"/>
       </a:defRPr>
     </a:lvl5pPr>
-    <a:lvl6pPr marR="0" lvl="5" algn="l" rtl="0">
+    <a:lvl6pPr lvl="5" marR="0" rtl="0" algn="l">
       <a:lnSpc>
         <a:spcPct val="100000"/>
       </a:lnSpc>
@@ -622,7 +744,7 @@
         <a:srgbClr val="000000"/>
       </a:buClr>
       <a:buFont typeface="Arial"/>
-      <a:defRPr sz="1400" b="0" i="0" u="none" strike="noStrike" cap="none">
+      <a:defRPr b="0" i="0" sz="1400" u="none" cap="none" strike="noStrike">
         <a:solidFill>
           <a:srgbClr val="000000"/>
         </a:solidFill>
@@ -632,7 +754,7 @@
         <a:sym typeface="Arial"/>
       </a:defRPr>
     </a:lvl6pPr>
-    <a:lvl7pPr marR="0" lvl="6" algn="l" rtl="0">
+    <a:lvl7pPr lvl="6" marR="0" rtl="0" algn="l">
       <a:lnSpc>
         <a:spcPct val="100000"/>
       </a:lnSpc>
@@ -646,7 +768,7 @@
         <a:srgbClr val="000000"/>
       </a:buClr>
       <a:buFont typeface="Arial"/>
-      <a:defRPr sz="1400" b="0" i="0" u="none" strike="noStrike" cap="none">
+      <a:defRPr b="0" i="0" sz="1400" u="none" cap="none" strike="noStrike">
         <a:solidFill>
           <a:srgbClr val="000000"/>
         </a:solidFill>
@@ -656,7 +778,7 @@
         <a:sym typeface="Arial"/>
       </a:defRPr>
     </a:lvl7pPr>
-    <a:lvl8pPr marR="0" lvl="7" algn="l" rtl="0">
+    <a:lvl8pPr lvl="7" marR="0" rtl="0" algn="l">
       <a:lnSpc>
         <a:spcPct val="100000"/>
       </a:lnSpc>
@@ -670,7 +792,7 @@
         <a:srgbClr val="000000"/>
       </a:buClr>
       <a:buFont typeface="Arial"/>
-      <a:defRPr sz="1400" b="0" i="0" u="none" strike="noStrike" cap="none">
+      <a:defRPr b="0" i="0" sz="1400" u="none" cap="none" strike="noStrike">
         <a:solidFill>
           <a:srgbClr val="000000"/>
         </a:solidFill>
@@ -680,7 +802,7 @@
         <a:sym typeface="Arial"/>
       </a:defRPr>
     </a:lvl8pPr>
-    <a:lvl9pPr marR="0" lvl="8" algn="l" rtl="0">
+    <a:lvl9pPr lvl="8" marR="0" rtl="0" algn="l">
       <a:lnSpc>
         <a:spcPct val="100000"/>
       </a:lnSpc>
@@ -694,7 +816,7 @@
         <a:srgbClr val="000000"/>
       </a:buClr>
       <a:buFont typeface="Arial"/>
-      <a:defRPr sz="1400" b="0" i="0" u="none" strike="noStrike" cap="none">
+      <a:defRPr b="0" i="0" sz="1400" u="none" cap="none" strike="noStrike">
         <a:solidFill>
           <a:srgbClr val="000000"/>
         </a:solidFill>
@@ -709,11 +831,11 @@
 </file>
 
 <file path=ppt/notesSlides/notesSlide1.xml><?xml version="1.0" encoding="utf-8"?>
-<p:notes xmlns:a="http://schemas.openxmlformats.org/drawingml/2006/main" xmlns:r="http://schemas.openxmlformats.org/officeDocument/2006/relationships" xmlns:p="http://schemas.openxmlformats.org/presentationml/2006/main" showMasterSp="0" showMasterPhAnim="0">
+<p:notes xmlns:a="http://schemas.openxmlformats.org/drawingml/2006/main" xmlns:r="http://schemas.openxmlformats.org/officeDocument/2006/relationships" xmlns:mc="http://schemas.openxmlformats.org/markup-compatibility/2006" xmlns:mv="urn:schemas-microsoft-com:mac:vml" xmlns:p="http://schemas.openxmlformats.org/presentationml/2006/main" xmlns:c="http://schemas.openxmlformats.org/drawingml/2006/chart" xmlns:dgm="http://schemas.openxmlformats.org/drawingml/2006/diagram" xmlns:o="urn:schemas-microsoft-com:office:office" xmlns:v="urn:schemas-microsoft-com:vml" xmlns:pvml="urn:schemas-microsoft-com:office:powerpoint" xmlns:com="http://schemas.openxmlformats.org/drawingml/2006/compatibility" xmlns:p14="http://schemas.microsoft.com/office/powerpoint/2010/main" xmlns:p15="http://schemas.microsoft.com/office/powerpoint/2012/main" xmlns:ahyp="http://schemas.microsoft.com/office/drawing/2018/hyperlinkcolor" showMasterPhAnim="0" showMasterSp="0">
   <p:cSld>
     <p:spTree>
       <p:nvGrpSpPr>
-        <p:cNvPr id="1" name="Shape 234"/>
+        <p:cNvPr id="38" name="Shape 38"/>
         <p:cNvGrpSpPr/>
         <p:nvPr/>
       </p:nvGrpSpPr>
@@ -727,12 +849,10 @@
       </p:grpSpPr>
       <p:sp>
         <p:nvSpPr>
-          <p:cNvPr id="235" name="Google Shape;235;p:notes"/>
-          <p:cNvSpPr>
-            <a:spLocks noGrp="1" noRot="1" noChangeAspect="1"/>
-          </p:cNvSpPr>
+          <p:cNvPr id="39" name="Google Shape;39;p1:notes"/>
+          <p:cNvSpPr/>
           <p:nvPr>
-            <p:ph type="sldImg" idx="2"/>
+            <p:ph idx="2" type="sldImg"/>
           </p:nvPr>
         </p:nvSpPr>
         <p:spPr>
@@ -741,13 +861,282 @@
             <a:ext cx="6096000" cy="3429000"/>
           </a:xfrm>
           <a:custGeom>
+            <a:rect b="b" l="l" r="r" t="t"/>
+            <a:pathLst>
+              <a:path extrusionOk="0" h="120000" w="120000">
+                <a:moveTo>
+                  <a:pt x="0" y="0"/>
+                </a:moveTo>
+                <a:lnTo>
+                  <a:pt x="120000" y="0"/>
+                </a:lnTo>
+                <a:lnTo>
+                  <a:pt x="120000" y="120000"/>
+                </a:lnTo>
+                <a:lnTo>
+                  <a:pt x="0" y="120000"/>
+                </a:lnTo>
+                <a:close/>
+              </a:path>
+            </a:pathLst>
+          </a:custGeom>
+          <a:noFill/>
+          <a:ln cap="flat" cmpd="sng" w="9525">
+            <a:solidFill>
+              <a:srgbClr val="000000"/>
+            </a:solidFill>
+            <a:prstDash val="solid"/>
+            <a:round/>
+            <a:headEnd len="sm" w="sm" type="none"/>
+            <a:tailEnd len="sm" w="sm" type="none"/>
+          </a:ln>
+        </p:spPr>
+      </p:sp>
+      <p:sp>
+        <p:nvSpPr>
+          <p:cNvPr id="40" name="Google Shape;40;p1:notes"/>
+          <p:cNvSpPr txBox="1"/>
+          <p:nvPr>
+            <p:ph idx="1" type="body"/>
+          </p:nvPr>
+        </p:nvSpPr>
+        <p:spPr>
+          <a:xfrm>
+            <a:off x="685800" y="4343400"/>
+            <a:ext cx="5486400" cy="4114800"/>
+          </a:xfrm>
+          <a:prstGeom prst="rect">
             <a:avLst/>
-            <a:gdLst/>
-            <a:ahLst/>
-            <a:cxnLst/>
-            <a:rect l="l" t="t" r="r" b="b"/>
+          </a:prstGeom>
+          <a:noFill/>
+          <a:ln>
+            <a:noFill/>
+          </a:ln>
+        </p:spPr>
+        <p:txBody>
+          <a:bodyPr anchorCtr="0" anchor="t" bIns="91425" lIns="91425" spcFirstLastPara="1" rIns="91425" wrap="square" tIns="91425">
+            <a:noAutofit/>
+          </a:bodyPr>
+          <a:lstStyle/>
+          <a:p>
+            <a:pPr indent="0" lvl="0" marL="0" rtl="0" algn="l">
+              <a:lnSpc>
+                <a:spcPct val="100000"/>
+              </a:lnSpc>
+              <a:spcBef>
+                <a:spcPts val="0"/>
+              </a:spcBef>
+              <a:spcAft>
+                <a:spcPts val="0"/>
+              </a:spcAft>
+              <a:buSzPts val="1100"/>
+              <a:buNone/>
+            </a:pPr>
+            <a:r>
+              <a:t/>
+            </a:r>
+            <a:endParaRPr/>
+          </a:p>
+        </p:txBody>
+      </p:sp>
+    </p:spTree>
+  </p:cSld>
+  <p:clrMapOvr>
+    <a:masterClrMapping/>
+  </p:clrMapOvr>
+</p:notes>
+</file>
+
+<file path=ppt/notesSlides/notesSlide2.xml><?xml version="1.0" encoding="utf-8"?>
+<p:notes xmlns:a="http://schemas.openxmlformats.org/drawingml/2006/main" xmlns:r="http://schemas.openxmlformats.org/officeDocument/2006/relationships" xmlns:mc="http://schemas.openxmlformats.org/markup-compatibility/2006" xmlns:mv="urn:schemas-microsoft-com:mac:vml" xmlns:p="http://schemas.openxmlformats.org/presentationml/2006/main" xmlns:c="http://schemas.openxmlformats.org/drawingml/2006/chart" xmlns:dgm="http://schemas.openxmlformats.org/drawingml/2006/diagram" xmlns:o="urn:schemas-microsoft-com:office:office" xmlns:v="urn:schemas-microsoft-com:vml" xmlns:pvml="urn:schemas-microsoft-com:office:powerpoint" xmlns:com="http://schemas.openxmlformats.org/drawingml/2006/compatibility" xmlns:p14="http://schemas.microsoft.com/office/powerpoint/2010/main" xmlns:p15="http://schemas.microsoft.com/office/powerpoint/2012/main" xmlns:ahyp="http://schemas.microsoft.com/office/drawing/2018/hyperlinkcolor" showMasterPhAnim="0" showMasterSp="0">
+  <p:cSld>
+    <p:spTree>
+      <p:nvGrpSpPr>
+        <p:cNvPr id="51" name="Shape 51"/>
+        <p:cNvGrpSpPr/>
+        <p:nvPr/>
+      </p:nvGrpSpPr>
+      <p:grpSpPr>
+        <a:xfrm>
+          <a:off x="0" y="0"/>
+          <a:ext cx="0" cy="0"/>
+          <a:chOff x="0" y="0"/>
+          <a:chExt cx="0" cy="0"/>
+        </a:xfrm>
+      </p:grpSpPr>
+      <p:sp>
+        <p:nvSpPr>
+          <p:cNvPr id="52" name="Google Shape;52;p2:notes"/>
+          <p:cNvSpPr/>
+          <p:nvPr>
+            <p:ph idx="2" type="sldImg"/>
+          </p:nvPr>
+        </p:nvSpPr>
+        <p:spPr>
+          <a:xfrm>
+            <a:off x="381000" y="685800"/>
+            <a:ext cx="6096000" cy="3429000"/>
+          </a:xfrm>
+          <a:custGeom>
+            <a:rect b="b" l="l" r="r" t="t"/>
             <a:pathLst>
-              <a:path w="120000" h="120000" extrusionOk="0">
+              <a:path extrusionOk="0" h="120000" w="120000">
+                <a:moveTo>
+                  <a:pt x="0" y="0"/>
+                </a:moveTo>
+                <a:lnTo>
+                  <a:pt x="120000" y="0"/>
+                </a:lnTo>
+                <a:lnTo>
+                  <a:pt x="120000" y="120000"/>
+                </a:lnTo>
+                <a:lnTo>
+                  <a:pt x="0" y="120000"/>
+                </a:lnTo>
+                <a:close/>
+              </a:path>
+            </a:pathLst>
+          </a:custGeom>
+          <a:noFill/>
+          <a:ln cap="flat" cmpd="sng" w="9525">
+            <a:solidFill>
+              <a:srgbClr val="000000"/>
+            </a:solidFill>
+            <a:prstDash val="solid"/>
+            <a:round/>
+            <a:headEnd len="sm" w="sm" type="none"/>
+            <a:tailEnd len="sm" w="sm" type="none"/>
+          </a:ln>
+        </p:spPr>
+      </p:sp>
+      <p:sp>
+        <p:nvSpPr>
+          <p:cNvPr id="53" name="Google Shape;53;p2:notes"/>
+          <p:cNvSpPr txBox="1"/>
+          <p:nvPr>
+            <p:ph idx="1" type="body"/>
+          </p:nvPr>
+        </p:nvSpPr>
+        <p:spPr>
+          <a:xfrm>
+            <a:off x="685800" y="4343400"/>
+            <a:ext cx="5486400" cy="4114800"/>
+          </a:xfrm>
+          <a:prstGeom prst="rect">
+            <a:avLst/>
+          </a:prstGeom>
+          <a:noFill/>
+          <a:ln>
+            <a:noFill/>
+          </a:ln>
+        </p:spPr>
+        <p:txBody>
+          <a:bodyPr anchorCtr="0" anchor="t" bIns="91425" lIns="91425" spcFirstLastPara="1" rIns="91425" wrap="square" tIns="91425">
+            <a:noAutofit/>
+          </a:bodyPr>
+          <a:lstStyle/>
+          <a:p>
+            <a:pPr indent="0" lvl="0" marL="0" rtl="0" algn="l">
+              <a:lnSpc>
+                <a:spcPct val="100000"/>
+              </a:lnSpc>
+              <a:spcBef>
+                <a:spcPts val="0"/>
+              </a:spcBef>
+              <a:spcAft>
+                <a:spcPts val="0"/>
+              </a:spcAft>
+              <a:buSzPts val="1100"/>
+              <a:buNone/>
+            </a:pPr>
+            <a:r>
+              <a:t/>
+            </a:r>
+            <a:endParaRPr/>
+          </a:p>
+        </p:txBody>
+      </p:sp>
+    </p:spTree>
+  </p:cSld>
+  <p:clrMapOvr>
+    <a:masterClrMapping/>
+  </p:clrMapOvr>
+</p:notes>
+</file>
+
+<file path=ppt/notesSlides/notesSlide3.xml><?xml version="1.0" encoding="utf-8"?>
+<p:notes xmlns:a="http://schemas.openxmlformats.org/drawingml/2006/main" xmlns:r="http://schemas.openxmlformats.org/officeDocument/2006/relationships" xmlns:mc="http://schemas.openxmlformats.org/markup-compatibility/2006" xmlns:mv="urn:schemas-microsoft-com:mac:vml" xmlns:p="http://schemas.openxmlformats.org/presentationml/2006/main" xmlns:c="http://schemas.openxmlformats.org/drawingml/2006/chart" xmlns:dgm="http://schemas.openxmlformats.org/drawingml/2006/diagram" xmlns:o="urn:schemas-microsoft-com:office:office" xmlns:v="urn:schemas-microsoft-com:vml" xmlns:pvml="urn:schemas-microsoft-com:office:powerpoint" xmlns:com="http://schemas.openxmlformats.org/drawingml/2006/compatibility" xmlns:p14="http://schemas.microsoft.com/office/powerpoint/2010/main" xmlns:p15="http://schemas.microsoft.com/office/powerpoint/2012/main" xmlns:ahyp="http://schemas.microsoft.com/office/drawing/2018/hyperlinkcolor" showMasterPhAnim="0" showMasterSp="0">
+  <p:cSld>
+    <p:spTree>
+      <p:nvGrpSpPr>
+        <p:cNvPr id="63" name="Shape 63"/>
+        <p:cNvGrpSpPr/>
+        <p:nvPr/>
+      </p:nvGrpSpPr>
+      <p:grpSpPr>
+        <a:xfrm>
+          <a:off x="0" y="0"/>
+          <a:ext cx="0" cy="0"/>
+          <a:chOff x="0" y="0"/>
+          <a:chExt cx="0" cy="0"/>
+        </a:xfrm>
+      </p:grpSpPr>
+      <p:sp>
+        <p:nvSpPr>
+          <p:cNvPr id="64" name="Google Shape;64;p3:notes"/>
+          <p:cNvSpPr txBox="1"/>
+          <p:nvPr>
+            <p:ph idx="1" type="body"/>
+          </p:nvPr>
+        </p:nvSpPr>
+        <p:spPr>
+          <a:xfrm>
+            <a:off x="685800" y="4343400"/>
+            <a:ext cx="5486400" cy="4114800"/>
+          </a:xfrm>
+          <a:prstGeom prst="rect">
+            <a:avLst/>
+          </a:prstGeom>
+        </p:spPr>
+        <p:txBody>
+          <a:bodyPr anchorCtr="0" anchor="t" bIns="91425" lIns="91425" spcFirstLastPara="1" rIns="91425" wrap="square" tIns="91425">
+            <a:noAutofit/>
+          </a:bodyPr>
+          <a:lstStyle/>
+          <a:p>
+            <a:pPr indent="0" lvl="0" marL="0" rtl="0" algn="l">
+              <a:spcBef>
+                <a:spcPts val="0"/>
+              </a:spcBef>
+              <a:spcAft>
+                <a:spcPts val="0"/>
+              </a:spcAft>
+              <a:buNone/>
+            </a:pPr>
+            <a:r>
+              <a:t/>
+            </a:r>
+            <a:endParaRPr/>
+          </a:p>
+        </p:txBody>
+      </p:sp>
+      <p:sp>
+        <p:nvSpPr>
+          <p:cNvPr id="65" name="Google Shape;65;p3:notes"/>
+          <p:cNvSpPr/>
+          <p:nvPr>
+            <p:ph idx="2" type="sldImg"/>
+          </p:nvPr>
+        </p:nvSpPr>
+        <p:spPr>
+          <a:xfrm>
+            <a:off x="381300" y="685800"/>
+            <a:ext cx="6096075" cy="3429000"/>
+          </a:xfrm>
+          <a:custGeom>
+            <a:rect b="b" l="l" r="r" t="t"/>
+            <a:pathLst>
+              <a:path extrusionOk="0" h="120000" w="120000">
                 <a:moveTo>
                   <a:pt x="0" y="0"/>
                 </a:moveTo>
@@ -766,44 +1155,6 @@
           </a:custGeom>
         </p:spPr>
       </p:sp>
-      <p:sp>
-        <p:nvSpPr>
-          <p:cNvPr id="236" name="Google Shape;236;p:notes"/>
-          <p:cNvSpPr txBox="1">
-            <a:spLocks noGrp="1"/>
-          </p:cNvSpPr>
-          <p:nvPr>
-            <p:ph type="body" idx="1"/>
-          </p:nvPr>
-        </p:nvSpPr>
-        <p:spPr>
-          <a:xfrm>
-            <a:off x="685800" y="4343400"/>
-            <a:ext cx="5486400" cy="4114800"/>
-          </a:xfrm>
-          <a:prstGeom prst="rect">
-            <a:avLst/>
-          </a:prstGeom>
-        </p:spPr>
-        <p:txBody>
-          <a:bodyPr spcFirstLastPara="1" wrap="square" lIns="91425" tIns="91425" rIns="91425" bIns="91425" anchor="t" anchorCtr="0">
-            <a:noAutofit/>
-          </a:bodyPr>
-          <a:lstStyle/>
-          <a:p>
-            <a:pPr marL="0" lvl="0" indent="0" algn="l" rtl="0">
-              <a:spcBef>
-                <a:spcPts val="0"/>
-              </a:spcBef>
-              <a:spcAft>
-                <a:spcPts val="0"/>
-              </a:spcAft>
-              <a:buNone/>
-            </a:pPr>
-            <a:endParaRPr/>
-          </a:p>
-        </p:txBody>
-      </p:sp>
     </p:spTree>
   </p:cSld>
   <p:clrMapOvr>
@@ -812,12 +1163,12 @@
 </p:notes>
 </file>
 
-<file path=ppt/notesSlides/notesSlide2.xml><?xml version="1.0" encoding="utf-8"?>
-<p:notes xmlns:a="http://schemas.openxmlformats.org/drawingml/2006/main" xmlns:r="http://schemas.openxmlformats.org/officeDocument/2006/relationships" xmlns:p="http://schemas.openxmlformats.org/presentationml/2006/main" showMasterSp="0" showMasterPhAnim="0">
+<file path=ppt/notesSlides/notesSlide4.xml><?xml version="1.0" encoding="utf-8"?>
+<p:notes xmlns:a="http://schemas.openxmlformats.org/drawingml/2006/main" xmlns:r="http://schemas.openxmlformats.org/officeDocument/2006/relationships" xmlns:mc="http://schemas.openxmlformats.org/markup-compatibility/2006" xmlns:mv="urn:schemas-microsoft-com:mac:vml" xmlns:p="http://schemas.openxmlformats.org/presentationml/2006/main" xmlns:c="http://schemas.openxmlformats.org/drawingml/2006/chart" xmlns:dgm="http://schemas.openxmlformats.org/drawingml/2006/diagram" xmlns:o="urn:schemas-microsoft-com:office:office" xmlns:v="urn:schemas-microsoft-com:vml" xmlns:pvml="urn:schemas-microsoft-com:office:powerpoint" xmlns:com="http://schemas.openxmlformats.org/drawingml/2006/compatibility" xmlns:p14="http://schemas.microsoft.com/office/powerpoint/2010/main" xmlns:p15="http://schemas.microsoft.com/office/powerpoint/2012/main" xmlns:ahyp="http://schemas.microsoft.com/office/drawing/2018/hyperlinkcolor" showMasterPhAnim="0" showMasterSp="0">
   <p:cSld>
     <p:spTree>
       <p:nvGrpSpPr>
-        <p:cNvPr id="1" name="Shape 479"/>
+        <p:cNvPr id="71" name="Shape 71"/>
         <p:cNvGrpSpPr/>
         <p:nvPr/>
       </p:nvGrpSpPr>
@@ -831,27 +1182,60 @@
       </p:grpSpPr>
       <p:sp>
         <p:nvSpPr>
-          <p:cNvPr id="480" name="Google Shape;480;gada0c19336_0_331:notes"/>
-          <p:cNvSpPr>
-            <a:spLocks noGrp="1" noRot="1" noChangeAspect="1"/>
-          </p:cNvSpPr>
+          <p:cNvPr id="72" name="Google Shape;72;p4:notes"/>
+          <p:cNvSpPr txBox="1"/>
           <p:nvPr>
-            <p:ph type="sldImg" idx="2"/>
+            <p:ph idx="1" type="body"/>
           </p:nvPr>
         </p:nvSpPr>
         <p:spPr>
           <a:xfrm>
-            <a:off x="381000" y="685800"/>
-            <a:ext cx="6096000" cy="3429000"/>
+            <a:off x="685800" y="4343400"/>
+            <a:ext cx="5486400" cy="4114800"/>
+          </a:xfrm>
+          <a:prstGeom prst="rect">
+            <a:avLst/>
+          </a:prstGeom>
+        </p:spPr>
+        <p:txBody>
+          <a:bodyPr anchorCtr="0" anchor="t" bIns="91425" lIns="91425" spcFirstLastPara="1" rIns="91425" wrap="square" tIns="91425">
+            <a:noAutofit/>
+          </a:bodyPr>
+          <a:lstStyle/>
+          <a:p>
+            <a:pPr indent="0" lvl="0" marL="0" rtl="0" algn="l">
+              <a:spcBef>
+                <a:spcPts val="0"/>
+              </a:spcBef>
+              <a:spcAft>
+                <a:spcPts val="0"/>
+              </a:spcAft>
+              <a:buNone/>
+            </a:pPr>
+            <a:r>
+              <a:t/>
+            </a:r>
+            <a:endParaRPr/>
+          </a:p>
+        </p:txBody>
+      </p:sp>
+      <p:sp>
+        <p:nvSpPr>
+          <p:cNvPr id="73" name="Google Shape;73;p4:notes"/>
+          <p:cNvSpPr/>
+          <p:nvPr>
+            <p:ph idx="2" type="sldImg"/>
+          </p:nvPr>
+        </p:nvSpPr>
+        <p:spPr>
+          <a:xfrm>
+            <a:off x="381300" y="685800"/>
+            <a:ext cx="6096075" cy="3429000"/>
           </a:xfrm>
           <a:custGeom>
-            <a:avLst/>
-            <a:gdLst/>
-            <a:ahLst/>
-            <a:cxnLst/>
-            <a:rect l="l" t="t" r="r" b="b"/>
+            <a:rect b="b" l="l" r="r" t="t"/>
             <a:pathLst>
-              <a:path w="120000" h="120000" extrusionOk="0">
+              <a:path extrusionOk="0" h="120000" w="120000">
                 <a:moveTo>
                   <a:pt x="0" y="0"/>
                 </a:moveTo>
@@ -870,14 +1254,37 @@
           </a:custGeom>
         </p:spPr>
       </p:sp>
+    </p:spTree>
+  </p:cSld>
+  <p:clrMapOvr>
+    <a:masterClrMapping/>
+  </p:clrMapOvr>
+</p:notes>
+</file>
+
+<file path=ppt/notesSlides/notesSlide5.xml><?xml version="1.0" encoding="utf-8"?>
+<p:notes xmlns:a="http://schemas.openxmlformats.org/drawingml/2006/main" xmlns:r="http://schemas.openxmlformats.org/officeDocument/2006/relationships" xmlns:mc="http://schemas.openxmlformats.org/markup-compatibility/2006" xmlns:mv="urn:schemas-microsoft-com:mac:vml" xmlns:p="http://schemas.openxmlformats.org/presentationml/2006/main" xmlns:c="http://schemas.openxmlformats.org/drawingml/2006/chart" xmlns:dgm="http://schemas.openxmlformats.org/drawingml/2006/diagram" xmlns:o="urn:schemas-microsoft-com:office:office" xmlns:v="urn:schemas-microsoft-com:vml" xmlns:pvml="urn:schemas-microsoft-com:office:powerpoint" xmlns:com="http://schemas.openxmlformats.org/drawingml/2006/compatibility" xmlns:p14="http://schemas.microsoft.com/office/powerpoint/2010/main" xmlns:p15="http://schemas.microsoft.com/office/powerpoint/2012/main" xmlns:ahyp="http://schemas.microsoft.com/office/drawing/2018/hyperlinkcolor" showMasterPhAnim="0" showMasterSp="0">
+  <p:cSld>
+    <p:spTree>
+      <p:nvGrpSpPr>
+        <p:cNvPr id="82" name="Shape 82"/>
+        <p:cNvGrpSpPr/>
+        <p:nvPr/>
+      </p:nvGrpSpPr>
+      <p:grpSpPr>
+        <a:xfrm>
+          <a:off x="0" y="0"/>
+          <a:ext cx="0" cy="0"/>
+          <a:chOff x="0" y="0"/>
+          <a:chExt cx="0" cy="0"/>
+        </a:xfrm>
+      </p:grpSpPr>
       <p:sp>
         <p:nvSpPr>
-          <p:cNvPr id="481" name="Google Shape;481;gada0c19336_0_331:notes"/>
-          <p:cNvSpPr txBox="1">
-            <a:spLocks noGrp="1"/>
-          </p:cNvSpPr>
+          <p:cNvPr id="83" name="Google Shape;83;p5:notes"/>
+          <p:cNvSpPr txBox="1"/>
           <p:nvPr>
-            <p:ph type="body" idx="1"/>
+            <p:ph idx="1" type="body"/>
           </p:nvPr>
         </p:nvSpPr>
         <p:spPr>
@@ -890,12 +1297,12 @@
           </a:prstGeom>
         </p:spPr>
         <p:txBody>
-          <a:bodyPr spcFirstLastPara="1" wrap="square" lIns="91425" tIns="91425" rIns="91425" bIns="91425" anchor="t" anchorCtr="0">
+          <a:bodyPr anchorCtr="0" anchor="t" bIns="91425" lIns="91425" spcFirstLastPara="1" rIns="91425" wrap="square" tIns="91425">
             <a:noAutofit/>
           </a:bodyPr>
           <a:lstStyle/>
           <a:p>
-            <a:pPr marL="0" lvl="0" indent="0" algn="l" rtl="0">
+            <a:pPr indent="0" lvl="0" marL="0" rtl="0" algn="l">
               <a:spcBef>
                 <a:spcPts val="0"/>
               </a:spcBef>
@@ -904,9 +1311,47 @@
               </a:spcAft>
               <a:buNone/>
             </a:pPr>
+            <a:r>
+              <a:t/>
+            </a:r>
             <a:endParaRPr/>
           </a:p>
         </p:txBody>
+      </p:sp>
+      <p:sp>
+        <p:nvSpPr>
+          <p:cNvPr id="84" name="Google Shape;84;p5:notes"/>
+          <p:cNvSpPr/>
+          <p:nvPr>
+            <p:ph idx="2" type="sldImg"/>
+          </p:nvPr>
+        </p:nvSpPr>
+        <p:spPr>
+          <a:xfrm>
+            <a:off x="381300" y="685800"/>
+            <a:ext cx="6096075" cy="3429000"/>
+          </a:xfrm>
+          <a:custGeom>
+            <a:rect b="b" l="l" r="r" t="t"/>
+            <a:pathLst>
+              <a:path extrusionOk="0" h="120000" w="120000">
+                <a:moveTo>
+                  <a:pt x="0" y="0"/>
+                </a:moveTo>
+                <a:lnTo>
+                  <a:pt x="120000" y="0"/>
+                </a:lnTo>
+                <a:lnTo>
+                  <a:pt x="120000" y="120000"/>
+                </a:lnTo>
+                <a:lnTo>
+                  <a:pt x="0" y="120000"/>
+                </a:lnTo>
+                <a:close/>
+              </a:path>
+            </a:pathLst>
+          </a:custGeom>
+        </p:spPr>
       </p:sp>
     </p:spTree>
   </p:cSld>
@@ -917,11 +1362,11 @@
 </file>
 
 <file path=ppt/slideLayouts/slideLayout1.xml><?xml version="1.0" encoding="utf-8"?>
-<p:sldLayout xmlns:a="http://schemas.openxmlformats.org/drawingml/2006/main" xmlns:r="http://schemas.openxmlformats.org/officeDocument/2006/relationships" xmlns:p="http://schemas.openxmlformats.org/presentationml/2006/main" matchingName="Title slide" type="title">
+<p:sldLayout xmlns:a="http://schemas.openxmlformats.org/drawingml/2006/main" xmlns:r="http://schemas.openxmlformats.org/officeDocument/2006/relationships" xmlns:mc="http://schemas.openxmlformats.org/markup-compatibility/2006" xmlns:mv="urn:schemas-microsoft-com:mac:vml" xmlns:p="http://schemas.openxmlformats.org/presentationml/2006/main" xmlns:c="http://schemas.openxmlformats.org/drawingml/2006/chart" xmlns:dgm="http://schemas.openxmlformats.org/drawingml/2006/diagram" xmlns:o="urn:schemas-microsoft-com:office:office" xmlns:v="urn:schemas-microsoft-com:vml" xmlns:pvml="urn:schemas-microsoft-com:office:powerpoint" xmlns:com="http://schemas.openxmlformats.org/drawingml/2006/compatibility" xmlns:p14="http://schemas.microsoft.com/office/powerpoint/2010/main" xmlns:p15="http://schemas.microsoft.com/office/powerpoint/2012/main" xmlns:ahyp="http://schemas.microsoft.com/office/drawing/2018/hyperlinkcolor" matchingName="Title slide" type="title">
   <p:cSld name="TITLE">
     <p:spTree>
       <p:nvGrpSpPr>
-        <p:cNvPr id="1" name="Shape 8"/>
+        <p:cNvPr id="8" name="Shape 8"/>
         <p:cNvGrpSpPr/>
         <p:nvPr/>
       </p:nvGrpSpPr>
@@ -945,13 +1390,9 @@
             <a:ext cx="6288275" cy="1955000"/>
           </a:xfrm>
           <a:custGeom>
-            <a:avLst/>
-            <a:gdLst/>
-            <a:ahLst/>
-            <a:cxnLst/>
-            <a:rect l="l" t="t" r="r" b="b"/>
+            <a:rect b="b" l="l" r="r" t="t"/>
             <a:pathLst>
-              <a:path w="251531" h="78200" extrusionOk="0">
+              <a:path extrusionOk="0" h="78200" w="251531">
                 <a:moveTo>
                   <a:pt x="0" y="0"/>
                 </a:moveTo>
@@ -988,13 +1429,9 @@
             <a:ext cx="3081650" cy="902925"/>
           </a:xfrm>
           <a:custGeom>
-            <a:avLst/>
-            <a:gdLst/>
-            <a:ahLst/>
-            <a:cxnLst/>
-            <a:rect l="l" t="t" r="r" b="b"/>
+            <a:rect b="b" l="l" r="r" t="t"/>
             <a:pathLst>
-              <a:path w="123266" h="36117" extrusionOk="0">
+              <a:path extrusionOk="0" h="36117" w="123266">
                 <a:moveTo>
                   <a:pt x="0" y="0"/>
                 </a:moveTo>
@@ -1022,9 +1459,7 @@
       <p:sp>
         <p:nvSpPr>
           <p:cNvPr id="11" name="Google Shape;11;p2"/>
-          <p:cNvSpPr txBox="1">
-            <a:spLocks noGrp="1"/>
-          </p:cNvSpPr>
+          <p:cNvSpPr txBox="1"/>
           <p:nvPr>
             <p:ph type="ctrTitle"/>
           </p:nvPr>
@@ -1037,13 +1472,20 @@
           <a:prstGeom prst="rect">
             <a:avLst/>
           </a:prstGeom>
+          <a:noFill/>
+          <a:ln>
+            <a:noFill/>
+          </a:ln>
         </p:spPr>
         <p:txBody>
-          <a:bodyPr spcFirstLastPara="1" wrap="square" lIns="91425" tIns="91425" rIns="91425" bIns="91425" anchor="ctr" anchorCtr="0">
+          <a:bodyPr anchorCtr="0" anchor="ctr" bIns="91425" lIns="91425" spcFirstLastPara="1" rIns="91425" wrap="square" tIns="91425">
             <a:noAutofit/>
           </a:bodyPr>
           <a:lstStyle>
-            <a:lvl1pPr lvl="0">
+            <a:lvl1pPr lvl="0" algn="l">
+              <a:lnSpc>
+                <a:spcPct val="100000"/>
+              </a:lnSpc>
               <a:spcBef>
                 <a:spcPts val="0"/>
               </a:spcBef>
@@ -1060,6 +1502,9 @@
               </a:defRPr>
             </a:lvl1pPr>
             <a:lvl2pPr lvl="1" algn="ctr">
+              <a:lnSpc>
+                <a:spcPct val="100000"/>
+              </a:lnSpc>
               <a:spcBef>
                 <a:spcPts val="0"/>
               </a:spcBef>
@@ -1071,6 +1516,9 @@
               <a:defRPr sz="5200"/>
             </a:lvl2pPr>
             <a:lvl3pPr lvl="2" algn="ctr">
+              <a:lnSpc>
+                <a:spcPct val="100000"/>
+              </a:lnSpc>
               <a:spcBef>
                 <a:spcPts val="0"/>
               </a:spcBef>
@@ -1082,6 +1530,9 @@
               <a:defRPr sz="5200"/>
             </a:lvl3pPr>
             <a:lvl4pPr lvl="3" algn="ctr">
+              <a:lnSpc>
+                <a:spcPct val="100000"/>
+              </a:lnSpc>
               <a:spcBef>
                 <a:spcPts val="0"/>
               </a:spcBef>
@@ -1093,6 +1544,9 @@
               <a:defRPr sz="5200"/>
             </a:lvl4pPr>
             <a:lvl5pPr lvl="4" algn="ctr">
+              <a:lnSpc>
+                <a:spcPct val="100000"/>
+              </a:lnSpc>
               <a:spcBef>
                 <a:spcPts val="0"/>
               </a:spcBef>
@@ -1104,6 +1558,9 @@
               <a:defRPr sz="5200"/>
             </a:lvl5pPr>
             <a:lvl6pPr lvl="5" algn="ctr">
+              <a:lnSpc>
+                <a:spcPct val="100000"/>
+              </a:lnSpc>
               <a:spcBef>
                 <a:spcPts val="0"/>
               </a:spcBef>
@@ -1115,6 +1572,9 @@
               <a:defRPr sz="5200"/>
             </a:lvl6pPr>
             <a:lvl7pPr lvl="6" algn="ctr">
+              <a:lnSpc>
+                <a:spcPct val="100000"/>
+              </a:lnSpc>
               <a:spcBef>
                 <a:spcPts val="0"/>
               </a:spcBef>
@@ -1126,6 +1586,9 @@
               <a:defRPr sz="5200"/>
             </a:lvl7pPr>
             <a:lvl8pPr lvl="7" algn="ctr">
+              <a:lnSpc>
+                <a:spcPct val="100000"/>
+              </a:lnSpc>
               <a:spcBef>
                 <a:spcPts val="0"/>
               </a:spcBef>
@@ -1137,6 +1600,9 @@
               <a:defRPr sz="5200"/>
             </a:lvl8pPr>
             <a:lvl9pPr lvl="8" algn="ctr">
+              <a:lnSpc>
+                <a:spcPct val="100000"/>
+              </a:lnSpc>
               <a:spcBef>
                 <a:spcPts val="0"/>
               </a:spcBef>
@@ -1148,19 +1614,15 @@
               <a:defRPr sz="5200"/>
             </a:lvl9pPr>
           </a:lstStyle>
-          <a:p>
-            <a:endParaRPr/>
-          </a:p>
+          <a:p/>
         </p:txBody>
       </p:sp>
       <p:sp>
         <p:nvSpPr>
           <p:cNvPr id="12" name="Google Shape;12;p2"/>
-          <p:cNvSpPr txBox="1">
-            <a:spLocks noGrp="1"/>
-          </p:cNvSpPr>
+          <p:cNvSpPr txBox="1"/>
           <p:nvPr>
-            <p:ph type="subTitle" idx="1"/>
+            <p:ph idx="1" type="subTitle"/>
           </p:nvPr>
         </p:nvSpPr>
         <p:spPr>
@@ -1171,13 +1633,17 @@
           <a:prstGeom prst="rect">
             <a:avLst/>
           </a:prstGeom>
+          <a:noFill/>
+          <a:ln>
+            <a:noFill/>
+          </a:ln>
         </p:spPr>
         <p:txBody>
-          <a:bodyPr spcFirstLastPara="1" wrap="square" lIns="91425" tIns="91425" rIns="91425" bIns="91425" anchor="ctr" anchorCtr="0">
+          <a:bodyPr anchorCtr="0" anchor="ctr" bIns="91425" lIns="91425" spcFirstLastPara="1" rIns="91425" wrap="square" tIns="91425">
             <a:noAutofit/>
           </a:bodyPr>
           <a:lstStyle>
-            <a:lvl1pPr lvl="0">
+            <a:lvl1pPr lvl="0" algn="l">
               <a:lnSpc>
                 <a:spcPct val="100000"/>
               </a:lnSpc>
@@ -1304,9 +1770,7 @@
               <a:defRPr sz="2800"/>
             </a:lvl9pPr>
           </a:lstStyle>
-          <a:p>
-            <a:endParaRPr/>
-          </a:p>
+          <a:p/>
         </p:txBody>
       </p:sp>
       <p:sp>
@@ -1322,9 +1786,9 @@
           </a:xfrm>
           <a:prstGeom prst="blockArc">
             <a:avLst>
-              <a:gd name="adj1" fmla="val 10800000"/>
-              <a:gd name="adj2" fmla="val 263922"/>
-              <a:gd name="adj3" fmla="val 11651"/>
+              <a:gd fmla="val 10800000" name="adj1"/>
+              <a:gd fmla="val 263922" name="adj2"/>
+              <a:gd fmla="val 11651" name="adj3"/>
             </a:avLst>
           </a:prstGeom>
           <a:solidFill>
@@ -1335,21 +1799,40 @@
           </a:ln>
         </p:spPr>
         <p:txBody>
-          <a:bodyPr spcFirstLastPara="1" wrap="square" lIns="91425" tIns="91425" rIns="91425" bIns="91425" anchor="ctr" anchorCtr="0">
+          <a:bodyPr anchorCtr="0" anchor="ctr" bIns="91425" lIns="91425" spcFirstLastPara="1" rIns="91425" wrap="square" tIns="91425">
             <a:noAutofit/>
           </a:bodyPr>
           <a:lstStyle/>
           <a:p>
-            <a:pPr marL="0" lvl="0" indent="0" algn="l" rtl="0">
-              <a:spcBef>
-                <a:spcPts val="0"/>
-              </a:spcBef>
-              <a:spcAft>
-                <a:spcPts val="0"/>
-              </a:spcAft>
+            <a:pPr indent="0" lvl="0" marL="0" marR="0" rtl="0" algn="l">
+              <a:lnSpc>
+                <a:spcPct val="100000"/>
+              </a:lnSpc>
+              <a:spcBef>
+                <a:spcPts val="0"/>
+              </a:spcBef>
+              <a:spcAft>
+                <a:spcPts val="0"/>
+              </a:spcAft>
+              <a:buClr>
+                <a:srgbClr val="000000"/>
+              </a:buClr>
+              <a:buSzPts val="1400"/>
+              <a:buFont typeface="Arial"/>
               <a:buNone/>
             </a:pPr>
-            <a:endParaRPr/>
+            <a:r>
+              <a:t/>
+            </a:r>
+            <a:endParaRPr b="0" i="0" sz="1400" u="none" cap="none" strike="noStrike">
+              <a:solidFill>
+                <a:srgbClr val="000000"/>
+              </a:solidFill>
+              <a:latin typeface="Arial"/>
+              <a:ea typeface="Arial"/>
+              <a:cs typeface="Arial"/>
+              <a:sym typeface="Arial"/>
+            </a:endParaRPr>
           </a:p>
         </p:txBody>
       </p:sp>
@@ -1366,9 +1849,9 @@
           </a:xfrm>
           <a:prstGeom prst="blockArc">
             <a:avLst>
-              <a:gd name="adj1" fmla="val 10800000"/>
-              <a:gd name="adj2" fmla="val 263922"/>
-              <a:gd name="adj3" fmla="val 11651"/>
+              <a:gd fmla="val 10800000" name="adj1"/>
+              <a:gd fmla="val 263922" name="adj2"/>
+              <a:gd fmla="val 11651" name="adj3"/>
             </a:avLst>
           </a:prstGeom>
           <a:solidFill>
@@ -1379,21 +1862,40 @@
           </a:ln>
         </p:spPr>
         <p:txBody>
-          <a:bodyPr spcFirstLastPara="1" wrap="square" lIns="91425" tIns="91425" rIns="91425" bIns="91425" anchor="ctr" anchorCtr="0">
+          <a:bodyPr anchorCtr="0" anchor="ctr" bIns="91425" lIns="91425" spcFirstLastPara="1" rIns="91425" wrap="square" tIns="91425">
             <a:noAutofit/>
           </a:bodyPr>
           <a:lstStyle/>
           <a:p>
-            <a:pPr marL="0" lvl="0" indent="0" algn="l" rtl="0">
-              <a:spcBef>
-                <a:spcPts val="0"/>
-              </a:spcBef>
-              <a:spcAft>
-                <a:spcPts val="0"/>
-              </a:spcAft>
+            <a:pPr indent="0" lvl="0" marL="0" marR="0" rtl="0" algn="l">
+              <a:lnSpc>
+                <a:spcPct val="100000"/>
+              </a:lnSpc>
+              <a:spcBef>
+                <a:spcPts val="0"/>
+              </a:spcBef>
+              <a:spcAft>
+                <a:spcPts val="0"/>
+              </a:spcAft>
+              <a:buClr>
+                <a:srgbClr val="000000"/>
+              </a:buClr>
+              <a:buSzPts val="1400"/>
+              <a:buFont typeface="Arial"/>
               <a:buNone/>
             </a:pPr>
-            <a:endParaRPr/>
+            <a:r>
+              <a:t/>
+            </a:r>
+            <a:endParaRPr b="0" i="0" sz="1400" u="none" cap="none" strike="noStrike">
+              <a:solidFill>
+                <a:srgbClr val="000000"/>
+              </a:solidFill>
+              <a:latin typeface="Arial"/>
+              <a:ea typeface="Arial"/>
+              <a:cs typeface="Arial"/>
+              <a:sym typeface="Arial"/>
+            </a:endParaRPr>
           </a:p>
         </p:txBody>
       </p:sp>
@@ -1410,7 +1912,7 @@
           </a:xfrm>
           <a:prstGeom prst="triangle">
             <a:avLst>
-              <a:gd name="adj" fmla="val 50000"/>
+              <a:gd fmla="val 50000" name="adj"/>
             </a:avLst>
           </a:prstGeom>
           <a:solidFill>
@@ -1421,21 +1923,40 @@
           </a:ln>
         </p:spPr>
         <p:txBody>
-          <a:bodyPr spcFirstLastPara="1" wrap="square" lIns="91425" tIns="91425" rIns="91425" bIns="91425" anchor="ctr" anchorCtr="0">
+          <a:bodyPr anchorCtr="0" anchor="ctr" bIns="91425" lIns="91425" spcFirstLastPara="1" rIns="91425" wrap="square" tIns="91425">
             <a:noAutofit/>
           </a:bodyPr>
           <a:lstStyle/>
           <a:p>
-            <a:pPr marL="0" lvl="0" indent="0" algn="l" rtl="0">
-              <a:spcBef>
-                <a:spcPts val="0"/>
-              </a:spcBef>
-              <a:spcAft>
-                <a:spcPts val="0"/>
-              </a:spcAft>
+            <a:pPr indent="0" lvl="0" marL="0" marR="0" rtl="0" algn="l">
+              <a:lnSpc>
+                <a:spcPct val="100000"/>
+              </a:lnSpc>
+              <a:spcBef>
+                <a:spcPts val="0"/>
+              </a:spcBef>
+              <a:spcAft>
+                <a:spcPts val="0"/>
+              </a:spcAft>
+              <a:buClr>
+                <a:srgbClr val="000000"/>
+              </a:buClr>
+              <a:buSzPts val="1400"/>
+              <a:buFont typeface="Arial"/>
               <a:buNone/>
             </a:pPr>
-            <a:endParaRPr/>
+            <a:r>
+              <a:t/>
+            </a:r>
+            <a:endParaRPr b="0" i="0" sz="1400" u="none" cap="none" strike="noStrike">
+              <a:solidFill>
+                <a:srgbClr val="000000"/>
+              </a:solidFill>
+              <a:latin typeface="Arial"/>
+              <a:ea typeface="Arial"/>
+              <a:cs typeface="Arial"/>
+              <a:sym typeface="Arial"/>
+            </a:endParaRPr>
           </a:p>
         </p:txBody>
       </p:sp>
@@ -1448,11 +1969,11 @@
 </file>
 
 <file path=ppt/slideLayouts/slideLayout2.xml><?xml version="1.0" encoding="utf-8"?>
-<p:sldLayout xmlns:a="http://schemas.openxmlformats.org/drawingml/2006/main" xmlns:r="http://schemas.openxmlformats.org/officeDocument/2006/relationships" xmlns:p="http://schemas.openxmlformats.org/presentationml/2006/main" matchingName="Title and body" type="tx">
+<p:sldLayout xmlns:a="http://schemas.openxmlformats.org/drawingml/2006/main" xmlns:r="http://schemas.openxmlformats.org/officeDocument/2006/relationships" xmlns:mc="http://schemas.openxmlformats.org/markup-compatibility/2006" xmlns:mv="urn:schemas-microsoft-com:mac:vml" xmlns:p="http://schemas.openxmlformats.org/presentationml/2006/main" xmlns:c="http://schemas.openxmlformats.org/drawingml/2006/chart" xmlns:dgm="http://schemas.openxmlformats.org/drawingml/2006/diagram" xmlns:o="urn:schemas-microsoft-com:office:office" xmlns:v="urn:schemas-microsoft-com:vml" xmlns:pvml="urn:schemas-microsoft-com:office:powerpoint" xmlns:com="http://schemas.openxmlformats.org/drawingml/2006/compatibility" xmlns:p14="http://schemas.microsoft.com/office/powerpoint/2010/main" xmlns:p15="http://schemas.microsoft.com/office/powerpoint/2012/main" xmlns:ahyp="http://schemas.microsoft.com/office/drawing/2018/hyperlinkcolor" matchingName="Title and body" type="tx">
   <p:cSld name="TITLE_AND_BODY">
     <p:spTree>
       <p:nvGrpSpPr>
-        <p:cNvPr id="1" name="Shape 22"/>
+        <p:cNvPr id="16" name="Shape 16"/>
         <p:cNvGrpSpPr/>
         <p:nvPr/>
       </p:nvGrpSpPr>
@@ -1466,7 +1987,7 @@
       </p:grpSpPr>
       <p:sp>
         <p:nvSpPr>
-          <p:cNvPr id="23" name="Google Shape;23;p4"/>
+          <p:cNvPr id="17" name="Google Shape;17;p3"/>
           <p:cNvSpPr/>
           <p:nvPr/>
         </p:nvSpPr>
@@ -1476,13 +1997,9 @@
             <a:ext cx="4896051" cy="572620"/>
           </a:xfrm>
           <a:custGeom>
-            <a:avLst/>
-            <a:gdLst/>
-            <a:ahLst/>
-            <a:cxnLst/>
-            <a:rect l="l" t="t" r="r" b="b"/>
+            <a:rect b="b" l="l" r="r" t="t"/>
             <a:pathLst>
-              <a:path w="251531" h="78200" extrusionOk="0">
+              <a:path extrusionOk="0" h="78200" w="251531">
                 <a:moveTo>
                   <a:pt x="0" y="0"/>
                 </a:moveTo>
@@ -1509,10 +2026,8 @@
       </p:sp>
       <p:sp>
         <p:nvSpPr>
-          <p:cNvPr id="24" name="Google Shape;24;p4"/>
-          <p:cNvSpPr txBox="1">
-            <a:spLocks noGrp="1"/>
-          </p:cNvSpPr>
+          <p:cNvPr id="18" name="Google Shape;18;p3"/>
+          <p:cNvSpPr txBox="1"/>
           <p:nvPr>
             <p:ph type="title"/>
           </p:nvPr>
@@ -1525,13 +2040,20 @@
           <a:prstGeom prst="rect">
             <a:avLst/>
           </a:prstGeom>
+          <a:noFill/>
+          <a:ln>
+            <a:noFill/>
+          </a:ln>
         </p:spPr>
         <p:txBody>
-          <a:bodyPr spcFirstLastPara="1" wrap="square" lIns="91425" tIns="91425" rIns="91425" bIns="91425" anchor="ctr" anchorCtr="0">
+          <a:bodyPr anchorCtr="0" anchor="ctr" bIns="91425" lIns="91425" spcFirstLastPara="1" rIns="91425" wrap="square" tIns="91425">
             <a:noAutofit/>
           </a:bodyPr>
           <a:lstStyle>
-            <a:lvl1pPr lvl="0">
+            <a:lvl1pPr lvl="0" algn="l">
+              <a:lnSpc>
+                <a:spcPct val="100000"/>
+              </a:lnSpc>
               <a:spcBef>
                 <a:spcPts val="0"/>
               </a:spcBef>
@@ -1542,7 +2064,10 @@
               <a:buNone/>
               <a:defRPr/>
             </a:lvl1pPr>
-            <a:lvl2pPr lvl="1">
+            <a:lvl2pPr lvl="1" algn="l">
+              <a:lnSpc>
+                <a:spcPct val="100000"/>
+              </a:lnSpc>
               <a:spcBef>
                 <a:spcPts val="0"/>
               </a:spcBef>
@@ -1553,7 +2078,10 @@
               <a:buNone/>
               <a:defRPr/>
             </a:lvl2pPr>
-            <a:lvl3pPr lvl="2">
+            <a:lvl3pPr lvl="2" algn="l">
+              <a:lnSpc>
+                <a:spcPct val="100000"/>
+              </a:lnSpc>
               <a:spcBef>
                 <a:spcPts val="0"/>
               </a:spcBef>
@@ -1564,7 +2092,10 @@
               <a:buNone/>
               <a:defRPr/>
             </a:lvl3pPr>
-            <a:lvl4pPr lvl="3">
+            <a:lvl4pPr lvl="3" algn="l">
+              <a:lnSpc>
+                <a:spcPct val="100000"/>
+              </a:lnSpc>
               <a:spcBef>
                 <a:spcPts val="0"/>
               </a:spcBef>
@@ -1575,7 +2106,10 @@
               <a:buNone/>
               <a:defRPr/>
             </a:lvl4pPr>
-            <a:lvl5pPr lvl="4">
+            <a:lvl5pPr lvl="4" algn="l">
+              <a:lnSpc>
+                <a:spcPct val="100000"/>
+              </a:lnSpc>
               <a:spcBef>
                 <a:spcPts val="0"/>
               </a:spcBef>
@@ -1586,7 +2120,10 @@
               <a:buNone/>
               <a:defRPr/>
             </a:lvl5pPr>
-            <a:lvl6pPr lvl="5">
+            <a:lvl6pPr lvl="5" algn="l">
+              <a:lnSpc>
+                <a:spcPct val="100000"/>
+              </a:lnSpc>
               <a:spcBef>
                 <a:spcPts val="0"/>
               </a:spcBef>
@@ -1597,7 +2134,10 @@
               <a:buNone/>
               <a:defRPr/>
             </a:lvl6pPr>
-            <a:lvl7pPr lvl="6">
+            <a:lvl7pPr lvl="6" algn="l">
+              <a:lnSpc>
+                <a:spcPct val="100000"/>
+              </a:lnSpc>
               <a:spcBef>
                 <a:spcPts val="0"/>
               </a:spcBef>
@@ -1608,7 +2148,10 @@
               <a:buNone/>
               <a:defRPr/>
             </a:lvl7pPr>
-            <a:lvl8pPr lvl="7">
+            <a:lvl8pPr lvl="7" algn="l">
+              <a:lnSpc>
+                <a:spcPct val="100000"/>
+              </a:lnSpc>
               <a:spcBef>
                 <a:spcPts val="0"/>
               </a:spcBef>
@@ -1619,7 +2162,10 @@
               <a:buNone/>
               <a:defRPr/>
             </a:lvl8pPr>
-            <a:lvl9pPr lvl="8">
+            <a:lvl9pPr lvl="8" algn="l">
+              <a:lnSpc>
+                <a:spcPct val="100000"/>
+              </a:lnSpc>
               <a:spcBef>
                 <a:spcPts val="0"/>
               </a:spcBef>
@@ -1631,19 +2177,15 @@
               <a:defRPr/>
             </a:lvl9pPr>
           </a:lstStyle>
-          <a:p>
-            <a:endParaRPr/>
-          </a:p>
+          <a:p/>
         </p:txBody>
       </p:sp>
       <p:sp>
         <p:nvSpPr>
-          <p:cNvPr id="25" name="Google Shape;25;p4"/>
-          <p:cNvSpPr txBox="1">
-            <a:spLocks noGrp="1"/>
-          </p:cNvSpPr>
+          <p:cNvPr id="19" name="Google Shape;19;p3"/>
+          <p:cNvSpPr txBox="1"/>
           <p:nvPr>
-            <p:ph type="body" idx="1"/>
+            <p:ph idx="1" type="body"/>
           </p:nvPr>
         </p:nvSpPr>
         <p:spPr>
@@ -1654,13 +2196,20 @@
           <a:prstGeom prst="rect">
             <a:avLst/>
           </a:prstGeom>
+          <a:noFill/>
+          <a:ln>
+            <a:noFill/>
+          </a:ln>
         </p:spPr>
         <p:txBody>
-          <a:bodyPr spcFirstLastPara="1" wrap="square" lIns="91425" tIns="91425" rIns="91425" bIns="91425" anchor="b" anchorCtr="0">
+          <a:bodyPr anchorCtr="0" anchor="b" bIns="91425" lIns="91425" spcFirstLastPara="1" rIns="91425" wrap="square" tIns="91425">
             <a:noAutofit/>
           </a:bodyPr>
           <a:lstStyle>
-            <a:lvl1pPr marL="457200" lvl="0" indent="-317500">
+            <a:lvl1pPr indent="-317500" lvl="0" marL="457200" algn="l">
+              <a:lnSpc>
+                <a:spcPct val="115000"/>
+              </a:lnSpc>
               <a:spcBef>
                 <a:spcPts val="0"/>
               </a:spcBef>
@@ -1671,7 +2220,10 @@
               <a:buAutoNum type="arabicPeriod"/>
               <a:defRPr sz="1200"/>
             </a:lvl1pPr>
-            <a:lvl2pPr marL="914400" lvl="1" indent="-317500">
+            <a:lvl2pPr indent="-317500" lvl="1" marL="914400" algn="l">
+              <a:lnSpc>
+                <a:spcPct val="115000"/>
+              </a:lnSpc>
               <a:spcBef>
                 <a:spcPts val="1600"/>
               </a:spcBef>
@@ -1682,7 +2234,10 @@
               <a:buAutoNum type="alphaLcPeriod"/>
               <a:defRPr/>
             </a:lvl2pPr>
-            <a:lvl3pPr marL="1371600" lvl="2" indent="-317500">
+            <a:lvl3pPr indent="-317500" lvl="2" marL="1371600" algn="l">
+              <a:lnSpc>
+                <a:spcPct val="115000"/>
+              </a:lnSpc>
               <a:spcBef>
                 <a:spcPts val="1600"/>
               </a:spcBef>
@@ -1693,7 +2248,10 @@
               <a:buAutoNum type="romanLcPeriod"/>
               <a:defRPr/>
             </a:lvl3pPr>
-            <a:lvl4pPr marL="1828800" lvl="3" indent="-317500">
+            <a:lvl4pPr indent="-317500" lvl="3" marL="1828800" algn="l">
+              <a:lnSpc>
+                <a:spcPct val="115000"/>
+              </a:lnSpc>
               <a:spcBef>
                 <a:spcPts val="1600"/>
               </a:spcBef>
@@ -1704,7 +2262,10 @@
               <a:buAutoNum type="arabicPeriod"/>
               <a:defRPr/>
             </a:lvl4pPr>
-            <a:lvl5pPr marL="2286000" lvl="4" indent="-317500">
+            <a:lvl5pPr indent="-317500" lvl="4" marL="2286000" algn="l">
+              <a:lnSpc>
+                <a:spcPct val="115000"/>
+              </a:lnSpc>
               <a:spcBef>
                 <a:spcPts val="1600"/>
               </a:spcBef>
@@ -1715,7 +2276,10 @@
               <a:buAutoNum type="alphaLcPeriod"/>
               <a:defRPr/>
             </a:lvl5pPr>
-            <a:lvl6pPr marL="2743200" lvl="5" indent="-317500">
+            <a:lvl6pPr indent="-317500" lvl="5" marL="2743200" algn="l">
+              <a:lnSpc>
+                <a:spcPct val="115000"/>
+              </a:lnSpc>
               <a:spcBef>
                 <a:spcPts val="1600"/>
               </a:spcBef>
@@ -1726,7 +2290,10 @@
               <a:buAutoNum type="romanLcPeriod"/>
               <a:defRPr/>
             </a:lvl6pPr>
-            <a:lvl7pPr marL="3200400" lvl="6" indent="-317500">
+            <a:lvl7pPr indent="-317500" lvl="6" marL="3200400" algn="l">
+              <a:lnSpc>
+                <a:spcPct val="115000"/>
+              </a:lnSpc>
               <a:spcBef>
                 <a:spcPts val="1600"/>
               </a:spcBef>
@@ -1737,7 +2304,10 @@
               <a:buAutoNum type="arabicPeriod"/>
               <a:defRPr/>
             </a:lvl7pPr>
-            <a:lvl8pPr marL="3657600" lvl="7" indent="-317500">
+            <a:lvl8pPr indent="-317500" lvl="7" marL="3657600" algn="l">
+              <a:lnSpc>
+                <a:spcPct val="115000"/>
+              </a:lnSpc>
               <a:spcBef>
                 <a:spcPts val="1600"/>
               </a:spcBef>
@@ -1748,7 +2318,10 @@
               <a:buAutoNum type="alphaLcPeriod"/>
               <a:defRPr/>
             </a:lvl8pPr>
-            <a:lvl9pPr marL="4114800" lvl="8" indent="-317500">
+            <a:lvl9pPr indent="-317500" lvl="8" marL="4114800" algn="l">
+              <a:lnSpc>
+                <a:spcPct val="115000"/>
+              </a:lnSpc>
               <a:spcBef>
                 <a:spcPts val="1600"/>
               </a:spcBef>
@@ -1760,14 +2333,12 @@
               <a:defRPr/>
             </a:lvl9pPr>
           </a:lstStyle>
-          <a:p>
-            <a:endParaRPr/>
-          </a:p>
+          <a:p/>
         </p:txBody>
       </p:sp>
       <p:sp>
         <p:nvSpPr>
-          <p:cNvPr id="26" name="Google Shape;26;p4"/>
+          <p:cNvPr id="20" name="Google Shape;20;p3"/>
           <p:cNvSpPr/>
           <p:nvPr/>
         </p:nvSpPr>
@@ -1778,9 +2349,9 @@
           </a:xfrm>
           <a:prstGeom prst="blockArc">
             <a:avLst>
-              <a:gd name="adj1" fmla="val 10800000"/>
-              <a:gd name="adj2" fmla="val 263922"/>
-              <a:gd name="adj3" fmla="val 11651"/>
+              <a:gd fmla="val 10800000" name="adj1"/>
+              <a:gd fmla="val 263922" name="adj2"/>
+              <a:gd fmla="val 11651" name="adj3"/>
             </a:avLst>
           </a:prstGeom>
           <a:solidFill>
@@ -1791,27 +2362,46 @@
           </a:ln>
         </p:spPr>
         <p:txBody>
-          <a:bodyPr spcFirstLastPara="1" wrap="square" lIns="91425" tIns="91425" rIns="91425" bIns="91425" anchor="ctr" anchorCtr="0">
+          <a:bodyPr anchorCtr="0" anchor="ctr" bIns="91425" lIns="91425" spcFirstLastPara="1" rIns="91425" wrap="square" tIns="91425">
             <a:noAutofit/>
           </a:bodyPr>
           <a:lstStyle/>
           <a:p>
-            <a:pPr marL="0" lvl="0" indent="0" algn="l" rtl="0">
-              <a:spcBef>
-                <a:spcPts val="0"/>
-              </a:spcBef>
-              <a:spcAft>
-                <a:spcPts val="0"/>
-              </a:spcAft>
+            <a:pPr indent="0" lvl="0" marL="0" marR="0" rtl="0" algn="l">
+              <a:lnSpc>
+                <a:spcPct val="100000"/>
+              </a:lnSpc>
+              <a:spcBef>
+                <a:spcPts val="0"/>
+              </a:spcBef>
+              <a:spcAft>
+                <a:spcPts val="0"/>
+              </a:spcAft>
+              <a:buClr>
+                <a:srgbClr val="000000"/>
+              </a:buClr>
+              <a:buSzPts val="1400"/>
+              <a:buFont typeface="Arial"/>
               <a:buNone/>
             </a:pPr>
-            <a:endParaRPr/>
+            <a:r>
+              <a:t/>
+            </a:r>
+            <a:endParaRPr b="0" i="0" sz="1400" u="none" cap="none" strike="noStrike">
+              <a:solidFill>
+                <a:srgbClr val="000000"/>
+              </a:solidFill>
+              <a:latin typeface="Arial"/>
+              <a:ea typeface="Arial"/>
+              <a:cs typeface="Arial"/>
+              <a:sym typeface="Arial"/>
+            </a:endParaRPr>
           </a:p>
         </p:txBody>
       </p:sp>
       <p:sp>
         <p:nvSpPr>
-          <p:cNvPr id="27" name="Google Shape;27;p4"/>
+          <p:cNvPr id="21" name="Google Shape;21;p3"/>
           <p:cNvSpPr/>
           <p:nvPr/>
         </p:nvSpPr>
@@ -1831,27 +2421,46 @@
           </a:ln>
         </p:spPr>
         <p:txBody>
-          <a:bodyPr spcFirstLastPara="1" wrap="square" lIns="91425" tIns="91425" rIns="91425" bIns="91425" anchor="ctr" anchorCtr="0">
+          <a:bodyPr anchorCtr="0" anchor="ctr" bIns="91425" lIns="91425" spcFirstLastPara="1" rIns="91425" wrap="square" tIns="91425">
             <a:noAutofit/>
           </a:bodyPr>
           <a:lstStyle/>
           <a:p>
-            <a:pPr marL="0" lvl="0" indent="0" algn="l" rtl="0">
-              <a:spcBef>
-                <a:spcPts val="0"/>
-              </a:spcBef>
-              <a:spcAft>
-                <a:spcPts val="0"/>
-              </a:spcAft>
+            <a:pPr indent="0" lvl="0" marL="0" marR="0" rtl="0" algn="l">
+              <a:lnSpc>
+                <a:spcPct val="100000"/>
+              </a:lnSpc>
+              <a:spcBef>
+                <a:spcPts val="0"/>
+              </a:spcBef>
+              <a:spcAft>
+                <a:spcPts val="0"/>
+              </a:spcAft>
+              <a:buClr>
+                <a:srgbClr val="000000"/>
+              </a:buClr>
+              <a:buSzPts val="1400"/>
+              <a:buFont typeface="Arial"/>
               <a:buNone/>
             </a:pPr>
-            <a:endParaRPr/>
+            <a:r>
+              <a:t/>
+            </a:r>
+            <a:endParaRPr b="0" i="0" sz="1400" u="none" cap="none" strike="noStrike">
+              <a:solidFill>
+                <a:srgbClr val="000000"/>
+              </a:solidFill>
+              <a:latin typeface="Arial"/>
+              <a:ea typeface="Arial"/>
+              <a:cs typeface="Arial"/>
+              <a:sym typeface="Arial"/>
+            </a:endParaRPr>
           </a:p>
         </p:txBody>
       </p:sp>
       <p:sp>
         <p:nvSpPr>
-          <p:cNvPr id="28" name="Google Shape;28;p4"/>
+          <p:cNvPr id="22" name="Google Shape;22;p3"/>
           <p:cNvSpPr/>
           <p:nvPr/>
         </p:nvSpPr>
@@ -1862,7 +2471,7 @@
           </a:xfrm>
           <a:prstGeom prst="triangle">
             <a:avLst>
-              <a:gd name="adj" fmla="val 50000"/>
+              <a:gd fmla="val 50000" name="adj"/>
             </a:avLst>
           </a:prstGeom>
           <a:solidFill>
@@ -1873,27 +2482,46 @@
           </a:ln>
         </p:spPr>
         <p:txBody>
-          <a:bodyPr spcFirstLastPara="1" wrap="square" lIns="91425" tIns="91425" rIns="91425" bIns="91425" anchor="ctr" anchorCtr="0">
+          <a:bodyPr anchorCtr="0" anchor="ctr" bIns="91425" lIns="91425" spcFirstLastPara="1" rIns="91425" wrap="square" tIns="91425">
             <a:noAutofit/>
           </a:bodyPr>
           <a:lstStyle/>
           <a:p>
-            <a:pPr marL="0" lvl="0" indent="0" algn="l" rtl="0">
-              <a:spcBef>
-                <a:spcPts val="0"/>
-              </a:spcBef>
-              <a:spcAft>
-                <a:spcPts val="0"/>
-              </a:spcAft>
+            <a:pPr indent="0" lvl="0" marL="0" marR="0" rtl="0" algn="l">
+              <a:lnSpc>
+                <a:spcPct val="100000"/>
+              </a:lnSpc>
+              <a:spcBef>
+                <a:spcPts val="0"/>
+              </a:spcBef>
+              <a:spcAft>
+                <a:spcPts val="0"/>
+              </a:spcAft>
+              <a:buClr>
+                <a:srgbClr val="000000"/>
+              </a:buClr>
+              <a:buSzPts val="1400"/>
+              <a:buFont typeface="Arial"/>
               <a:buNone/>
             </a:pPr>
-            <a:endParaRPr/>
+            <a:r>
+              <a:t/>
+            </a:r>
+            <a:endParaRPr b="0" i="0" sz="1400" u="none" cap="none" strike="noStrike">
+              <a:solidFill>
+                <a:srgbClr val="000000"/>
+              </a:solidFill>
+              <a:latin typeface="Arial"/>
+              <a:ea typeface="Arial"/>
+              <a:cs typeface="Arial"/>
+              <a:sym typeface="Arial"/>
+            </a:endParaRPr>
           </a:p>
         </p:txBody>
       </p:sp>
       <p:sp>
         <p:nvSpPr>
-          <p:cNvPr id="29" name="Google Shape;29;p4"/>
+          <p:cNvPr id="23" name="Google Shape;23;p3"/>
           <p:cNvSpPr/>
           <p:nvPr/>
         </p:nvSpPr>
@@ -1904,9 +2532,9 @@
           </a:xfrm>
           <a:prstGeom prst="blockArc">
             <a:avLst>
-              <a:gd name="adj1" fmla="val 10800000"/>
-              <a:gd name="adj2" fmla="val 263922"/>
-              <a:gd name="adj3" fmla="val 11651"/>
+              <a:gd fmla="val 10800000" name="adj1"/>
+              <a:gd fmla="val 263922" name="adj2"/>
+              <a:gd fmla="val 11651" name="adj3"/>
             </a:avLst>
           </a:prstGeom>
           <a:solidFill>
@@ -1917,21 +2545,40 @@
           </a:ln>
         </p:spPr>
         <p:txBody>
-          <a:bodyPr spcFirstLastPara="1" wrap="square" lIns="91425" tIns="91425" rIns="91425" bIns="91425" anchor="ctr" anchorCtr="0">
+          <a:bodyPr anchorCtr="0" anchor="ctr" bIns="91425" lIns="91425" spcFirstLastPara="1" rIns="91425" wrap="square" tIns="91425">
             <a:noAutofit/>
           </a:bodyPr>
           <a:lstStyle/>
           <a:p>
-            <a:pPr marL="0" lvl="0" indent="0" algn="l" rtl="0">
-              <a:spcBef>
-                <a:spcPts val="0"/>
-              </a:spcBef>
-              <a:spcAft>
-                <a:spcPts val="0"/>
-              </a:spcAft>
+            <a:pPr indent="0" lvl="0" marL="0" marR="0" rtl="0" algn="l">
+              <a:lnSpc>
+                <a:spcPct val="100000"/>
+              </a:lnSpc>
+              <a:spcBef>
+                <a:spcPts val="0"/>
+              </a:spcBef>
+              <a:spcAft>
+                <a:spcPts val="0"/>
+              </a:spcAft>
+              <a:buClr>
+                <a:srgbClr val="000000"/>
+              </a:buClr>
+              <a:buSzPts val="1400"/>
+              <a:buFont typeface="Arial"/>
               <a:buNone/>
             </a:pPr>
-            <a:endParaRPr/>
+            <a:r>
+              <a:t/>
+            </a:r>
+            <a:endParaRPr b="0" i="0" sz="1400" u="none" cap="none" strike="noStrike">
+              <a:solidFill>
+                <a:srgbClr val="000000"/>
+              </a:solidFill>
+              <a:latin typeface="Arial"/>
+              <a:ea typeface="Arial"/>
+              <a:cs typeface="Arial"/>
+              <a:sym typeface="Arial"/>
+            </a:endParaRPr>
           </a:p>
         </p:txBody>
       </p:sp>
@@ -1944,11 +2591,11 @@
 </file>
 
 <file path=ppt/slideLayouts/slideLayout3.xml><?xml version="1.0" encoding="utf-8"?>
-<p:sldLayout xmlns:a="http://schemas.openxmlformats.org/drawingml/2006/main" xmlns:r="http://schemas.openxmlformats.org/officeDocument/2006/relationships" xmlns:p="http://schemas.openxmlformats.org/presentationml/2006/main" matchingName="Section title and description">
+<p:sldLayout xmlns:a="http://schemas.openxmlformats.org/drawingml/2006/main" xmlns:r="http://schemas.openxmlformats.org/officeDocument/2006/relationships" xmlns:mc="http://schemas.openxmlformats.org/markup-compatibility/2006" xmlns:mv="urn:schemas-microsoft-com:mac:vml" xmlns:p="http://schemas.openxmlformats.org/presentationml/2006/main" xmlns:c="http://schemas.openxmlformats.org/drawingml/2006/chart" xmlns:dgm="http://schemas.openxmlformats.org/drawingml/2006/diagram" xmlns:o="urn:schemas-microsoft-com:office:office" xmlns:v="urn:schemas-microsoft-com:vml" xmlns:pvml="urn:schemas-microsoft-com:office:powerpoint" xmlns:com="http://schemas.openxmlformats.org/drawingml/2006/compatibility" xmlns:p14="http://schemas.microsoft.com/office/powerpoint/2010/main" xmlns:p15="http://schemas.microsoft.com/office/powerpoint/2012/main" xmlns:ahyp="http://schemas.microsoft.com/office/drawing/2018/hyperlinkcolor" matchingName="Section title and description">
   <p:cSld name="SECTION_TITLE_AND_DESCRIPTION">
     <p:spTree>
       <p:nvGrpSpPr>
-        <p:cNvPr id="1" name="Shape 64"/>
+        <p:cNvPr id="24" name="Shape 24"/>
         <p:cNvGrpSpPr/>
         <p:nvPr/>
       </p:nvGrpSpPr>
@@ -1962,7 +2609,7 @@
       </p:grpSpPr>
       <p:sp>
         <p:nvSpPr>
-          <p:cNvPr id="65" name="Google Shape;65;p9"/>
+          <p:cNvPr id="25" name="Google Shape;25;p4"/>
           <p:cNvSpPr/>
           <p:nvPr/>
         </p:nvSpPr>
@@ -1972,13 +2619,9 @@
             <a:ext cx="3851964" cy="682036"/>
           </a:xfrm>
           <a:custGeom>
-            <a:avLst/>
-            <a:gdLst/>
-            <a:ahLst/>
-            <a:cxnLst/>
-            <a:rect l="l" t="t" r="r" b="b"/>
+            <a:rect b="b" l="l" r="r" t="t"/>
             <a:pathLst>
-              <a:path w="32493" h="20610" extrusionOk="0">
+              <a:path extrusionOk="0" h="20610" w="32493">
                 <a:moveTo>
                   <a:pt x="32493" y="0"/>
                 </a:moveTo>
@@ -2006,30 +2649,47 @@
           </a:ln>
         </p:spPr>
         <p:txBody>
-          <a:bodyPr spcFirstLastPara="1" wrap="square" lIns="91425" tIns="91425" rIns="91425" bIns="91425" anchor="ctr" anchorCtr="0">
+          <a:bodyPr anchorCtr="0" anchor="ctr" bIns="91425" lIns="91425" spcFirstLastPara="1" rIns="91425" wrap="square" tIns="91425">
             <a:noAutofit/>
           </a:bodyPr>
           <a:lstStyle/>
           <a:p>
-            <a:pPr marL="0" lvl="0" indent="0" algn="l" rtl="0">
-              <a:spcBef>
-                <a:spcPts val="0"/>
-              </a:spcBef>
-              <a:spcAft>
-                <a:spcPts val="0"/>
-              </a:spcAft>
+            <a:pPr indent="0" lvl="0" marL="0" marR="0" rtl="0" algn="l">
+              <a:lnSpc>
+                <a:spcPct val="100000"/>
+              </a:lnSpc>
+              <a:spcBef>
+                <a:spcPts val="0"/>
+              </a:spcBef>
+              <a:spcAft>
+                <a:spcPts val="0"/>
+              </a:spcAft>
+              <a:buClr>
+                <a:srgbClr val="000000"/>
+              </a:buClr>
+              <a:buSzPts val="1400"/>
+              <a:buFont typeface="Arial"/>
               <a:buNone/>
             </a:pPr>
-            <a:endParaRPr/>
+            <a:r>
+              <a:t/>
+            </a:r>
+            <a:endParaRPr b="0" i="0" sz="1400" u="none" cap="none" strike="noStrike">
+              <a:solidFill>
+                <a:srgbClr val="000000"/>
+              </a:solidFill>
+              <a:latin typeface="Arial"/>
+              <a:ea typeface="Arial"/>
+              <a:cs typeface="Arial"/>
+              <a:sym typeface="Arial"/>
+            </a:endParaRPr>
           </a:p>
         </p:txBody>
       </p:sp>
       <p:sp>
         <p:nvSpPr>
-          <p:cNvPr id="66" name="Google Shape;66;p9"/>
-          <p:cNvSpPr txBox="1">
-            <a:spLocks noGrp="1"/>
-          </p:cNvSpPr>
+          <p:cNvPr id="26" name="Google Shape;26;p4"/>
+          <p:cNvSpPr txBox="1"/>
           <p:nvPr>
             <p:ph type="title"/>
           </p:nvPr>
@@ -2042,13 +2702,20 @@
           <a:prstGeom prst="rect">
             <a:avLst/>
           </a:prstGeom>
+          <a:noFill/>
+          <a:ln>
+            <a:noFill/>
+          </a:ln>
         </p:spPr>
         <p:txBody>
-          <a:bodyPr spcFirstLastPara="1" wrap="square" lIns="0" tIns="91425" rIns="0" bIns="91425" anchor="b" anchorCtr="0">
+          <a:bodyPr anchorCtr="0" anchor="b" bIns="91425" lIns="0" spcFirstLastPara="1" rIns="0" wrap="square" tIns="91425">
             <a:noAutofit/>
           </a:bodyPr>
           <a:lstStyle>
-            <a:lvl1pPr lvl="0">
+            <a:lvl1pPr lvl="0" algn="l">
+              <a:lnSpc>
+                <a:spcPct val="100000"/>
+              </a:lnSpc>
               <a:spcBef>
                 <a:spcPts val="0"/>
               </a:spcBef>
@@ -2059,7 +2726,10 @@
               <a:buNone/>
               <a:defRPr sz="4200"/>
             </a:lvl1pPr>
-            <a:lvl2pPr lvl="1">
+            <a:lvl2pPr lvl="1" algn="l">
+              <a:lnSpc>
+                <a:spcPct val="100000"/>
+              </a:lnSpc>
               <a:spcBef>
                 <a:spcPts val="0"/>
               </a:spcBef>
@@ -2070,7 +2740,10 @@
               <a:buNone/>
               <a:defRPr sz="4200"/>
             </a:lvl2pPr>
-            <a:lvl3pPr lvl="2">
+            <a:lvl3pPr lvl="2" algn="l">
+              <a:lnSpc>
+                <a:spcPct val="100000"/>
+              </a:lnSpc>
               <a:spcBef>
                 <a:spcPts val="0"/>
               </a:spcBef>
@@ -2081,7 +2754,10 @@
               <a:buNone/>
               <a:defRPr sz="4200"/>
             </a:lvl3pPr>
-            <a:lvl4pPr lvl="3">
+            <a:lvl4pPr lvl="3" algn="l">
+              <a:lnSpc>
+                <a:spcPct val="100000"/>
+              </a:lnSpc>
               <a:spcBef>
                 <a:spcPts val="0"/>
               </a:spcBef>
@@ -2092,7 +2768,10 @@
               <a:buNone/>
               <a:defRPr sz="4200"/>
             </a:lvl4pPr>
-            <a:lvl5pPr lvl="4">
+            <a:lvl5pPr lvl="4" algn="l">
+              <a:lnSpc>
+                <a:spcPct val="100000"/>
+              </a:lnSpc>
               <a:spcBef>
                 <a:spcPts val="0"/>
               </a:spcBef>
@@ -2103,7 +2782,10 @@
               <a:buNone/>
               <a:defRPr sz="4200"/>
             </a:lvl5pPr>
-            <a:lvl6pPr lvl="5">
+            <a:lvl6pPr lvl="5" algn="l">
+              <a:lnSpc>
+                <a:spcPct val="100000"/>
+              </a:lnSpc>
               <a:spcBef>
                 <a:spcPts val="0"/>
               </a:spcBef>
@@ -2114,7 +2796,10 @@
               <a:buNone/>
               <a:defRPr sz="4200"/>
             </a:lvl6pPr>
-            <a:lvl7pPr lvl="6">
+            <a:lvl7pPr lvl="6" algn="l">
+              <a:lnSpc>
+                <a:spcPct val="100000"/>
+              </a:lnSpc>
               <a:spcBef>
                 <a:spcPts val="0"/>
               </a:spcBef>
@@ -2125,7 +2810,10 @@
               <a:buNone/>
               <a:defRPr sz="4200"/>
             </a:lvl7pPr>
-            <a:lvl8pPr lvl="7">
+            <a:lvl8pPr lvl="7" algn="l">
+              <a:lnSpc>
+                <a:spcPct val="100000"/>
+              </a:lnSpc>
               <a:spcBef>
                 <a:spcPts val="0"/>
               </a:spcBef>
@@ -2136,7 +2824,10 @@
               <a:buNone/>
               <a:defRPr sz="4200"/>
             </a:lvl8pPr>
-            <a:lvl9pPr lvl="8">
+            <a:lvl9pPr lvl="8" algn="l">
+              <a:lnSpc>
+                <a:spcPct val="100000"/>
+              </a:lnSpc>
               <a:spcBef>
                 <a:spcPts val="0"/>
               </a:spcBef>
@@ -2148,19 +2839,15 @@
               <a:defRPr sz="4200"/>
             </a:lvl9pPr>
           </a:lstStyle>
-          <a:p>
-            <a:endParaRPr/>
-          </a:p>
+          <a:p/>
         </p:txBody>
       </p:sp>
       <p:sp>
         <p:nvSpPr>
-          <p:cNvPr id="67" name="Google Shape;67;p9"/>
-          <p:cNvSpPr txBox="1">
-            <a:spLocks noGrp="1"/>
-          </p:cNvSpPr>
+          <p:cNvPr id="27" name="Google Shape;27;p4"/>
+          <p:cNvSpPr txBox="1"/>
           <p:nvPr>
-            <p:ph type="subTitle" idx="1"/>
+            <p:ph idx="1" type="subTitle"/>
           </p:nvPr>
         </p:nvSpPr>
         <p:spPr>
@@ -2171,13 +2858,17 @@
           <a:prstGeom prst="rect">
             <a:avLst/>
           </a:prstGeom>
+          <a:noFill/>
+          <a:ln>
+            <a:noFill/>
+          </a:ln>
         </p:spPr>
         <p:txBody>
-          <a:bodyPr spcFirstLastPara="1" wrap="square" lIns="0" tIns="91425" rIns="0" bIns="91425" anchor="ctr" anchorCtr="0">
+          <a:bodyPr anchorCtr="0" anchor="ctr" bIns="91425" lIns="0" spcFirstLastPara="1" rIns="0" wrap="square" tIns="91425">
             <a:noAutofit/>
           </a:bodyPr>
           <a:lstStyle>
-            <a:lvl1pPr lvl="0">
+            <a:lvl1pPr lvl="0" algn="l">
               <a:lnSpc>
                 <a:spcPct val="100000"/>
               </a:lnSpc>
@@ -2191,7 +2882,7 @@
               <a:buNone/>
               <a:defRPr sz="2100"/>
             </a:lvl1pPr>
-            <a:lvl2pPr lvl="1">
+            <a:lvl2pPr lvl="1" algn="l">
               <a:lnSpc>
                 <a:spcPct val="100000"/>
               </a:lnSpc>
@@ -2205,7 +2896,7 @@
               <a:buNone/>
               <a:defRPr sz="2100"/>
             </a:lvl2pPr>
-            <a:lvl3pPr lvl="2">
+            <a:lvl3pPr lvl="2" algn="l">
               <a:lnSpc>
                 <a:spcPct val="100000"/>
               </a:lnSpc>
@@ -2219,7 +2910,7 @@
               <a:buNone/>
               <a:defRPr sz="2100"/>
             </a:lvl3pPr>
-            <a:lvl4pPr lvl="3">
+            <a:lvl4pPr lvl="3" algn="l">
               <a:lnSpc>
                 <a:spcPct val="100000"/>
               </a:lnSpc>
@@ -2233,7 +2924,7 @@
               <a:buNone/>
               <a:defRPr sz="2100"/>
             </a:lvl4pPr>
-            <a:lvl5pPr lvl="4">
+            <a:lvl5pPr lvl="4" algn="l">
               <a:lnSpc>
                 <a:spcPct val="100000"/>
               </a:lnSpc>
@@ -2247,7 +2938,7 @@
               <a:buNone/>
               <a:defRPr sz="2100"/>
             </a:lvl5pPr>
-            <a:lvl6pPr lvl="5">
+            <a:lvl6pPr lvl="5" algn="l">
               <a:lnSpc>
                 <a:spcPct val="100000"/>
               </a:lnSpc>
@@ -2261,7 +2952,7 @@
               <a:buNone/>
               <a:defRPr sz="2100"/>
             </a:lvl6pPr>
-            <a:lvl7pPr lvl="6">
+            <a:lvl7pPr lvl="6" algn="l">
               <a:lnSpc>
                 <a:spcPct val="100000"/>
               </a:lnSpc>
@@ -2275,7 +2966,7 @@
               <a:buNone/>
               <a:defRPr sz="2100"/>
             </a:lvl7pPr>
-            <a:lvl8pPr lvl="7">
+            <a:lvl8pPr lvl="7" algn="l">
               <a:lnSpc>
                 <a:spcPct val="100000"/>
               </a:lnSpc>
@@ -2289,7 +2980,7 @@
               <a:buNone/>
               <a:defRPr sz="2100"/>
             </a:lvl8pPr>
-            <a:lvl9pPr lvl="8">
+            <a:lvl9pPr lvl="8" algn="l">
               <a:lnSpc>
                 <a:spcPct val="100000"/>
               </a:lnSpc>
@@ -2304,14 +2995,12 @@
               <a:defRPr sz="2100"/>
             </a:lvl9pPr>
           </a:lstStyle>
-          <a:p>
-            <a:endParaRPr/>
-          </a:p>
+          <a:p/>
         </p:txBody>
       </p:sp>
       <p:sp>
         <p:nvSpPr>
-          <p:cNvPr id="68" name="Google Shape;68;p9"/>
+          <p:cNvPr id="28" name="Google Shape;28;p4"/>
           <p:cNvSpPr/>
           <p:nvPr/>
         </p:nvSpPr>
@@ -2322,9 +3011,9 @@
           </a:xfrm>
           <a:prstGeom prst="blockArc">
             <a:avLst>
-              <a:gd name="adj1" fmla="val 10800000"/>
-              <a:gd name="adj2" fmla="val 263922"/>
-              <a:gd name="adj3" fmla="val 11651"/>
+              <a:gd fmla="val 10800000" name="adj1"/>
+              <a:gd fmla="val 263922" name="adj2"/>
+              <a:gd fmla="val 11651" name="adj3"/>
             </a:avLst>
           </a:prstGeom>
           <a:solidFill>
@@ -2335,27 +3024,46 @@
           </a:ln>
         </p:spPr>
         <p:txBody>
-          <a:bodyPr spcFirstLastPara="1" wrap="square" lIns="91425" tIns="91425" rIns="91425" bIns="91425" anchor="ctr" anchorCtr="0">
+          <a:bodyPr anchorCtr="0" anchor="ctr" bIns="91425" lIns="91425" spcFirstLastPara="1" rIns="91425" wrap="square" tIns="91425">
             <a:noAutofit/>
           </a:bodyPr>
           <a:lstStyle/>
           <a:p>
-            <a:pPr marL="0" lvl="0" indent="0" algn="l" rtl="0">
-              <a:spcBef>
-                <a:spcPts val="0"/>
-              </a:spcBef>
-              <a:spcAft>
-                <a:spcPts val="0"/>
-              </a:spcAft>
+            <a:pPr indent="0" lvl="0" marL="0" marR="0" rtl="0" algn="l">
+              <a:lnSpc>
+                <a:spcPct val="100000"/>
+              </a:lnSpc>
+              <a:spcBef>
+                <a:spcPts val="0"/>
+              </a:spcBef>
+              <a:spcAft>
+                <a:spcPts val="0"/>
+              </a:spcAft>
+              <a:buClr>
+                <a:srgbClr val="000000"/>
+              </a:buClr>
+              <a:buSzPts val="1400"/>
+              <a:buFont typeface="Arial"/>
               <a:buNone/>
             </a:pPr>
-            <a:endParaRPr/>
+            <a:r>
+              <a:t/>
+            </a:r>
+            <a:endParaRPr b="0" i="0" sz="1400" u="none" cap="none" strike="noStrike">
+              <a:solidFill>
+                <a:srgbClr val="000000"/>
+              </a:solidFill>
+              <a:latin typeface="Arial"/>
+              <a:ea typeface="Arial"/>
+              <a:cs typeface="Arial"/>
+              <a:sym typeface="Arial"/>
+            </a:endParaRPr>
           </a:p>
         </p:txBody>
       </p:sp>
       <p:sp>
         <p:nvSpPr>
-          <p:cNvPr id="69" name="Google Shape;69;p9"/>
+          <p:cNvPr id="29" name="Google Shape;29;p4"/>
           <p:cNvSpPr/>
           <p:nvPr/>
         </p:nvSpPr>
@@ -2366,9 +3074,9 @@
           </a:xfrm>
           <a:prstGeom prst="blockArc">
             <a:avLst>
-              <a:gd name="adj1" fmla="val 10800000"/>
-              <a:gd name="adj2" fmla="val 263922"/>
-              <a:gd name="adj3" fmla="val 11651"/>
+              <a:gd fmla="val 10800000" name="adj1"/>
+              <a:gd fmla="val 263922" name="adj2"/>
+              <a:gd fmla="val 11651" name="adj3"/>
             </a:avLst>
           </a:prstGeom>
           <a:solidFill>
@@ -2379,27 +3087,46 @@
           </a:ln>
         </p:spPr>
         <p:txBody>
-          <a:bodyPr spcFirstLastPara="1" wrap="square" lIns="91425" tIns="91425" rIns="91425" bIns="91425" anchor="ctr" anchorCtr="0">
+          <a:bodyPr anchorCtr="0" anchor="ctr" bIns="91425" lIns="91425" spcFirstLastPara="1" rIns="91425" wrap="square" tIns="91425">
             <a:noAutofit/>
           </a:bodyPr>
           <a:lstStyle/>
           <a:p>
-            <a:pPr marL="0" lvl="0" indent="0" algn="l" rtl="0">
-              <a:spcBef>
-                <a:spcPts val="0"/>
-              </a:spcBef>
-              <a:spcAft>
-                <a:spcPts val="0"/>
-              </a:spcAft>
+            <a:pPr indent="0" lvl="0" marL="0" marR="0" rtl="0" algn="l">
+              <a:lnSpc>
+                <a:spcPct val="100000"/>
+              </a:lnSpc>
+              <a:spcBef>
+                <a:spcPts val="0"/>
+              </a:spcBef>
+              <a:spcAft>
+                <a:spcPts val="0"/>
+              </a:spcAft>
+              <a:buClr>
+                <a:srgbClr val="000000"/>
+              </a:buClr>
+              <a:buSzPts val="1400"/>
+              <a:buFont typeface="Arial"/>
               <a:buNone/>
             </a:pPr>
-            <a:endParaRPr/>
+            <a:r>
+              <a:t/>
+            </a:r>
+            <a:endParaRPr b="0" i="0" sz="1400" u="none" cap="none" strike="noStrike">
+              <a:solidFill>
+                <a:srgbClr val="000000"/>
+              </a:solidFill>
+              <a:latin typeface="Arial"/>
+              <a:ea typeface="Arial"/>
+              <a:cs typeface="Arial"/>
+              <a:sym typeface="Arial"/>
+            </a:endParaRPr>
           </a:p>
         </p:txBody>
       </p:sp>
       <p:sp>
         <p:nvSpPr>
-          <p:cNvPr id="70" name="Google Shape;70;p9"/>
+          <p:cNvPr id="30" name="Google Shape;30;p4"/>
           <p:cNvSpPr/>
           <p:nvPr/>
         </p:nvSpPr>
@@ -2410,7 +3137,7 @@
           </a:xfrm>
           <a:prstGeom prst="triangle">
             <a:avLst>
-              <a:gd name="adj" fmla="val 50000"/>
+              <a:gd fmla="val 50000" name="adj"/>
             </a:avLst>
           </a:prstGeom>
           <a:solidFill>
@@ -2421,21 +3148,40 @@
           </a:ln>
         </p:spPr>
         <p:txBody>
-          <a:bodyPr spcFirstLastPara="1" wrap="square" lIns="91425" tIns="91425" rIns="91425" bIns="91425" anchor="ctr" anchorCtr="0">
+          <a:bodyPr anchorCtr="0" anchor="ctr" bIns="91425" lIns="91425" spcFirstLastPara="1" rIns="91425" wrap="square" tIns="91425">
             <a:noAutofit/>
           </a:bodyPr>
           <a:lstStyle/>
           <a:p>
-            <a:pPr marL="0" lvl="0" indent="0" algn="l" rtl="0">
-              <a:spcBef>
-                <a:spcPts val="0"/>
-              </a:spcBef>
-              <a:spcAft>
-                <a:spcPts val="0"/>
-              </a:spcAft>
+            <a:pPr indent="0" lvl="0" marL="0" marR="0" rtl="0" algn="l">
+              <a:lnSpc>
+                <a:spcPct val="100000"/>
+              </a:lnSpc>
+              <a:spcBef>
+                <a:spcPts val="0"/>
+              </a:spcBef>
+              <a:spcAft>
+                <a:spcPts val="0"/>
+              </a:spcAft>
+              <a:buClr>
+                <a:srgbClr val="000000"/>
+              </a:buClr>
+              <a:buSzPts val="1400"/>
+              <a:buFont typeface="Arial"/>
               <a:buNone/>
             </a:pPr>
-            <a:endParaRPr/>
+            <a:r>
+              <a:t/>
+            </a:r>
+            <a:endParaRPr b="0" i="0" sz="1400" u="none" cap="none" strike="noStrike">
+              <a:solidFill>
+                <a:srgbClr val="000000"/>
+              </a:solidFill>
+              <a:latin typeface="Arial"/>
+              <a:ea typeface="Arial"/>
+              <a:cs typeface="Arial"/>
+              <a:sym typeface="Arial"/>
+            </a:endParaRPr>
           </a:p>
         </p:txBody>
       </p:sp>
@@ -2448,11 +3194,11 @@
 </file>
 
 <file path=ppt/slideLayouts/slideLayout4.xml><?xml version="1.0" encoding="utf-8"?>
-<p:sldLayout xmlns:a="http://schemas.openxmlformats.org/drawingml/2006/main" xmlns:r="http://schemas.openxmlformats.org/officeDocument/2006/relationships" xmlns:p="http://schemas.openxmlformats.org/presentationml/2006/main" matchingName="Blank" type="blank">
-  <p:cSld name="BLANK">
+<p:sldLayout xmlns:a="http://schemas.openxmlformats.org/drawingml/2006/main" xmlns:r="http://schemas.openxmlformats.org/officeDocument/2006/relationships" xmlns:mc="http://schemas.openxmlformats.org/markup-compatibility/2006" xmlns:mv="urn:schemas-microsoft-com:mac:vml" xmlns:p="http://schemas.openxmlformats.org/presentationml/2006/main" xmlns:c="http://schemas.openxmlformats.org/drawingml/2006/chart" xmlns:dgm="http://schemas.openxmlformats.org/drawingml/2006/diagram" xmlns:o="urn:schemas-microsoft-com:office:office" xmlns:v="urn:schemas-microsoft-com:vml" xmlns:pvml="urn:schemas-microsoft-com:office:powerpoint" xmlns:com="http://schemas.openxmlformats.org/drawingml/2006/compatibility" xmlns:p14="http://schemas.microsoft.com/office/powerpoint/2010/main" xmlns:p15="http://schemas.microsoft.com/office/powerpoint/2012/main" xmlns:ahyp="http://schemas.microsoft.com/office/drawing/2018/hyperlinkcolor" matchingName="Title and two columns 1">
+  <p:cSld name="CUSTOM_10">
     <p:spTree>
       <p:nvGrpSpPr>
-        <p:cNvPr id="1" name="Shape 83"/>
+        <p:cNvPr id="31" name="Shape 31"/>
         <p:cNvGrpSpPr/>
         <p:nvPr/>
       </p:nvGrpSpPr>
@@ -2466,115 +3212,7 @@
       </p:grpSpPr>
       <p:sp>
         <p:nvSpPr>
-          <p:cNvPr id="84" name="Google Shape;84;p12"/>
-          <p:cNvSpPr txBox="1">
-            <a:spLocks noGrp="1"/>
-          </p:cNvSpPr>
-          <p:nvPr>
-            <p:ph type="sldNum" idx="12"/>
-          </p:nvPr>
-        </p:nvSpPr>
-        <p:spPr>
-          <a:xfrm>
-            <a:off x="8472458" y="4663217"/>
-            <a:ext cx="548700" cy="393600"/>
-          </a:xfrm>
-          <a:prstGeom prst="rect">
-            <a:avLst/>
-          </a:prstGeom>
-          <a:noFill/>
-          <a:ln>
-            <a:noFill/>
-          </a:ln>
-        </p:spPr>
-        <p:txBody>
-          <a:bodyPr spcFirstLastPara="1" wrap="square" lIns="91425" tIns="91425" rIns="91425" bIns="91425" anchor="ctr" anchorCtr="0">
-            <a:noAutofit/>
-          </a:bodyPr>
-          <a:lstStyle>
-            <a:lvl1pPr lvl="0">
-              <a:buNone/>
-              <a:defRPr/>
-            </a:lvl1pPr>
-            <a:lvl2pPr lvl="1">
-              <a:buNone/>
-              <a:defRPr/>
-            </a:lvl2pPr>
-            <a:lvl3pPr lvl="2">
-              <a:buNone/>
-              <a:defRPr/>
-            </a:lvl3pPr>
-            <a:lvl4pPr lvl="3">
-              <a:buNone/>
-              <a:defRPr/>
-            </a:lvl4pPr>
-            <a:lvl5pPr lvl="4">
-              <a:buNone/>
-              <a:defRPr/>
-            </a:lvl5pPr>
-            <a:lvl6pPr lvl="5">
-              <a:buNone/>
-              <a:defRPr/>
-            </a:lvl6pPr>
-            <a:lvl7pPr lvl="6">
-              <a:buNone/>
-              <a:defRPr/>
-            </a:lvl7pPr>
-            <a:lvl8pPr lvl="7">
-              <a:buNone/>
-              <a:defRPr/>
-            </a:lvl8pPr>
-            <a:lvl9pPr lvl="8">
-              <a:buNone/>
-              <a:defRPr/>
-            </a:lvl9pPr>
-          </a:lstStyle>
-          <a:p>
-            <a:pPr marL="0" lvl="0" indent="0" algn="l" rtl="0">
-              <a:spcBef>
-                <a:spcPts val="0"/>
-              </a:spcBef>
-              <a:spcAft>
-                <a:spcPts val="0"/>
-              </a:spcAft>
-              <a:buNone/>
-            </a:pPr>
-            <a:fld id="{00000000-1234-1234-1234-123412341234}" type="slidenum">
-              <a:rPr lang="en"/>
-              <a:t>‹#›</a:t>
-            </a:fld>
-            <a:endParaRPr/>
-          </a:p>
-        </p:txBody>
-      </p:sp>
-    </p:spTree>
-  </p:cSld>
-  <p:clrMapOvr>
-    <a:masterClrMapping/>
-  </p:clrMapOvr>
-</p:sldLayout>
-</file>
-
-<file path=ppt/slideLayouts/slideLayout5.xml><?xml version="1.0" encoding="utf-8"?>
-<p:sldLayout xmlns:a="http://schemas.openxmlformats.org/drawingml/2006/main" xmlns:r="http://schemas.openxmlformats.org/officeDocument/2006/relationships" xmlns:p="http://schemas.openxmlformats.org/presentationml/2006/main" matchingName="Title and two columns 1">
-  <p:cSld name="CUSTOM_10">
-    <p:spTree>
-      <p:nvGrpSpPr>
-        <p:cNvPr id="1" name="Shape 225"/>
-        <p:cNvGrpSpPr/>
-        <p:nvPr/>
-      </p:nvGrpSpPr>
-      <p:grpSpPr>
-        <a:xfrm>
-          <a:off x="0" y="0"/>
-          <a:ext cx="0" cy="0"/>
-          <a:chOff x="0" y="0"/>
-          <a:chExt cx="0" cy="0"/>
-        </a:xfrm>
-      </p:grpSpPr>
-      <p:sp>
-        <p:nvSpPr>
-          <p:cNvPr id="226" name="Google Shape;226;p27"/>
+          <p:cNvPr id="32" name="Google Shape;32;p5"/>
           <p:cNvSpPr/>
           <p:nvPr/>
         </p:nvSpPr>
@@ -2584,13 +3222,9 @@
             <a:ext cx="2952974" cy="572620"/>
           </a:xfrm>
           <a:custGeom>
-            <a:avLst/>
-            <a:gdLst/>
-            <a:ahLst/>
-            <a:cxnLst/>
-            <a:rect l="l" t="t" r="r" b="b"/>
+            <a:rect b="b" l="l" r="r" t="t"/>
             <a:pathLst>
-              <a:path w="251531" h="78200" extrusionOk="0">
+              <a:path extrusionOk="0" h="78200" w="251531">
                 <a:moveTo>
                   <a:pt x="0" y="0"/>
                 </a:moveTo>
@@ -2617,10 +3251,8 @@
       </p:sp>
       <p:sp>
         <p:nvSpPr>
-          <p:cNvPr id="227" name="Google Shape;227;p27"/>
-          <p:cNvSpPr txBox="1">
-            <a:spLocks noGrp="1"/>
-          </p:cNvSpPr>
+          <p:cNvPr id="33" name="Google Shape;33;p5"/>
+          <p:cNvSpPr txBox="1"/>
           <p:nvPr>
             <p:ph type="title"/>
           </p:nvPr>
@@ -2633,13 +3265,20 @@
           <a:prstGeom prst="rect">
             <a:avLst/>
           </a:prstGeom>
+          <a:noFill/>
+          <a:ln>
+            <a:noFill/>
+          </a:ln>
         </p:spPr>
         <p:txBody>
-          <a:bodyPr spcFirstLastPara="1" wrap="square" lIns="91425" tIns="91425" rIns="91425" bIns="91425" anchor="ctr" anchorCtr="0">
+          <a:bodyPr anchorCtr="0" anchor="ctr" bIns="91425" lIns="91425" spcFirstLastPara="1" rIns="91425" wrap="square" tIns="91425">
             <a:noAutofit/>
           </a:bodyPr>
           <a:lstStyle>
-            <a:lvl1pPr lvl="0" rtl="0">
+            <a:lvl1pPr lvl="0" algn="l">
+              <a:lnSpc>
+                <a:spcPct val="100000"/>
+              </a:lnSpc>
               <a:spcBef>
                 <a:spcPts val="0"/>
               </a:spcBef>
@@ -2650,7 +3289,10 @@
               <a:buNone/>
               <a:defRPr/>
             </a:lvl1pPr>
-            <a:lvl2pPr lvl="1" rtl="0">
+            <a:lvl2pPr lvl="1" algn="l">
+              <a:lnSpc>
+                <a:spcPct val="100000"/>
+              </a:lnSpc>
               <a:spcBef>
                 <a:spcPts val="0"/>
               </a:spcBef>
@@ -2661,7 +3303,10 @@
               <a:buNone/>
               <a:defRPr/>
             </a:lvl2pPr>
-            <a:lvl3pPr lvl="2" rtl="0">
+            <a:lvl3pPr lvl="2" algn="l">
+              <a:lnSpc>
+                <a:spcPct val="100000"/>
+              </a:lnSpc>
               <a:spcBef>
                 <a:spcPts val="0"/>
               </a:spcBef>
@@ -2672,7 +3317,10 @@
               <a:buNone/>
               <a:defRPr/>
             </a:lvl3pPr>
-            <a:lvl4pPr lvl="3" rtl="0">
+            <a:lvl4pPr lvl="3" algn="l">
+              <a:lnSpc>
+                <a:spcPct val="100000"/>
+              </a:lnSpc>
               <a:spcBef>
                 <a:spcPts val="0"/>
               </a:spcBef>
@@ -2683,7 +3331,10 @@
               <a:buNone/>
               <a:defRPr/>
             </a:lvl4pPr>
-            <a:lvl5pPr lvl="4" rtl="0">
+            <a:lvl5pPr lvl="4" algn="l">
+              <a:lnSpc>
+                <a:spcPct val="100000"/>
+              </a:lnSpc>
               <a:spcBef>
                 <a:spcPts val="0"/>
               </a:spcBef>
@@ -2694,7 +3345,10 @@
               <a:buNone/>
               <a:defRPr/>
             </a:lvl5pPr>
-            <a:lvl6pPr lvl="5" rtl="0">
+            <a:lvl6pPr lvl="5" algn="l">
+              <a:lnSpc>
+                <a:spcPct val="100000"/>
+              </a:lnSpc>
               <a:spcBef>
                 <a:spcPts val="0"/>
               </a:spcBef>
@@ -2705,7 +3359,10 @@
               <a:buNone/>
               <a:defRPr/>
             </a:lvl6pPr>
-            <a:lvl7pPr lvl="6" rtl="0">
+            <a:lvl7pPr lvl="6" algn="l">
+              <a:lnSpc>
+                <a:spcPct val="100000"/>
+              </a:lnSpc>
               <a:spcBef>
                 <a:spcPts val="0"/>
               </a:spcBef>
@@ -2716,7 +3373,10 @@
               <a:buNone/>
               <a:defRPr/>
             </a:lvl7pPr>
-            <a:lvl8pPr lvl="7" rtl="0">
+            <a:lvl8pPr lvl="7" algn="l">
+              <a:lnSpc>
+                <a:spcPct val="100000"/>
+              </a:lnSpc>
               <a:spcBef>
                 <a:spcPts val="0"/>
               </a:spcBef>
@@ -2727,7 +3387,10 @@
               <a:buNone/>
               <a:defRPr/>
             </a:lvl8pPr>
-            <a:lvl9pPr lvl="8" rtl="0">
+            <a:lvl9pPr lvl="8" algn="l">
+              <a:lnSpc>
+                <a:spcPct val="100000"/>
+              </a:lnSpc>
               <a:spcBef>
                 <a:spcPts val="0"/>
               </a:spcBef>
@@ -2739,19 +3402,15 @@
               <a:defRPr/>
             </a:lvl9pPr>
           </a:lstStyle>
-          <a:p>
-            <a:endParaRPr/>
-          </a:p>
+          <a:p/>
         </p:txBody>
       </p:sp>
       <p:sp>
         <p:nvSpPr>
-          <p:cNvPr id="228" name="Google Shape;228;p27"/>
-          <p:cNvSpPr txBox="1">
-            <a:spLocks noGrp="1"/>
-          </p:cNvSpPr>
+          <p:cNvPr id="34" name="Google Shape;34;p5"/>
+          <p:cNvSpPr txBox="1"/>
           <p:nvPr>
-            <p:ph type="body" idx="1"/>
+            <p:ph idx="1" type="body"/>
           </p:nvPr>
         </p:nvSpPr>
         <p:spPr>
@@ -2762,13 +3421,20 @@
           <a:prstGeom prst="rect">
             <a:avLst/>
           </a:prstGeom>
+          <a:noFill/>
+          <a:ln>
+            <a:noFill/>
+          </a:ln>
         </p:spPr>
         <p:txBody>
-          <a:bodyPr spcFirstLastPara="1" wrap="square" lIns="91425" tIns="91425" rIns="91425" bIns="91425" anchor="b" anchorCtr="0">
+          <a:bodyPr anchorCtr="0" anchor="b" bIns="91425" lIns="91425" spcFirstLastPara="1" rIns="91425" wrap="square" tIns="91425">
             <a:noAutofit/>
           </a:bodyPr>
           <a:lstStyle>
-            <a:lvl1pPr marL="457200" lvl="0" indent="-317500" rtl="0">
+            <a:lvl1pPr indent="-317500" lvl="0" marL="457200" algn="l">
+              <a:lnSpc>
+                <a:spcPct val="115000"/>
+              </a:lnSpc>
               <a:spcBef>
                 <a:spcPts val="0"/>
               </a:spcBef>
@@ -2779,7 +3445,10 @@
               <a:buAutoNum type="arabicPeriod"/>
               <a:defRPr sz="1200"/>
             </a:lvl1pPr>
-            <a:lvl2pPr marL="914400" lvl="1" indent="-317500" rtl="0">
+            <a:lvl2pPr indent="-317500" lvl="1" marL="914400" algn="l">
+              <a:lnSpc>
+                <a:spcPct val="115000"/>
+              </a:lnSpc>
               <a:spcBef>
                 <a:spcPts val="1600"/>
               </a:spcBef>
@@ -2790,7 +3459,10 @@
               <a:buAutoNum type="alphaLcPeriod"/>
               <a:defRPr/>
             </a:lvl2pPr>
-            <a:lvl3pPr marL="1371600" lvl="2" indent="-317500" rtl="0">
+            <a:lvl3pPr indent="-317500" lvl="2" marL="1371600" algn="l">
+              <a:lnSpc>
+                <a:spcPct val="115000"/>
+              </a:lnSpc>
               <a:spcBef>
                 <a:spcPts val="1600"/>
               </a:spcBef>
@@ -2801,7 +3473,10 @@
               <a:buAutoNum type="romanLcPeriod"/>
               <a:defRPr/>
             </a:lvl3pPr>
-            <a:lvl4pPr marL="1828800" lvl="3" indent="-317500" rtl="0">
+            <a:lvl4pPr indent="-317500" lvl="3" marL="1828800" algn="l">
+              <a:lnSpc>
+                <a:spcPct val="115000"/>
+              </a:lnSpc>
               <a:spcBef>
                 <a:spcPts val="1600"/>
               </a:spcBef>
@@ -2812,7 +3487,10 @@
               <a:buAutoNum type="arabicPeriod"/>
               <a:defRPr/>
             </a:lvl4pPr>
-            <a:lvl5pPr marL="2286000" lvl="4" indent="-317500" rtl="0">
+            <a:lvl5pPr indent="-317500" lvl="4" marL="2286000" algn="l">
+              <a:lnSpc>
+                <a:spcPct val="115000"/>
+              </a:lnSpc>
               <a:spcBef>
                 <a:spcPts val="1600"/>
               </a:spcBef>
@@ -2823,7 +3501,10 @@
               <a:buAutoNum type="alphaLcPeriod"/>
               <a:defRPr/>
             </a:lvl5pPr>
-            <a:lvl6pPr marL="2743200" lvl="5" indent="-317500" rtl="0">
+            <a:lvl6pPr indent="-317500" lvl="5" marL="2743200" algn="l">
+              <a:lnSpc>
+                <a:spcPct val="115000"/>
+              </a:lnSpc>
               <a:spcBef>
                 <a:spcPts val="1600"/>
               </a:spcBef>
@@ -2834,7 +3515,10 @@
               <a:buAutoNum type="romanLcPeriod"/>
               <a:defRPr/>
             </a:lvl6pPr>
-            <a:lvl7pPr marL="3200400" lvl="6" indent="-317500" rtl="0">
+            <a:lvl7pPr indent="-317500" lvl="6" marL="3200400" algn="l">
+              <a:lnSpc>
+                <a:spcPct val="115000"/>
+              </a:lnSpc>
               <a:spcBef>
                 <a:spcPts val="1600"/>
               </a:spcBef>
@@ -2845,7 +3529,10 @@
               <a:buAutoNum type="arabicPeriod"/>
               <a:defRPr/>
             </a:lvl7pPr>
-            <a:lvl8pPr marL="3657600" lvl="7" indent="-317500" rtl="0">
+            <a:lvl8pPr indent="-317500" lvl="7" marL="3657600" algn="l">
+              <a:lnSpc>
+                <a:spcPct val="115000"/>
+              </a:lnSpc>
               <a:spcBef>
                 <a:spcPts val="1600"/>
               </a:spcBef>
@@ -2856,7 +3543,10 @@
               <a:buAutoNum type="alphaLcPeriod"/>
               <a:defRPr/>
             </a:lvl8pPr>
-            <a:lvl9pPr marL="4114800" lvl="8" indent="-317500" rtl="0">
+            <a:lvl9pPr indent="-317500" lvl="8" marL="4114800" algn="l">
+              <a:lnSpc>
+                <a:spcPct val="115000"/>
+              </a:lnSpc>
               <a:spcBef>
                 <a:spcPts val="1600"/>
               </a:spcBef>
@@ -2868,19 +3558,15 @@
               <a:defRPr/>
             </a:lvl9pPr>
           </a:lstStyle>
-          <a:p>
-            <a:endParaRPr/>
-          </a:p>
+          <a:p/>
         </p:txBody>
       </p:sp>
       <p:sp>
         <p:nvSpPr>
-          <p:cNvPr id="229" name="Google Shape;229;p27"/>
-          <p:cNvSpPr txBox="1">
-            <a:spLocks noGrp="1"/>
-          </p:cNvSpPr>
+          <p:cNvPr id="35" name="Google Shape;35;p5"/>
+          <p:cNvSpPr txBox="1"/>
           <p:nvPr>
-            <p:ph type="body" idx="2"/>
+            <p:ph idx="2" type="body"/>
           </p:nvPr>
         </p:nvSpPr>
         <p:spPr>
@@ -2891,13 +3577,20 @@
           <a:prstGeom prst="rect">
             <a:avLst/>
           </a:prstGeom>
+          <a:noFill/>
+          <a:ln>
+            <a:noFill/>
+          </a:ln>
         </p:spPr>
         <p:txBody>
-          <a:bodyPr spcFirstLastPara="1" wrap="square" lIns="91425" tIns="91425" rIns="91425" bIns="91425" anchor="b" anchorCtr="0">
+          <a:bodyPr anchorCtr="0" anchor="b" bIns="91425" lIns="91425" spcFirstLastPara="1" rIns="91425" wrap="square" tIns="91425">
             <a:noAutofit/>
           </a:bodyPr>
           <a:lstStyle>
-            <a:lvl1pPr marL="457200" lvl="0" indent="-317500" rtl="0">
+            <a:lvl1pPr indent="-317500" lvl="0" marL="457200" algn="l">
+              <a:lnSpc>
+                <a:spcPct val="115000"/>
+              </a:lnSpc>
               <a:spcBef>
                 <a:spcPts val="0"/>
               </a:spcBef>
@@ -2908,7 +3601,10 @@
               <a:buAutoNum type="arabicPeriod"/>
               <a:defRPr sz="1200"/>
             </a:lvl1pPr>
-            <a:lvl2pPr marL="914400" lvl="1" indent="-317500" rtl="0">
+            <a:lvl2pPr indent="-317500" lvl="1" marL="914400" algn="l">
+              <a:lnSpc>
+                <a:spcPct val="115000"/>
+              </a:lnSpc>
               <a:spcBef>
                 <a:spcPts val="1600"/>
               </a:spcBef>
@@ -2919,7 +3615,10 @@
               <a:buAutoNum type="alphaLcPeriod"/>
               <a:defRPr/>
             </a:lvl2pPr>
-            <a:lvl3pPr marL="1371600" lvl="2" indent="-317500" rtl="0">
+            <a:lvl3pPr indent="-317500" lvl="2" marL="1371600" algn="l">
+              <a:lnSpc>
+                <a:spcPct val="115000"/>
+              </a:lnSpc>
               <a:spcBef>
                 <a:spcPts val="1600"/>
               </a:spcBef>
@@ -2930,7 +3629,10 @@
               <a:buAutoNum type="romanLcPeriod"/>
               <a:defRPr/>
             </a:lvl3pPr>
-            <a:lvl4pPr marL="1828800" lvl="3" indent="-317500" rtl="0">
+            <a:lvl4pPr indent="-317500" lvl="3" marL="1828800" algn="l">
+              <a:lnSpc>
+                <a:spcPct val="115000"/>
+              </a:lnSpc>
               <a:spcBef>
                 <a:spcPts val="1600"/>
               </a:spcBef>
@@ -2941,7 +3643,10 @@
               <a:buAutoNum type="arabicPeriod"/>
               <a:defRPr/>
             </a:lvl4pPr>
-            <a:lvl5pPr marL="2286000" lvl="4" indent="-317500" rtl="0">
+            <a:lvl5pPr indent="-317500" lvl="4" marL="2286000" algn="l">
+              <a:lnSpc>
+                <a:spcPct val="115000"/>
+              </a:lnSpc>
               <a:spcBef>
                 <a:spcPts val="1600"/>
               </a:spcBef>
@@ -2952,7 +3657,10 @@
               <a:buAutoNum type="alphaLcPeriod"/>
               <a:defRPr/>
             </a:lvl5pPr>
-            <a:lvl6pPr marL="2743200" lvl="5" indent="-317500" rtl="0">
+            <a:lvl6pPr indent="-317500" lvl="5" marL="2743200" algn="l">
+              <a:lnSpc>
+                <a:spcPct val="115000"/>
+              </a:lnSpc>
               <a:spcBef>
                 <a:spcPts val="1600"/>
               </a:spcBef>
@@ -2963,7 +3671,10 @@
               <a:buAutoNum type="romanLcPeriod"/>
               <a:defRPr/>
             </a:lvl6pPr>
-            <a:lvl7pPr marL="3200400" lvl="6" indent="-317500" rtl="0">
+            <a:lvl7pPr indent="-317500" lvl="6" marL="3200400" algn="l">
+              <a:lnSpc>
+                <a:spcPct val="115000"/>
+              </a:lnSpc>
               <a:spcBef>
                 <a:spcPts val="1600"/>
               </a:spcBef>
@@ -2974,7 +3685,10 @@
               <a:buAutoNum type="arabicPeriod"/>
               <a:defRPr/>
             </a:lvl7pPr>
-            <a:lvl8pPr marL="3657600" lvl="7" indent="-317500" rtl="0">
+            <a:lvl8pPr indent="-317500" lvl="7" marL="3657600" algn="l">
+              <a:lnSpc>
+                <a:spcPct val="115000"/>
+              </a:lnSpc>
               <a:spcBef>
                 <a:spcPts val="1600"/>
               </a:spcBef>
@@ -2985,7 +3699,10 @@
               <a:buAutoNum type="alphaLcPeriod"/>
               <a:defRPr/>
             </a:lvl8pPr>
-            <a:lvl9pPr marL="4114800" lvl="8" indent="-317500" rtl="0">
+            <a:lvl9pPr indent="-317500" lvl="8" marL="4114800" algn="l">
+              <a:lnSpc>
+                <a:spcPct val="115000"/>
+              </a:lnSpc>
               <a:spcBef>
                 <a:spcPts val="1600"/>
               </a:spcBef>
@@ -2997,7 +3714,309 @@
               <a:defRPr/>
             </a:lvl9pPr>
           </a:lstStyle>
+          <a:p/>
+        </p:txBody>
+      </p:sp>
+    </p:spTree>
+  </p:cSld>
+  <p:clrMapOvr>
+    <a:masterClrMapping/>
+  </p:clrMapOvr>
+</p:sldLayout>
+</file>
+
+<file path=ppt/slideLayouts/slideLayout5.xml><?xml version="1.0" encoding="utf-8"?>
+<p:sldLayout xmlns:a="http://schemas.openxmlformats.org/drawingml/2006/main" xmlns:r="http://schemas.openxmlformats.org/officeDocument/2006/relationships" xmlns:mc="http://schemas.openxmlformats.org/markup-compatibility/2006" xmlns:mv="urn:schemas-microsoft-com:mac:vml" xmlns:p="http://schemas.openxmlformats.org/presentationml/2006/main" xmlns:c="http://schemas.openxmlformats.org/drawingml/2006/chart" xmlns:dgm="http://schemas.openxmlformats.org/drawingml/2006/diagram" xmlns:o="urn:schemas-microsoft-com:office:office" xmlns:v="urn:schemas-microsoft-com:vml" xmlns:pvml="urn:schemas-microsoft-com:office:powerpoint" xmlns:com="http://schemas.openxmlformats.org/drawingml/2006/compatibility" xmlns:p14="http://schemas.microsoft.com/office/powerpoint/2010/main" xmlns:p15="http://schemas.microsoft.com/office/powerpoint/2012/main" xmlns:ahyp="http://schemas.microsoft.com/office/drawing/2018/hyperlinkcolor" matchingName="Blank" type="blank">
+  <p:cSld name="BLANK">
+    <p:spTree>
+      <p:nvGrpSpPr>
+        <p:cNvPr id="36" name="Shape 36"/>
+        <p:cNvGrpSpPr/>
+        <p:nvPr/>
+      </p:nvGrpSpPr>
+      <p:grpSpPr>
+        <a:xfrm>
+          <a:off x="0" y="0"/>
+          <a:ext cx="0" cy="0"/>
+          <a:chOff x="0" y="0"/>
+          <a:chExt cx="0" cy="0"/>
+        </a:xfrm>
+      </p:grpSpPr>
+      <p:sp>
+        <p:nvSpPr>
+          <p:cNvPr id="37" name="Google Shape;37;p6"/>
+          <p:cNvSpPr txBox="1"/>
+          <p:nvPr>
+            <p:ph idx="12" type="sldNum"/>
+          </p:nvPr>
+        </p:nvSpPr>
+        <p:spPr>
+          <a:xfrm>
+            <a:off x="8472458" y="4663217"/>
+            <a:ext cx="548700" cy="393600"/>
+          </a:xfrm>
+          <a:prstGeom prst="rect">
+            <a:avLst/>
+          </a:prstGeom>
+          <a:noFill/>
+          <a:ln>
+            <a:noFill/>
+          </a:ln>
+        </p:spPr>
+        <p:txBody>
+          <a:bodyPr anchorCtr="0" anchor="ctr" bIns="91425" lIns="91425" spcFirstLastPara="1" rIns="91425" wrap="square" tIns="91425">
+            <a:noAutofit/>
+          </a:bodyPr>
+          <a:lstStyle>
+            <a:lvl1pPr indent="0" lvl="0" marL="0" marR="0" rtl="0" algn="l">
+              <a:lnSpc>
+                <a:spcPct val="100000"/>
+              </a:lnSpc>
+              <a:spcBef>
+                <a:spcPts val="0"/>
+              </a:spcBef>
+              <a:spcAft>
+                <a:spcPts val="0"/>
+              </a:spcAft>
+              <a:buClr>
+                <a:srgbClr val="000000"/>
+              </a:buClr>
+              <a:buSzPts val="1400"/>
+              <a:buFont typeface="Arial"/>
+              <a:buNone/>
+              <a:defRPr b="0" i="0" sz="1400" u="none" cap="none" strike="noStrike">
+                <a:solidFill>
+                  <a:srgbClr val="000000"/>
+                </a:solidFill>
+                <a:latin typeface="Arial"/>
+                <a:ea typeface="Arial"/>
+                <a:cs typeface="Arial"/>
+                <a:sym typeface="Arial"/>
+              </a:defRPr>
+            </a:lvl1pPr>
+            <a:lvl2pPr indent="0" lvl="1" marL="0" marR="0" rtl="0" algn="l">
+              <a:lnSpc>
+                <a:spcPct val="100000"/>
+              </a:lnSpc>
+              <a:spcBef>
+                <a:spcPts val="0"/>
+              </a:spcBef>
+              <a:spcAft>
+                <a:spcPts val="0"/>
+              </a:spcAft>
+              <a:buClr>
+                <a:srgbClr val="000000"/>
+              </a:buClr>
+              <a:buSzPts val="1400"/>
+              <a:buFont typeface="Arial"/>
+              <a:buNone/>
+              <a:defRPr b="0" i="0" sz="1400" u="none" cap="none" strike="noStrike">
+                <a:solidFill>
+                  <a:srgbClr val="000000"/>
+                </a:solidFill>
+                <a:latin typeface="Arial"/>
+                <a:ea typeface="Arial"/>
+                <a:cs typeface="Arial"/>
+                <a:sym typeface="Arial"/>
+              </a:defRPr>
+            </a:lvl2pPr>
+            <a:lvl3pPr indent="0" lvl="2" marL="0" marR="0" rtl="0" algn="l">
+              <a:lnSpc>
+                <a:spcPct val="100000"/>
+              </a:lnSpc>
+              <a:spcBef>
+                <a:spcPts val="0"/>
+              </a:spcBef>
+              <a:spcAft>
+                <a:spcPts val="0"/>
+              </a:spcAft>
+              <a:buClr>
+                <a:srgbClr val="000000"/>
+              </a:buClr>
+              <a:buSzPts val="1400"/>
+              <a:buFont typeface="Arial"/>
+              <a:buNone/>
+              <a:defRPr b="0" i="0" sz="1400" u="none" cap="none" strike="noStrike">
+                <a:solidFill>
+                  <a:srgbClr val="000000"/>
+                </a:solidFill>
+                <a:latin typeface="Arial"/>
+                <a:ea typeface="Arial"/>
+                <a:cs typeface="Arial"/>
+                <a:sym typeface="Arial"/>
+              </a:defRPr>
+            </a:lvl3pPr>
+            <a:lvl4pPr indent="0" lvl="3" marL="0" marR="0" rtl="0" algn="l">
+              <a:lnSpc>
+                <a:spcPct val="100000"/>
+              </a:lnSpc>
+              <a:spcBef>
+                <a:spcPts val="0"/>
+              </a:spcBef>
+              <a:spcAft>
+                <a:spcPts val="0"/>
+              </a:spcAft>
+              <a:buClr>
+                <a:srgbClr val="000000"/>
+              </a:buClr>
+              <a:buSzPts val="1400"/>
+              <a:buFont typeface="Arial"/>
+              <a:buNone/>
+              <a:defRPr b="0" i="0" sz="1400" u="none" cap="none" strike="noStrike">
+                <a:solidFill>
+                  <a:srgbClr val="000000"/>
+                </a:solidFill>
+                <a:latin typeface="Arial"/>
+                <a:ea typeface="Arial"/>
+                <a:cs typeface="Arial"/>
+                <a:sym typeface="Arial"/>
+              </a:defRPr>
+            </a:lvl4pPr>
+            <a:lvl5pPr indent="0" lvl="4" marL="0" marR="0" rtl="0" algn="l">
+              <a:lnSpc>
+                <a:spcPct val="100000"/>
+              </a:lnSpc>
+              <a:spcBef>
+                <a:spcPts val="0"/>
+              </a:spcBef>
+              <a:spcAft>
+                <a:spcPts val="0"/>
+              </a:spcAft>
+              <a:buClr>
+                <a:srgbClr val="000000"/>
+              </a:buClr>
+              <a:buSzPts val="1400"/>
+              <a:buFont typeface="Arial"/>
+              <a:buNone/>
+              <a:defRPr b="0" i="0" sz="1400" u="none" cap="none" strike="noStrike">
+                <a:solidFill>
+                  <a:srgbClr val="000000"/>
+                </a:solidFill>
+                <a:latin typeface="Arial"/>
+                <a:ea typeface="Arial"/>
+                <a:cs typeface="Arial"/>
+                <a:sym typeface="Arial"/>
+              </a:defRPr>
+            </a:lvl5pPr>
+            <a:lvl6pPr indent="0" lvl="5" marL="0" marR="0" rtl="0" algn="l">
+              <a:lnSpc>
+                <a:spcPct val="100000"/>
+              </a:lnSpc>
+              <a:spcBef>
+                <a:spcPts val="0"/>
+              </a:spcBef>
+              <a:spcAft>
+                <a:spcPts val="0"/>
+              </a:spcAft>
+              <a:buClr>
+                <a:srgbClr val="000000"/>
+              </a:buClr>
+              <a:buSzPts val="1400"/>
+              <a:buFont typeface="Arial"/>
+              <a:buNone/>
+              <a:defRPr b="0" i="0" sz="1400" u="none" cap="none" strike="noStrike">
+                <a:solidFill>
+                  <a:srgbClr val="000000"/>
+                </a:solidFill>
+                <a:latin typeface="Arial"/>
+                <a:ea typeface="Arial"/>
+                <a:cs typeface="Arial"/>
+                <a:sym typeface="Arial"/>
+              </a:defRPr>
+            </a:lvl6pPr>
+            <a:lvl7pPr indent="0" lvl="6" marL="0" marR="0" rtl="0" algn="l">
+              <a:lnSpc>
+                <a:spcPct val="100000"/>
+              </a:lnSpc>
+              <a:spcBef>
+                <a:spcPts val="0"/>
+              </a:spcBef>
+              <a:spcAft>
+                <a:spcPts val="0"/>
+              </a:spcAft>
+              <a:buClr>
+                <a:srgbClr val="000000"/>
+              </a:buClr>
+              <a:buSzPts val="1400"/>
+              <a:buFont typeface="Arial"/>
+              <a:buNone/>
+              <a:defRPr b="0" i="0" sz="1400" u="none" cap="none" strike="noStrike">
+                <a:solidFill>
+                  <a:srgbClr val="000000"/>
+                </a:solidFill>
+                <a:latin typeface="Arial"/>
+                <a:ea typeface="Arial"/>
+                <a:cs typeface="Arial"/>
+                <a:sym typeface="Arial"/>
+              </a:defRPr>
+            </a:lvl7pPr>
+            <a:lvl8pPr indent="0" lvl="7" marL="0" marR="0" rtl="0" algn="l">
+              <a:lnSpc>
+                <a:spcPct val="100000"/>
+              </a:lnSpc>
+              <a:spcBef>
+                <a:spcPts val="0"/>
+              </a:spcBef>
+              <a:spcAft>
+                <a:spcPts val="0"/>
+              </a:spcAft>
+              <a:buClr>
+                <a:srgbClr val="000000"/>
+              </a:buClr>
+              <a:buSzPts val="1400"/>
+              <a:buFont typeface="Arial"/>
+              <a:buNone/>
+              <a:defRPr b="0" i="0" sz="1400" u="none" cap="none" strike="noStrike">
+                <a:solidFill>
+                  <a:srgbClr val="000000"/>
+                </a:solidFill>
+                <a:latin typeface="Arial"/>
+                <a:ea typeface="Arial"/>
+                <a:cs typeface="Arial"/>
+                <a:sym typeface="Arial"/>
+              </a:defRPr>
+            </a:lvl8pPr>
+            <a:lvl9pPr indent="0" lvl="8" marL="0" marR="0" rtl="0" algn="l">
+              <a:lnSpc>
+                <a:spcPct val="100000"/>
+              </a:lnSpc>
+              <a:spcBef>
+                <a:spcPts val="0"/>
+              </a:spcBef>
+              <a:spcAft>
+                <a:spcPts val="0"/>
+              </a:spcAft>
+              <a:buClr>
+                <a:srgbClr val="000000"/>
+              </a:buClr>
+              <a:buSzPts val="1400"/>
+              <a:buFont typeface="Arial"/>
+              <a:buNone/>
+              <a:defRPr b="0" i="0" sz="1400" u="none" cap="none" strike="noStrike">
+                <a:solidFill>
+                  <a:srgbClr val="000000"/>
+                </a:solidFill>
+                <a:latin typeface="Arial"/>
+                <a:ea typeface="Arial"/>
+                <a:cs typeface="Arial"/>
+                <a:sym typeface="Arial"/>
+              </a:defRPr>
+            </a:lvl9pPr>
+          </a:lstStyle>
           <a:p>
+            <a:pPr indent="0" lvl="0" marL="0" rtl="0" algn="l">
+              <a:spcBef>
+                <a:spcPts val="0"/>
+              </a:spcBef>
+              <a:spcAft>
+                <a:spcPts val="0"/>
+              </a:spcAft>
+              <a:buNone/>
+            </a:pPr>
+            <a:fld id="{00000000-1234-1234-1234-123412341234}" type="slidenum">
+              <a:rPr lang="ru-RU"/>
+              <a:t>‹#›</a:t>
+            </a:fld>
             <a:endParaRPr/>
           </a:p>
         </p:txBody>
@@ -3011,19 +4030,18 @@
 </file>
 
 <file path=ppt/slideMasters/slideMaster1.xml><?xml version="1.0" encoding="utf-8"?>
-<p:sldMaster xmlns:a="http://schemas.openxmlformats.org/drawingml/2006/main" xmlns:r="http://schemas.openxmlformats.org/officeDocument/2006/relationships" xmlns:p="http://schemas.openxmlformats.org/presentationml/2006/main">
+<p:sldMaster xmlns:a="http://schemas.openxmlformats.org/drawingml/2006/main" xmlns:r="http://schemas.openxmlformats.org/officeDocument/2006/relationships" xmlns:mc="http://schemas.openxmlformats.org/markup-compatibility/2006" xmlns:mv="urn:schemas-microsoft-com:mac:vml" xmlns:p="http://schemas.openxmlformats.org/presentationml/2006/main" xmlns:c="http://schemas.openxmlformats.org/drawingml/2006/chart" xmlns:dgm="http://schemas.openxmlformats.org/drawingml/2006/diagram" xmlns:o="urn:schemas-microsoft-com:office:office" xmlns:v="urn:schemas-microsoft-com:vml" xmlns:pvml="urn:schemas-microsoft-com:office:powerpoint" xmlns:com="http://schemas.openxmlformats.org/drawingml/2006/compatibility" xmlns:p14="http://schemas.microsoft.com/office/powerpoint/2010/main" xmlns:p15="http://schemas.microsoft.com/office/powerpoint/2012/main" xmlns:ahyp="http://schemas.microsoft.com/office/drawing/2018/hyperlinkcolor">
   <p:cSld name="simple-light-2">
     <p:bg>
       <p:bgPr>
         <a:solidFill>
           <a:schemeClr val="accent5"/>
         </a:solidFill>
-        <a:effectLst/>
       </p:bgPr>
     </p:bg>
     <p:spTree>
       <p:nvGrpSpPr>
-        <p:cNvPr id="1" name="Shape 5"/>
+        <p:cNvPr id="5" name="Shape 5"/>
         <p:cNvGrpSpPr/>
         <p:nvPr/>
       </p:nvGrpSpPr>
@@ -3038,9 +4056,7 @@
       <p:sp>
         <p:nvSpPr>
           <p:cNvPr id="6" name="Google Shape;6;p1"/>
-          <p:cNvSpPr txBox="1">
-            <a:spLocks noGrp="1"/>
-          </p:cNvSpPr>
+          <p:cNvSpPr txBox="1"/>
           <p:nvPr>
             <p:ph type="title"/>
           </p:nvPr>
@@ -3059,11 +4075,14 @@
           </a:ln>
         </p:spPr>
         <p:txBody>
-          <a:bodyPr spcFirstLastPara="1" wrap="square" lIns="91425" tIns="91425" rIns="91425" bIns="91425" anchor="ctr" anchorCtr="0">
+          <a:bodyPr anchorCtr="0" anchor="ctr" bIns="91425" lIns="91425" spcFirstLastPara="1" rIns="91425" wrap="square" tIns="91425">
             <a:noAutofit/>
           </a:bodyPr>
           <a:lstStyle>
-            <a:lvl1pPr lvl="0">
+            <a:lvl1pPr lvl="0" marR="0" rtl="0" algn="l">
+              <a:lnSpc>
+                <a:spcPct val="100000"/>
+              </a:lnSpc>
               <a:spcBef>
                 <a:spcPts val="0"/>
               </a:spcBef>
@@ -3076,7 +4095,7 @@
               <a:buSzPts val="3000"/>
               <a:buFont typeface="Alegreya Sans ExtraBold"/>
               <a:buNone/>
-              <a:defRPr sz="3000">
+              <a:defRPr b="0" i="0" sz="3000" u="none" cap="none" strike="noStrike">
                 <a:solidFill>
                   <a:schemeClr val="dk1"/>
                 </a:solidFill>
@@ -3086,7 +4105,10 @@
                 <a:sym typeface="Alegreya Sans ExtraBold"/>
               </a:defRPr>
             </a:lvl1pPr>
-            <a:lvl2pPr lvl="1">
+            <a:lvl2pPr lvl="1" marR="0" rtl="0" algn="l">
+              <a:lnSpc>
+                <a:spcPct val="100000"/>
+              </a:lnSpc>
               <a:spcBef>
                 <a:spcPts val="0"/>
               </a:spcBef>
@@ -3099,7 +4121,7 @@
               <a:buSzPts val="3000"/>
               <a:buFont typeface="Alegreya Sans ExtraBold"/>
               <a:buNone/>
-              <a:defRPr sz="3000">
+              <a:defRPr b="0" i="0" sz="3000" u="none" cap="none" strike="noStrike">
                 <a:solidFill>
                   <a:schemeClr val="dk1"/>
                 </a:solidFill>
@@ -3109,7 +4131,10 @@
                 <a:sym typeface="Alegreya Sans ExtraBold"/>
               </a:defRPr>
             </a:lvl2pPr>
-            <a:lvl3pPr lvl="2">
+            <a:lvl3pPr lvl="2" marR="0" rtl="0" algn="l">
+              <a:lnSpc>
+                <a:spcPct val="100000"/>
+              </a:lnSpc>
               <a:spcBef>
                 <a:spcPts val="0"/>
               </a:spcBef>
@@ -3122,7 +4147,7 @@
               <a:buSzPts val="3000"/>
               <a:buFont typeface="Alegreya Sans ExtraBold"/>
               <a:buNone/>
-              <a:defRPr sz="3000">
+              <a:defRPr b="0" i="0" sz="3000" u="none" cap="none" strike="noStrike">
                 <a:solidFill>
                   <a:schemeClr val="dk1"/>
                 </a:solidFill>
@@ -3132,7 +4157,10 @@
                 <a:sym typeface="Alegreya Sans ExtraBold"/>
               </a:defRPr>
             </a:lvl3pPr>
-            <a:lvl4pPr lvl="3">
+            <a:lvl4pPr lvl="3" marR="0" rtl="0" algn="l">
+              <a:lnSpc>
+                <a:spcPct val="100000"/>
+              </a:lnSpc>
               <a:spcBef>
                 <a:spcPts val="0"/>
               </a:spcBef>
@@ -3145,7 +4173,7 @@
               <a:buSzPts val="3000"/>
               <a:buFont typeface="Alegreya Sans ExtraBold"/>
               <a:buNone/>
-              <a:defRPr sz="3000">
+              <a:defRPr b="0" i="0" sz="3000" u="none" cap="none" strike="noStrike">
                 <a:solidFill>
                   <a:schemeClr val="dk1"/>
                 </a:solidFill>
@@ -3155,7 +4183,10 @@
                 <a:sym typeface="Alegreya Sans ExtraBold"/>
               </a:defRPr>
             </a:lvl4pPr>
-            <a:lvl5pPr lvl="4">
+            <a:lvl5pPr lvl="4" marR="0" rtl="0" algn="l">
+              <a:lnSpc>
+                <a:spcPct val="100000"/>
+              </a:lnSpc>
               <a:spcBef>
                 <a:spcPts val="0"/>
               </a:spcBef>
@@ -3168,7 +4199,7 @@
               <a:buSzPts val="3000"/>
               <a:buFont typeface="Alegreya Sans ExtraBold"/>
               <a:buNone/>
-              <a:defRPr sz="3000">
+              <a:defRPr b="0" i="0" sz="3000" u="none" cap="none" strike="noStrike">
                 <a:solidFill>
                   <a:schemeClr val="dk1"/>
                 </a:solidFill>
@@ -3178,7 +4209,10 @@
                 <a:sym typeface="Alegreya Sans ExtraBold"/>
               </a:defRPr>
             </a:lvl5pPr>
-            <a:lvl6pPr lvl="5">
+            <a:lvl6pPr lvl="5" marR="0" rtl="0" algn="l">
+              <a:lnSpc>
+                <a:spcPct val="100000"/>
+              </a:lnSpc>
               <a:spcBef>
                 <a:spcPts val="0"/>
               </a:spcBef>
@@ -3191,7 +4225,7 @@
               <a:buSzPts val="3000"/>
               <a:buFont typeface="Alegreya Sans ExtraBold"/>
               <a:buNone/>
-              <a:defRPr sz="3000">
+              <a:defRPr b="0" i="0" sz="3000" u="none" cap="none" strike="noStrike">
                 <a:solidFill>
                   <a:schemeClr val="dk1"/>
                 </a:solidFill>
@@ -3201,7 +4235,10 @@
                 <a:sym typeface="Alegreya Sans ExtraBold"/>
               </a:defRPr>
             </a:lvl6pPr>
-            <a:lvl7pPr lvl="6">
+            <a:lvl7pPr lvl="6" marR="0" rtl="0" algn="l">
+              <a:lnSpc>
+                <a:spcPct val="100000"/>
+              </a:lnSpc>
               <a:spcBef>
                 <a:spcPts val="0"/>
               </a:spcBef>
@@ -3214,7 +4251,7 @@
               <a:buSzPts val="3000"/>
               <a:buFont typeface="Alegreya Sans ExtraBold"/>
               <a:buNone/>
-              <a:defRPr sz="3000">
+              <a:defRPr b="0" i="0" sz="3000" u="none" cap="none" strike="noStrike">
                 <a:solidFill>
                   <a:schemeClr val="dk1"/>
                 </a:solidFill>
@@ -3224,7 +4261,10 @@
                 <a:sym typeface="Alegreya Sans ExtraBold"/>
               </a:defRPr>
             </a:lvl7pPr>
-            <a:lvl8pPr lvl="7">
+            <a:lvl8pPr lvl="7" marR="0" rtl="0" algn="l">
+              <a:lnSpc>
+                <a:spcPct val="100000"/>
+              </a:lnSpc>
               <a:spcBef>
                 <a:spcPts val="0"/>
               </a:spcBef>
@@ -3237,7 +4277,7 @@
               <a:buSzPts val="3000"/>
               <a:buFont typeface="Alegreya Sans ExtraBold"/>
               <a:buNone/>
-              <a:defRPr sz="3000">
+              <a:defRPr b="0" i="0" sz="3000" u="none" cap="none" strike="noStrike">
                 <a:solidFill>
                   <a:schemeClr val="dk1"/>
                 </a:solidFill>
@@ -3247,7 +4287,10 @@
                 <a:sym typeface="Alegreya Sans ExtraBold"/>
               </a:defRPr>
             </a:lvl8pPr>
-            <a:lvl9pPr lvl="8">
+            <a:lvl9pPr lvl="8" marR="0" rtl="0" algn="l">
+              <a:lnSpc>
+                <a:spcPct val="100000"/>
+              </a:lnSpc>
               <a:spcBef>
                 <a:spcPts val="0"/>
               </a:spcBef>
@@ -3260,7 +4303,7 @@
               <a:buSzPts val="3000"/>
               <a:buFont typeface="Alegreya Sans ExtraBold"/>
               <a:buNone/>
-              <a:defRPr sz="3000">
+              <a:defRPr b="0" i="0" sz="3000" u="none" cap="none" strike="noStrike">
                 <a:solidFill>
                   <a:schemeClr val="dk1"/>
                 </a:solidFill>
@@ -3271,19 +4314,15 @@
               </a:defRPr>
             </a:lvl9pPr>
           </a:lstStyle>
-          <a:p>
-            <a:endParaRPr/>
-          </a:p>
+          <a:p/>
         </p:txBody>
       </p:sp>
       <p:sp>
         <p:nvSpPr>
           <p:cNvPr id="7" name="Google Shape;7;p1"/>
-          <p:cNvSpPr txBox="1">
-            <a:spLocks noGrp="1"/>
-          </p:cNvSpPr>
+          <p:cNvSpPr txBox="1"/>
           <p:nvPr>
-            <p:ph type="body" idx="1"/>
+            <p:ph idx="1" type="body"/>
           </p:nvPr>
         </p:nvSpPr>
         <p:spPr>
@@ -3300,11 +4339,11 @@
           </a:ln>
         </p:spPr>
         <p:txBody>
-          <a:bodyPr spcFirstLastPara="1" wrap="square" lIns="91425" tIns="91425" rIns="91425" bIns="91425" anchor="ctr" anchorCtr="0">
+          <a:bodyPr anchorCtr="0" anchor="ctr" bIns="91425" lIns="91425" spcFirstLastPara="1" rIns="91425" wrap="square" tIns="91425">
             <a:noAutofit/>
           </a:bodyPr>
           <a:lstStyle>
-            <a:lvl1pPr marL="457200" lvl="0" indent="-317500">
+            <a:lvl1pPr indent="-317500" lvl="0" marL="457200" marR="0" rtl="0" algn="l">
               <a:lnSpc>
                 <a:spcPct val="115000"/>
               </a:lnSpc>
@@ -3320,7 +4359,7 @@
               <a:buSzPts val="1400"/>
               <a:buFont typeface="PT Sans"/>
               <a:buChar char="●"/>
-              <a:defRPr>
+              <a:defRPr b="0" i="0" sz="1400" u="none" cap="none" strike="noStrike">
                 <a:solidFill>
                   <a:schemeClr val="dk2"/>
                 </a:solidFill>
@@ -3330,7 +4369,7 @@
                 <a:sym typeface="PT Sans"/>
               </a:defRPr>
             </a:lvl1pPr>
-            <a:lvl2pPr marL="914400" lvl="1" indent="-317500">
+            <a:lvl2pPr indent="-317500" lvl="1" marL="914400" marR="0" rtl="0" algn="l">
               <a:lnSpc>
                 <a:spcPct val="115000"/>
               </a:lnSpc>
@@ -3346,7 +4385,7 @@
               <a:buSzPts val="1400"/>
               <a:buFont typeface="PT Sans"/>
               <a:buChar char="○"/>
-              <a:defRPr>
+              <a:defRPr b="0" i="0" sz="1400" u="none" cap="none" strike="noStrike">
                 <a:solidFill>
                   <a:schemeClr val="dk2"/>
                 </a:solidFill>
@@ -3356,7 +4395,7 @@
                 <a:sym typeface="PT Sans"/>
               </a:defRPr>
             </a:lvl2pPr>
-            <a:lvl3pPr marL="1371600" lvl="2" indent="-317500">
+            <a:lvl3pPr indent="-317500" lvl="2" marL="1371600" marR="0" rtl="0" algn="l">
               <a:lnSpc>
                 <a:spcPct val="115000"/>
               </a:lnSpc>
@@ -3372,7 +4411,7 @@
               <a:buSzPts val="1400"/>
               <a:buFont typeface="PT Sans"/>
               <a:buChar char="■"/>
-              <a:defRPr>
+              <a:defRPr b="0" i="0" sz="1400" u="none" cap="none" strike="noStrike">
                 <a:solidFill>
                   <a:schemeClr val="dk2"/>
                 </a:solidFill>
@@ -3382,7 +4421,7 @@
                 <a:sym typeface="PT Sans"/>
               </a:defRPr>
             </a:lvl3pPr>
-            <a:lvl4pPr marL="1828800" lvl="3" indent="-317500">
+            <a:lvl4pPr indent="-317500" lvl="3" marL="1828800" marR="0" rtl="0" algn="l">
               <a:lnSpc>
                 <a:spcPct val="115000"/>
               </a:lnSpc>
@@ -3398,7 +4437,7 @@
               <a:buSzPts val="1400"/>
               <a:buFont typeface="PT Sans"/>
               <a:buChar char="●"/>
-              <a:defRPr>
+              <a:defRPr b="0" i="0" sz="1400" u="none" cap="none" strike="noStrike">
                 <a:solidFill>
                   <a:schemeClr val="dk2"/>
                 </a:solidFill>
@@ -3408,7 +4447,7 @@
                 <a:sym typeface="PT Sans"/>
               </a:defRPr>
             </a:lvl4pPr>
-            <a:lvl5pPr marL="2286000" lvl="4" indent="-317500">
+            <a:lvl5pPr indent="-317500" lvl="4" marL="2286000" marR="0" rtl="0" algn="l">
               <a:lnSpc>
                 <a:spcPct val="115000"/>
               </a:lnSpc>
@@ -3424,7 +4463,7 @@
               <a:buSzPts val="1400"/>
               <a:buFont typeface="PT Sans"/>
               <a:buChar char="○"/>
-              <a:defRPr>
+              <a:defRPr b="0" i="0" sz="1400" u="none" cap="none" strike="noStrike">
                 <a:solidFill>
                   <a:schemeClr val="dk2"/>
                 </a:solidFill>
@@ -3434,7 +4473,7 @@
                 <a:sym typeface="PT Sans"/>
               </a:defRPr>
             </a:lvl5pPr>
-            <a:lvl6pPr marL="2743200" lvl="5" indent="-317500">
+            <a:lvl6pPr indent="-317500" lvl="5" marL="2743200" marR="0" rtl="0" algn="l">
               <a:lnSpc>
                 <a:spcPct val="115000"/>
               </a:lnSpc>
@@ -3450,7 +4489,7 @@
               <a:buSzPts val="1400"/>
               <a:buFont typeface="PT Sans"/>
               <a:buChar char="■"/>
-              <a:defRPr>
+              <a:defRPr b="0" i="0" sz="1400" u="none" cap="none" strike="noStrike">
                 <a:solidFill>
                   <a:schemeClr val="dk2"/>
                 </a:solidFill>
@@ -3460,7 +4499,7 @@
                 <a:sym typeface="PT Sans"/>
               </a:defRPr>
             </a:lvl6pPr>
-            <a:lvl7pPr marL="3200400" lvl="6" indent="-317500">
+            <a:lvl7pPr indent="-317500" lvl="6" marL="3200400" marR="0" rtl="0" algn="l">
               <a:lnSpc>
                 <a:spcPct val="115000"/>
               </a:lnSpc>
@@ -3476,7 +4515,7 @@
               <a:buSzPts val="1400"/>
               <a:buFont typeface="PT Sans"/>
               <a:buChar char="●"/>
-              <a:defRPr>
+              <a:defRPr b="0" i="0" sz="1400" u="none" cap="none" strike="noStrike">
                 <a:solidFill>
                   <a:schemeClr val="dk2"/>
                 </a:solidFill>
@@ -3486,7 +4525,7 @@
                 <a:sym typeface="PT Sans"/>
               </a:defRPr>
             </a:lvl7pPr>
-            <a:lvl8pPr marL="3657600" lvl="7" indent="-317500">
+            <a:lvl8pPr indent="-317500" lvl="7" marL="3657600" marR="0" rtl="0" algn="l">
               <a:lnSpc>
                 <a:spcPct val="115000"/>
               </a:lnSpc>
@@ -3502,7 +4541,7 @@
               <a:buSzPts val="1400"/>
               <a:buFont typeface="PT Sans"/>
               <a:buChar char="○"/>
-              <a:defRPr>
+              <a:defRPr b="0" i="0" sz="1400" u="none" cap="none" strike="noStrike">
                 <a:solidFill>
                   <a:schemeClr val="dk2"/>
                 </a:solidFill>
@@ -3512,7 +4551,7 @@
                 <a:sym typeface="PT Sans"/>
               </a:defRPr>
             </a:lvl8pPr>
-            <a:lvl9pPr marL="4114800" lvl="8" indent="-317500">
+            <a:lvl9pPr indent="-317500" lvl="8" marL="4114800" marR="0" rtl="0" algn="l">
               <a:lnSpc>
                 <a:spcPct val="115000"/>
               </a:lnSpc>
@@ -3528,7 +4567,7 @@
               <a:buSzPts val="1400"/>
               <a:buFont typeface="PT Sans"/>
               <a:buChar char="■"/>
-              <a:defRPr>
+              <a:defRPr b="0" i="0" sz="1400" u="none" cap="none" strike="noStrike">
                 <a:solidFill>
                   <a:schemeClr val="dk2"/>
                 </a:solidFill>
@@ -3539,25 +4578,23 @@
               </a:defRPr>
             </a:lvl9pPr>
           </a:lstStyle>
-          <a:p>
-            <a:endParaRPr/>
-          </a:p>
+          <a:p/>
         </p:txBody>
       </p:sp>
     </p:spTree>
   </p:cSld>
-  <p:clrMap bg1="lt1" tx1="dk1" bg2="dk2" tx2="lt2" accent1="accent1" accent2="accent2" accent3="accent3" accent4="accent4" accent5="accent5" accent6="accent6" hlink="hlink" folHlink="folHlink"/>
+  <p:clrMap accent1="accent1" accent2="accent2" accent3="accent3" accent4="accent4" accent5="accent5" accent6="accent6" bg1="lt1" bg2="dk2" tx1="dk1" tx2="lt2" folHlink="folHlink" hlink="hlink"/>
   <p:sldLayoutIdLst>
     <p:sldLayoutId id="2147483648" r:id="rId1"/>
-    <p:sldLayoutId id="2147483650" r:id="rId2"/>
-    <p:sldLayoutId id="2147483655" r:id="rId3"/>
-    <p:sldLayoutId id="2147483658" r:id="rId4"/>
-    <p:sldLayoutId id="2147483673" r:id="rId5"/>
+    <p:sldLayoutId id="2147483649" r:id="rId2"/>
+    <p:sldLayoutId id="2147483650" r:id="rId3"/>
+    <p:sldLayoutId id="2147483651" r:id="rId4"/>
+    <p:sldLayoutId id="2147483652" r:id="rId5"/>
   </p:sldLayoutIdLst>
-  <p:hf sldNum="0" hdr="0" ftr="0" dt="0"/>
+  <p:hf dt="0" ftr="0" hdr="0" sldNum="0"/>
   <p:txStyles>
     <p:titleStyle>
-      <a:defPPr marR="0" lvl="0" algn="l" rtl="0">
+      <a:defPPr lvl="0" marR="0" rtl="0" algn="l">
         <a:lnSpc>
           <a:spcPct val="100000"/>
         </a:lnSpc>
@@ -3568,7 +4605,7 @@
           <a:spcPts val="0"/>
         </a:spcAft>
       </a:defPPr>
-      <a:lvl1pPr marR="0" lvl="0" algn="l" rtl="0">
+      <a:lvl1pPr lvl="0" marR="0" rtl="0" algn="l">
         <a:lnSpc>
           <a:spcPct val="100000"/>
         </a:lnSpc>
@@ -3582,7 +4619,7 @@
           <a:srgbClr val="000000"/>
         </a:buClr>
         <a:buFont typeface="Arial"/>
-        <a:defRPr sz="1400" b="0" i="0" u="none" strike="noStrike" cap="none">
+        <a:defRPr b="0" i="0" sz="1400" u="none" cap="none" strike="noStrike">
           <a:solidFill>
             <a:srgbClr val="000000"/>
           </a:solidFill>
@@ -3592,7 +4629,7 @@
           <a:sym typeface="Arial"/>
         </a:defRPr>
       </a:lvl1pPr>
-      <a:lvl2pPr marR="0" lvl="1" algn="l" rtl="0">
+      <a:lvl2pPr lvl="1" marR="0" rtl="0" algn="l">
         <a:lnSpc>
           <a:spcPct val="100000"/>
         </a:lnSpc>
@@ -3606,7 +4643,7 @@
           <a:srgbClr val="000000"/>
         </a:buClr>
         <a:buFont typeface="Arial"/>
-        <a:defRPr sz="1400" b="0" i="0" u="none" strike="noStrike" cap="none">
+        <a:defRPr b="0" i="0" sz="1400" u="none" cap="none" strike="noStrike">
           <a:solidFill>
             <a:srgbClr val="000000"/>
           </a:solidFill>
@@ -3616,7 +4653,7 @@
           <a:sym typeface="Arial"/>
         </a:defRPr>
       </a:lvl2pPr>
-      <a:lvl3pPr marR="0" lvl="2" algn="l" rtl="0">
+      <a:lvl3pPr lvl="2" marR="0" rtl="0" algn="l">
         <a:lnSpc>
           <a:spcPct val="100000"/>
         </a:lnSpc>
@@ -3630,7 +4667,7 @@
           <a:srgbClr val="000000"/>
         </a:buClr>
         <a:buFont typeface="Arial"/>
-        <a:defRPr sz="1400" b="0" i="0" u="none" strike="noStrike" cap="none">
+        <a:defRPr b="0" i="0" sz="1400" u="none" cap="none" strike="noStrike">
           <a:solidFill>
             <a:srgbClr val="000000"/>
           </a:solidFill>
@@ -3640,7 +4677,7 @@
           <a:sym typeface="Arial"/>
         </a:defRPr>
       </a:lvl3pPr>
-      <a:lvl4pPr marR="0" lvl="3" algn="l" rtl="0">
+      <a:lvl4pPr lvl="3" marR="0" rtl="0" algn="l">
         <a:lnSpc>
           <a:spcPct val="100000"/>
         </a:lnSpc>
@@ -3654,7 +4691,7 @@
           <a:srgbClr val="000000"/>
         </a:buClr>
         <a:buFont typeface="Arial"/>
-        <a:defRPr sz="1400" b="0" i="0" u="none" strike="noStrike" cap="none">
+        <a:defRPr b="0" i="0" sz="1400" u="none" cap="none" strike="noStrike">
           <a:solidFill>
             <a:srgbClr val="000000"/>
           </a:solidFill>
@@ -3664,7 +4701,7 @@
           <a:sym typeface="Arial"/>
         </a:defRPr>
       </a:lvl4pPr>
-      <a:lvl5pPr marR="0" lvl="4" algn="l" rtl="0">
+      <a:lvl5pPr lvl="4" marR="0" rtl="0" algn="l">
         <a:lnSpc>
           <a:spcPct val="100000"/>
         </a:lnSpc>
@@ -3678,7 +4715,7 @@
           <a:srgbClr val="000000"/>
         </a:buClr>
         <a:buFont typeface="Arial"/>
-        <a:defRPr sz="1400" b="0" i="0" u="none" strike="noStrike" cap="none">
+        <a:defRPr b="0" i="0" sz="1400" u="none" cap="none" strike="noStrike">
           <a:solidFill>
             <a:srgbClr val="000000"/>
           </a:solidFill>
@@ -3688,7 +4725,7 @@
           <a:sym typeface="Arial"/>
         </a:defRPr>
       </a:lvl5pPr>
-      <a:lvl6pPr marR="0" lvl="5" algn="l" rtl="0">
+      <a:lvl6pPr lvl="5" marR="0" rtl="0" algn="l">
         <a:lnSpc>
           <a:spcPct val="100000"/>
         </a:lnSpc>
@@ -3702,7 +4739,7 @@
           <a:srgbClr val="000000"/>
         </a:buClr>
         <a:buFont typeface="Arial"/>
-        <a:defRPr sz="1400" b="0" i="0" u="none" strike="noStrike" cap="none">
+        <a:defRPr b="0" i="0" sz="1400" u="none" cap="none" strike="noStrike">
           <a:solidFill>
             <a:srgbClr val="000000"/>
           </a:solidFill>
@@ -3712,7 +4749,7 @@
           <a:sym typeface="Arial"/>
         </a:defRPr>
       </a:lvl6pPr>
-      <a:lvl7pPr marR="0" lvl="6" algn="l" rtl="0">
+      <a:lvl7pPr lvl="6" marR="0" rtl="0" algn="l">
         <a:lnSpc>
           <a:spcPct val="100000"/>
         </a:lnSpc>
@@ -3726,7 +4763,7 @@
           <a:srgbClr val="000000"/>
         </a:buClr>
         <a:buFont typeface="Arial"/>
-        <a:defRPr sz="1400" b="0" i="0" u="none" strike="noStrike" cap="none">
+        <a:defRPr b="0" i="0" sz="1400" u="none" cap="none" strike="noStrike">
           <a:solidFill>
             <a:srgbClr val="000000"/>
           </a:solidFill>
@@ -3736,7 +4773,7 @@
           <a:sym typeface="Arial"/>
         </a:defRPr>
       </a:lvl7pPr>
-      <a:lvl8pPr marR="0" lvl="7" algn="l" rtl="0">
+      <a:lvl8pPr lvl="7" marR="0" rtl="0" algn="l">
         <a:lnSpc>
           <a:spcPct val="100000"/>
         </a:lnSpc>
@@ -3750,7 +4787,7 @@
           <a:srgbClr val="000000"/>
         </a:buClr>
         <a:buFont typeface="Arial"/>
-        <a:defRPr sz="1400" b="0" i="0" u="none" strike="noStrike" cap="none">
+        <a:defRPr b="0" i="0" sz="1400" u="none" cap="none" strike="noStrike">
           <a:solidFill>
             <a:srgbClr val="000000"/>
           </a:solidFill>
@@ -3760,7 +4797,7 @@
           <a:sym typeface="Arial"/>
         </a:defRPr>
       </a:lvl8pPr>
-      <a:lvl9pPr marR="0" lvl="8" algn="l" rtl="0">
+      <a:lvl9pPr lvl="8" marR="0" rtl="0" algn="l">
         <a:lnSpc>
           <a:spcPct val="100000"/>
         </a:lnSpc>
@@ -3774,7 +4811,7 @@
           <a:srgbClr val="000000"/>
         </a:buClr>
         <a:buFont typeface="Arial"/>
-        <a:defRPr sz="1400" b="0" i="0" u="none" strike="noStrike" cap="none">
+        <a:defRPr b="0" i="0" sz="1400" u="none" cap="none" strike="noStrike">
           <a:solidFill>
             <a:srgbClr val="000000"/>
           </a:solidFill>
@@ -3786,7 +4823,7 @@
       </a:lvl9pPr>
     </p:titleStyle>
     <p:bodyStyle>
-      <a:defPPr marR="0" lvl="0" algn="l" rtl="0">
+      <a:defPPr lvl="0" marR="0" rtl="0" algn="l">
         <a:lnSpc>
           <a:spcPct val="100000"/>
         </a:lnSpc>
@@ -3797,7 +4834,7 @@
           <a:spcPts val="0"/>
         </a:spcAft>
       </a:defPPr>
-      <a:lvl1pPr marR="0" lvl="0" algn="l" rtl="0">
+      <a:lvl1pPr lvl="0" marR="0" rtl="0" algn="l">
         <a:lnSpc>
           <a:spcPct val="100000"/>
         </a:lnSpc>
@@ -3811,7 +4848,7 @@
           <a:srgbClr val="000000"/>
         </a:buClr>
         <a:buFont typeface="Arial"/>
-        <a:defRPr sz="1400" b="0" i="0" u="none" strike="noStrike" cap="none">
+        <a:defRPr b="0" i="0" sz="1400" u="none" cap="none" strike="noStrike">
           <a:solidFill>
             <a:srgbClr val="000000"/>
           </a:solidFill>
@@ -3821,7 +4858,7 @@
           <a:sym typeface="Arial"/>
         </a:defRPr>
       </a:lvl1pPr>
-      <a:lvl2pPr marR="0" lvl="1" algn="l" rtl="0">
+      <a:lvl2pPr lvl="1" marR="0" rtl="0" algn="l">
         <a:lnSpc>
           <a:spcPct val="100000"/>
         </a:lnSpc>
@@ -3835,7 +4872,7 @@
           <a:srgbClr val="000000"/>
         </a:buClr>
         <a:buFont typeface="Arial"/>
-        <a:defRPr sz="1400" b="0" i="0" u="none" strike="noStrike" cap="none">
+        <a:defRPr b="0" i="0" sz="1400" u="none" cap="none" strike="noStrike">
           <a:solidFill>
             <a:srgbClr val="000000"/>
           </a:solidFill>
@@ -3845,7 +4882,7 @@
           <a:sym typeface="Arial"/>
         </a:defRPr>
       </a:lvl2pPr>
-      <a:lvl3pPr marR="0" lvl="2" algn="l" rtl="0">
+      <a:lvl3pPr lvl="2" marR="0" rtl="0" algn="l">
         <a:lnSpc>
           <a:spcPct val="100000"/>
         </a:lnSpc>
@@ -3859,7 +4896,7 @@
           <a:srgbClr val="000000"/>
         </a:buClr>
         <a:buFont typeface="Arial"/>
-        <a:defRPr sz="1400" b="0" i="0" u="none" strike="noStrike" cap="none">
+        <a:defRPr b="0" i="0" sz="1400" u="none" cap="none" strike="noStrike">
           <a:solidFill>
             <a:srgbClr val="000000"/>
           </a:solidFill>
@@ -3869,7 +4906,7 @@
           <a:sym typeface="Arial"/>
         </a:defRPr>
       </a:lvl3pPr>
-      <a:lvl4pPr marR="0" lvl="3" algn="l" rtl="0">
+      <a:lvl4pPr lvl="3" marR="0" rtl="0" algn="l">
         <a:lnSpc>
           <a:spcPct val="100000"/>
         </a:lnSpc>
@@ -3883,7 +4920,7 @@
           <a:srgbClr val="000000"/>
         </a:buClr>
         <a:buFont typeface="Arial"/>
-        <a:defRPr sz="1400" b="0" i="0" u="none" strike="noStrike" cap="none">
+        <a:defRPr b="0" i="0" sz="1400" u="none" cap="none" strike="noStrike">
           <a:solidFill>
             <a:srgbClr val="000000"/>
           </a:solidFill>
@@ -3893,7 +4930,7 @@
           <a:sym typeface="Arial"/>
         </a:defRPr>
       </a:lvl4pPr>
-      <a:lvl5pPr marR="0" lvl="4" algn="l" rtl="0">
+      <a:lvl5pPr lvl="4" marR="0" rtl="0" algn="l">
         <a:lnSpc>
           <a:spcPct val="100000"/>
         </a:lnSpc>
@@ -3907,7 +4944,7 @@
           <a:srgbClr val="000000"/>
         </a:buClr>
         <a:buFont typeface="Arial"/>
-        <a:defRPr sz="1400" b="0" i="0" u="none" strike="noStrike" cap="none">
+        <a:defRPr b="0" i="0" sz="1400" u="none" cap="none" strike="noStrike">
           <a:solidFill>
             <a:srgbClr val="000000"/>
           </a:solidFill>
@@ -3917,7 +4954,7 @@
           <a:sym typeface="Arial"/>
         </a:defRPr>
       </a:lvl5pPr>
-      <a:lvl6pPr marR="0" lvl="5" algn="l" rtl="0">
+      <a:lvl6pPr lvl="5" marR="0" rtl="0" algn="l">
         <a:lnSpc>
           <a:spcPct val="100000"/>
         </a:lnSpc>
@@ -3931,7 +4968,7 @@
           <a:srgbClr val="000000"/>
         </a:buClr>
         <a:buFont typeface="Arial"/>
-        <a:defRPr sz="1400" b="0" i="0" u="none" strike="noStrike" cap="none">
+        <a:defRPr b="0" i="0" sz="1400" u="none" cap="none" strike="noStrike">
           <a:solidFill>
             <a:srgbClr val="000000"/>
           </a:solidFill>
@@ -3941,7 +4978,7 @@
           <a:sym typeface="Arial"/>
         </a:defRPr>
       </a:lvl6pPr>
-      <a:lvl7pPr marR="0" lvl="6" algn="l" rtl="0">
+      <a:lvl7pPr lvl="6" marR="0" rtl="0" algn="l">
         <a:lnSpc>
           <a:spcPct val="100000"/>
         </a:lnSpc>
@@ -3955,7 +4992,7 @@
           <a:srgbClr val="000000"/>
         </a:buClr>
         <a:buFont typeface="Arial"/>
-        <a:defRPr sz="1400" b="0" i="0" u="none" strike="noStrike" cap="none">
+        <a:defRPr b="0" i="0" sz="1400" u="none" cap="none" strike="noStrike">
           <a:solidFill>
             <a:srgbClr val="000000"/>
           </a:solidFill>
@@ -3965,7 +5002,7 @@
           <a:sym typeface="Arial"/>
         </a:defRPr>
       </a:lvl7pPr>
-      <a:lvl8pPr marR="0" lvl="7" algn="l" rtl="0">
+      <a:lvl8pPr lvl="7" marR="0" rtl="0" algn="l">
         <a:lnSpc>
           <a:spcPct val="100000"/>
         </a:lnSpc>
@@ -3979,7 +5016,7 @@
           <a:srgbClr val="000000"/>
         </a:buClr>
         <a:buFont typeface="Arial"/>
-        <a:defRPr sz="1400" b="0" i="0" u="none" strike="noStrike" cap="none">
+        <a:defRPr b="0" i="0" sz="1400" u="none" cap="none" strike="noStrike">
           <a:solidFill>
             <a:srgbClr val="000000"/>
           </a:solidFill>
@@ -3989,7 +5026,7 @@
           <a:sym typeface="Arial"/>
         </a:defRPr>
       </a:lvl8pPr>
-      <a:lvl9pPr marR="0" lvl="8" algn="l" rtl="0">
+      <a:lvl9pPr lvl="8" marR="0" rtl="0" algn="l">
         <a:lnSpc>
           <a:spcPct val="100000"/>
         </a:lnSpc>
@@ -4003,7 +5040,7 @@
           <a:srgbClr val="000000"/>
         </a:buClr>
         <a:buFont typeface="Arial"/>
-        <a:defRPr sz="1400" b="0" i="0" u="none" strike="noStrike" cap="none">
+        <a:defRPr b="0" i="0" sz="1400" u="none" cap="none" strike="noStrike">
           <a:solidFill>
             <a:srgbClr val="000000"/>
           </a:solidFill>
@@ -4015,7 +5052,7 @@
       </a:lvl9pPr>
     </p:bodyStyle>
     <p:otherStyle>
-      <a:defPPr marR="0" lvl="0" algn="l" rtl="0">
+      <a:defPPr lvl="0" marR="0" rtl="0" algn="l">
         <a:lnSpc>
           <a:spcPct val="100000"/>
         </a:lnSpc>
@@ -4026,7 +5063,7 @@
           <a:spcPts val="0"/>
         </a:spcAft>
       </a:defPPr>
-      <a:lvl1pPr marR="0" lvl="0" algn="l" rtl="0">
+      <a:lvl1pPr lvl="0" marR="0" rtl="0" algn="l">
         <a:lnSpc>
           <a:spcPct val="100000"/>
         </a:lnSpc>
@@ -4040,7 +5077,7 @@
           <a:srgbClr val="000000"/>
         </a:buClr>
         <a:buFont typeface="Arial"/>
-        <a:defRPr sz="1400" b="0" i="0" u="none" strike="noStrike" cap="none">
+        <a:defRPr b="0" i="0" sz="1400" u="none" cap="none" strike="noStrike">
           <a:solidFill>
             <a:srgbClr val="000000"/>
           </a:solidFill>
@@ -4050,7 +5087,7 @@
           <a:sym typeface="Arial"/>
         </a:defRPr>
       </a:lvl1pPr>
-      <a:lvl2pPr marR="0" lvl="1" algn="l" rtl="0">
+      <a:lvl2pPr lvl="1" marR="0" rtl="0" algn="l">
         <a:lnSpc>
           <a:spcPct val="100000"/>
         </a:lnSpc>
@@ -4064,7 +5101,7 @@
           <a:srgbClr val="000000"/>
         </a:buClr>
         <a:buFont typeface="Arial"/>
-        <a:defRPr sz="1400" b="0" i="0" u="none" strike="noStrike" cap="none">
+        <a:defRPr b="0" i="0" sz="1400" u="none" cap="none" strike="noStrike">
           <a:solidFill>
             <a:srgbClr val="000000"/>
           </a:solidFill>
@@ -4074,7 +5111,7 @@
           <a:sym typeface="Arial"/>
         </a:defRPr>
       </a:lvl2pPr>
-      <a:lvl3pPr marR="0" lvl="2" algn="l" rtl="0">
+      <a:lvl3pPr lvl="2" marR="0" rtl="0" algn="l">
         <a:lnSpc>
           <a:spcPct val="100000"/>
         </a:lnSpc>
@@ -4088,7 +5125,7 @@
           <a:srgbClr val="000000"/>
         </a:buClr>
         <a:buFont typeface="Arial"/>
-        <a:defRPr sz="1400" b="0" i="0" u="none" strike="noStrike" cap="none">
+        <a:defRPr b="0" i="0" sz="1400" u="none" cap="none" strike="noStrike">
           <a:solidFill>
             <a:srgbClr val="000000"/>
           </a:solidFill>
@@ -4098,7 +5135,7 @@
           <a:sym typeface="Arial"/>
         </a:defRPr>
       </a:lvl3pPr>
-      <a:lvl4pPr marR="0" lvl="3" algn="l" rtl="0">
+      <a:lvl4pPr lvl="3" marR="0" rtl="0" algn="l">
         <a:lnSpc>
           <a:spcPct val="100000"/>
         </a:lnSpc>
@@ -4112,7 +5149,7 @@
           <a:srgbClr val="000000"/>
         </a:buClr>
         <a:buFont typeface="Arial"/>
-        <a:defRPr sz="1400" b="0" i="0" u="none" strike="noStrike" cap="none">
+        <a:defRPr b="0" i="0" sz="1400" u="none" cap="none" strike="noStrike">
           <a:solidFill>
             <a:srgbClr val="000000"/>
           </a:solidFill>
@@ -4122,7 +5159,7 @@
           <a:sym typeface="Arial"/>
         </a:defRPr>
       </a:lvl4pPr>
-      <a:lvl5pPr marR="0" lvl="4" algn="l" rtl="0">
+      <a:lvl5pPr lvl="4" marR="0" rtl="0" algn="l">
         <a:lnSpc>
           <a:spcPct val="100000"/>
         </a:lnSpc>
@@ -4136,7 +5173,7 @@
           <a:srgbClr val="000000"/>
         </a:buClr>
         <a:buFont typeface="Arial"/>
-        <a:defRPr sz="1400" b="0" i="0" u="none" strike="noStrike" cap="none">
+        <a:defRPr b="0" i="0" sz="1400" u="none" cap="none" strike="noStrike">
           <a:solidFill>
             <a:srgbClr val="000000"/>
           </a:solidFill>
@@ -4146,7 +5183,7 @@
           <a:sym typeface="Arial"/>
         </a:defRPr>
       </a:lvl5pPr>
-      <a:lvl6pPr marR="0" lvl="5" algn="l" rtl="0">
+      <a:lvl6pPr lvl="5" marR="0" rtl="0" algn="l">
         <a:lnSpc>
           <a:spcPct val="100000"/>
         </a:lnSpc>
@@ -4160,7 +5197,7 @@
           <a:srgbClr val="000000"/>
         </a:buClr>
         <a:buFont typeface="Arial"/>
-        <a:defRPr sz="1400" b="0" i="0" u="none" strike="noStrike" cap="none">
+        <a:defRPr b="0" i="0" sz="1400" u="none" cap="none" strike="noStrike">
           <a:solidFill>
             <a:srgbClr val="000000"/>
           </a:solidFill>
@@ -4170,7 +5207,7 @@
           <a:sym typeface="Arial"/>
         </a:defRPr>
       </a:lvl6pPr>
-      <a:lvl7pPr marR="0" lvl="6" algn="l" rtl="0">
+      <a:lvl7pPr lvl="6" marR="0" rtl="0" algn="l">
         <a:lnSpc>
           <a:spcPct val="100000"/>
         </a:lnSpc>
@@ -4184,7 +5221,7 @@
           <a:srgbClr val="000000"/>
         </a:buClr>
         <a:buFont typeface="Arial"/>
-        <a:defRPr sz="1400" b="0" i="0" u="none" strike="noStrike" cap="none">
+        <a:defRPr b="0" i="0" sz="1400" u="none" cap="none" strike="noStrike">
           <a:solidFill>
             <a:srgbClr val="000000"/>
           </a:solidFill>
@@ -4194,7 +5231,7 @@
           <a:sym typeface="Arial"/>
         </a:defRPr>
       </a:lvl7pPr>
-      <a:lvl8pPr marR="0" lvl="7" algn="l" rtl="0">
+      <a:lvl8pPr lvl="7" marR="0" rtl="0" algn="l">
         <a:lnSpc>
           <a:spcPct val="100000"/>
         </a:lnSpc>
@@ -4208,7 +5245,7 @@
           <a:srgbClr val="000000"/>
         </a:buClr>
         <a:buFont typeface="Arial"/>
-        <a:defRPr sz="1400" b="0" i="0" u="none" strike="noStrike" cap="none">
+        <a:defRPr b="0" i="0" sz="1400" u="none" cap="none" strike="noStrike">
           <a:solidFill>
             <a:srgbClr val="000000"/>
           </a:solidFill>
@@ -4218,7 +5255,7 @@
           <a:sym typeface="Arial"/>
         </a:defRPr>
       </a:lvl8pPr>
-      <a:lvl9pPr marR="0" lvl="8" algn="l" rtl="0">
+      <a:lvl9pPr lvl="8" marR="0" rtl="0" algn="l">
         <a:lnSpc>
           <a:spcPct val="100000"/>
         </a:lnSpc>
@@ -4232,7 +5269,7 @@
           <a:srgbClr val="000000"/>
         </a:buClr>
         <a:buFont typeface="Arial"/>
-        <a:defRPr sz="1400" b="0" i="0" u="none" strike="noStrike" cap="none">
+        <a:defRPr b="0" i="0" sz="1400" u="none" cap="none" strike="noStrike">
           <a:solidFill>
             <a:srgbClr val="000000"/>
           </a:solidFill>
@@ -4248,19 +5285,18 @@
 </file>
 
 <file path=ppt/slides/slide1.xml><?xml version="1.0" encoding="utf-8"?>
-<p:sld xmlns:a="http://schemas.openxmlformats.org/drawingml/2006/main" xmlns:r="http://schemas.openxmlformats.org/officeDocument/2006/relationships" xmlns:p="http://schemas.openxmlformats.org/presentationml/2006/main">
+<p:sld xmlns:a="http://schemas.openxmlformats.org/drawingml/2006/main" xmlns:r="http://schemas.openxmlformats.org/officeDocument/2006/relationships" xmlns:mc="http://schemas.openxmlformats.org/markup-compatibility/2006" xmlns:mv="urn:schemas-microsoft-com:mac:vml" xmlns:p="http://schemas.openxmlformats.org/presentationml/2006/main" xmlns:c="http://schemas.openxmlformats.org/drawingml/2006/chart" xmlns:dgm="http://schemas.openxmlformats.org/drawingml/2006/diagram" xmlns:o="urn:schemas-microsoft-com:office:office" xmlns:v="urn:schemas-microsoft-com:vml" xmlns:pvml="urn:schemas-microsoft-com:office:powerpoint" xmlns:com="http://schemas.openxmlformats.org/drawingml/2006/compatibility" xmlns:p14="http://schemas.microsoft.com/office/powerpoint/2010/main" xmlns:p15="http://schemas.microsoft.com/office/powerpoint/2012/main" xmlns:ahyp="http://schemas.microsoft.com/office/drawing/2018/hyperlinkcolor">
   <p:cSld>
     <p:bg>
       <p:bgPr>
         <a:solidFill>
           <a:schemeClr val="accent5"/>
         </a:solidFill>
-        <a:effectLst/>
       </p:bgPr>
     </p:bg>
     <p:spTree>
       <p:nvGrpSpPr>
-        <p:cNvPr id="1" name="Shape 237"/>
+        <p:cNvPr id="41" name="Shape 41"/>
         <p:cNvGrpSpPr/>
         <p:nvPr/>
       </p:nvGrpSpPr>
@@ -4274,10 +5310,8 @@
       </p:grpSpPr>
       <p:sp>
         <p:nvSpPr>
-          <p:cNvPr id="240" name="Google Shape;240;p30"/>
-          <p:cNvSpPr txBox="1">
-            <a:spLocks noGrp="1"/>
-          </p:cNvSpPr>
+          <p:cNvPr id="42" name="Google Shape;42;p7"/>
+          <p:cNvSpPr txBox="1"/>
           <p:nvPr>
             <p:ph type="ctrTitle"/>
           </p:nvPr>
@@ -4290,38 +5324,44 @@
           <a:prstGeom prst="rect">
             <a:avLst/>
           </a:prstGeom>
+          <a:noFill/>
+          <a:ln>
+            <a:noFill/>
+          </a:ln>
         </p:spPr>
         <p:txBody>
-          <a:bodyPr spcFirstLastPara="1" wrap="square" lIns="0" tIns="91425" rIns="0" bIns="91425" anchor="ctr" anchorCtr="0">
+          <a:bodyPr anchorCtr="0" anchor="ctr" bIns="91425" lIns="0" spcFirstLastPara="1" rIns="0" wrap="square" tIns="91425">
             <a:noAutofit/>
           </a:bodyPr>
           <a:lstStyle/>
           <a:p>
-            <a:pPr marL="0" lvl="0" indent="0" algn="l" rtl="0">
-              <a:spcBef>
-                <a:spcPts val="0"/>
-              </a:spcBef>
-              <a:spcAft>
-                <a:spcPts val="0"/>
-              </a:spcAft>
+            <a:pPr indent="0" lvl="0" marL="0" rtl="0" algn="l">
+              <a:lnSpc>
+                <a:spcPct val="100000"/>
+              </a:lnSpc>
+              <a:spcBef>
+                <a:spcPts val="0"/>
+              </a:spcBef>
+              <a:spcAft>
+                <a:spcPts val="0"/>
+              </a:spcAft>
+              <a:buSzPts val="5200"/>
               <a:buNone/>
             </a:pPr>
             <a:r>
-              <a:rPr lang="en-US" dirty="0" err="1" smtClean="0"/>
+              <a:rPr lang="ru-RU"/>
               <a:t>LimbusBot</a:t>
             </a:r>
-            <a:endParaRPr dirty="0"/>
+            <a:endParaRPr/>
           </a:p>
         </p:txBody>
       </p:sp>
       <p:sp>
         <p:nvSpPr>
-          <p:cNvPr id="241" name="Google Shape;241;p30"/>
-          <p:cNvSpPr txBox="1">
-            <a:spLocks noGrp="1"/>
-          </p:cNvSpPr>
+          <p:cNvPr id="43" name="Google Shape;43;p7"/>
+          <p:cNvSpPr txBox="1"/>
           <p:nvPr>
-            <p:ph type="subTitle" idx="1"/>
+            <p:ph idx="1" type="subTitle"/>
           </p:nvPr>
         </p:nvSpPr>
         <p:spPr>
@@ -4332,39 +5372,81 @@
           <a:prstGeom prst="rect">
             <a:avLst/>
           </a:prstGeom>
+          <a:noFill/>
+          <a:ln>
+            <a:noFill/>
+          </a:ln>
         </p:spPr>
         <p:txBody>
-          <a:bodyPr spcFirstLastPara="1" wrap="square" lIns="0" tIns="91425" rIns="0" bIns="91425" anchor="ctr" anchorCtr="0">
+          <a:bodyPr anchorCtr="0" anchor="ctr" bIns="91425" lIns="0" spcFirstLastPara="1" rIns="0" wrap="square" tIns="91425">
             <a:noAutofit/>
           </a:bodyPr>
           <a:lstStyle/>
           <a:p>
-            <a:pPr marL="0" lvl="0" indent="0"/>
+            <a:pPr indent="0" lvl="0" marL="0" rtl="0" algn="l">
+              <a:lnSpc>
+                <a:spcPct val="100000"/>
+              </a:lnSpc>
+              <a:spcBef>
+                <a:spcPts val="0"/>
+              </a:spcBef>
+              <a:spcAft>
+                <a:spcPts val="0"/>
+              </a:spcAft>
+              <a:buSzPts val="2800"/>
+              <a:buNone/>
+            </a:pPr>
             <a:r>
-              <a:rPr lang="ru-RU" sz="1400" dirty="0" smtClean="0"/>
+              <a:rPr lang="ru-RU" sz="1400"/>
               <a:t>Работу выполнили:</a:t>
             </a:r>
+            <a:endParaRPr/>
           </a:p>
           <a:p>
-            <a:pPr marL="0" lvl="0" indent="0"/>
+            <a:pPr indent="0" lvl="0" marL="0" rtl="0" algn="l">
+              <a:lnSpc>
+                <a:spcPct val="100000"/>
+              </a:lnSpc>
+              <a:spcBef>
+                <a:spcPts val="0"/>
+              </a:spcBef>
+              <a:spcAft>
+                <a:spcPts val="0"/>
+              </a:spcAft>
+              <a:buSzPts val="2800"/>
+              <a:buNone/>
+            </a:pPr>
             <a:r>
-              <a:rPr lang="ru-RU" sz="1400" dirty="0" smtClean="0"/>
-              <a:t>Антонов Фёдор, </a:t>
+              <a:rPr lang="ru-RU" sz="1400"/>
+              <a:t>Антонов Федор, </a:t>
             </a:r>
+            <a:endParaRPr/>
           </a:p>
           <a:p>
-            <a:pPr marL="0" lvl="0" indent="0"/>
+            <a:pPr indent="0" lvl="0" marL="0" rtl="0" algn="l">
+              <a:lnSpc>
+                <a:spcPct val="100000"/>
+              </a:lnSpc>
+              <a:spcBef>
+                <a:spcPts val="0"/>
+              </a:spcBef>
+              <a:spcAft>
+                <a:spcPts val="0"/>
+              </a:spcAft>
+              <a:buSzPts val="2800"/>
+              <a:buNone/>
+            </a:pPr>
             <a:r>
-              <a:rPr lang="ru-RU" sz="1400" dirty="0" smtClean="0"/>
+              <a:rPr lang="ru-RU" sz="1400"/>
               <a:t>Филимонова Виктория</a:t>
             </a:r>
-            <a:endParaRPr sz="1400" dirty="0"/>
+            <a:endParaRPr sz="1400"/>
           </a:p>
         </p:txBody>
       </p:sp>
       <p:sp>
         <p:nvSpPr>
-          <p:cNvPr id="3" name="Овал 2"/>
+          <p:cNvPr id="44" name="Google Shape;44;p7"/>
           <p:cNvSpPr/>
           <p:nvPr/>
         </p:nvSpPr>
@@ -4377,51 +5459,63 @@
             <a:avLst/>
           </a:prstGeom>
           <a:noFill/>
-          <a:ln w="123825">
+          <a:ln cap="flat" cmpd="sng" w="123825">
             <a:solidFill>
-              <a:schemeClr val="tx2"/>
+              <a:schemeClr val="lt2"/>
             </a:solidFill>
+            <a:prstDash val="solid"/>
+            <a:round/>
+            <a:headEnd len="sm" w="sm" type="none"/>
+            <a:tailEnd len="sm" w="sm" type="none"/>
           </a:ln>
         </p:spPr>
-        <p:style>
-          <a:lnRef idx="2">
-            <a:schemeClr val="accent1">
-              <a:shade val="50000"/>
-            </a:schemeClr>
-          </a:lnRef>
-          <a:fillRef idx="1">
-            <a:schemeClr val="accent1"/>
-          </a:fillRef>
-          <a:effectRef idx="0">
-            <a:schemeClr val="accent1"/>
-          </a:effectRef>
-          <a:fontRef idx="minor">
-            <a:schemeClr val="lt1"/>
-          </a:fontRef>
-        </p:style>
         <p:txBody>
-          <a:bodyPr rtlCol="0" anchor="ctr"/>
+          <a:bodyPr anchorCtr="0" anchor="ctr" bIns="45700" lIns="91425" spcFirstLastPara="1" rIns="91425" wrap="square" tIns="45700">
+            <a:noAutofit/>
+          </a:bodyPr>
           <a:lstStyle/>
           <a:p>
-            <a:pPr algn="ctr"/>
-            <a:endParaRPr lang="ru-RU"/>
+            <a:pPr indent="0" lvl="0" marL="0" marR="0" rtl="0" algn="ctr">
+              <a:lnSpc>
+                <a:spcPct val="100000"/>
+              </a:lnSpc>
+              <a:spcBef>
+                <a:spcPts val="0"/>
+              </a:spcBef>
+              <a:spcAft>
+                <a:spcPts val="0"/>
+              </a:spcAft>
+              <a:buNone/>
+            </a:pPr>
+            <a:r>
+              <a:t/>
+            </a:r>
+            <a:endParaRPr b="0" i="0" sz="1400" u="none" cap="none" strike="noStrike">
+              <a:solidFill>
+                <a:schemeClr val="lt1"/>
+              </a:solidFill>
+              <a:latin typeface="Arial"/>
+              <a:ea typeface="Arial"/>
+              <a:cs typeface="Arial"/>
+              <a:sym typeface="Arial"/>
+            </a:endParaRPr>
           </a:p>
         </p:txBody>
       </p:sp>
       <p:sp>
         <p:nvSpPr>
-          <p:cNvPr id="4" name="Равнобедренный треугольник 3"/>
+          <p:cNvPr id="45" name="Google Shape;45;p7"/>
           <p:cNvSpPr/>
           <p:nvPr/>
         </p:nvSpPr>
         <p:spPr>
-          <a:xfrm rot="18823721">
+          <a:xfrm rot="-2776279">
             <a:off x="6552613" y="4142260"/>
             <a:ext cx="471953" cy="370145"/>
           </a:xfrm>
           <a:prstGeom prst="triangle">
             <a:avLst>
-              <a:gd name="adj" fmla="val 49289"/>
+              <a:gd fmla="val 49289" name="adj"/>
             </a:avLst>
           </a:prstGeom>
           <a:solidFill>
@@ -4431,34 +5525,42 @@
             <a:noFill/>
           </a:ln>
         </p:spPr>
-        <p:style>
-          <a:lnRef idx="2">
-            <a:schemeClr val="accent1">
-              <a:shade val="50000"/>
-            </a:schemeClr>
-          </a:lnRef>
-          <a:fillRef idx="1">
-            <a:schemeClr val="accent1"/>
-          </a:fillRef>
-          <a:effectRef idx="0">
-            <a:schemeClr val="accent1"/>
-          </a:effectRef>
-          <a:fontRef idx="minor">
-            <a:schemeClr val="lt1"/>
-          </a:fontRef>
-        </p:style>
         <p:txBody>
-          <a:bodyPr rtlCol="0" anchor="ctr"/>
+          <a:bodyPr anchorCtr="0" anchor="ctr" bIns="45700" lIns="91425" spcFirstLastPara="1" rIns="91425" wrap="square" tIns="45700">
+            <a:noAutofit/>
+          </a:bodyPr>
           <a:lstStyle/>
           <a:p>
-            <a:pPr algn="ctr"/>
-            <a:endParaRPr lang="ru-RU" dirty="0"/>
+            <a:pPr indent="0" lvl="0" marL="0" marR="0" rtl="0" algn="ctr">
+              <a:lnSpc>
+                <a:spcPct val="100000"/>
+              </a:lnSpc>
+              <a:spcBef>
+                <a:spcPts val="0"/>
+              </a:spcBef>
+              <a:spcAft>
+                <a:spcPts val="0"/>
+              </a:spcAft>
+              <a:buNone/>
+            </a:pPr>
+            <a:r>
+              <a:t/>
+            </a:r>
+            <a:endParaRPr b="0" i="0" sz="1400" u="none" cap="none" strike="noStrike">
+              <a:solidFill>
+                <a:schemeClr val="lt1"/>
+              </a:solidFill>
+              <a:latin typeface="Arial"/>
+              <a:ea typeface="Arial"/>
+              <a:cs typeface="Arial"/>
+              <a:sym typeface="Arial"/>
+            </a:endParaRPr>
           </a:p>
         </p:txBody>
       </p:sp>
       <p:sp>
         <p:nvSpPr>
-          <p:cNvPr id="479" name="Равнобедренный треугольник 478"/>
+          <p:cNvPr id="46" name="Google Shape;46;p7"/>
           <p:cNvSpPr/>
           <p:nvPr/>
         </p:nvSpPr>
@@ -4469,44 +5571,52 @@
           </a:xfrm>
           <a:prstGeom prst="triangle">
             <a:avLst>
-              <a:gd name="adj" fmla="val 49289"/>
+              <a:gd fmla="val 49289" name="adj"/>
             </a:avLst>
           </a:prstGeom>
           <a:solidFill>
-            <a:schemeClr val="tx2"/>
+            <a:schemeClr val="lt2"/>
           </a:solidFill>
           <a:ln>
             <a:noFill/>
           </a:ln>
         </p:spPr>
-        <p:style>
-          <a:lnRef idx="2">
-            <a:schemeClr val="accent1">
-              <a:shade val="50000"/>
-            </a:schemeClr>
-          </a:lnRef>
-          <a:fillRef idx="1">
-            <a:schemeClr val="accent1"/>
-          </a:fillRef>
-          <a:effectRef idx="0">
-            <a:schemeClr val="accent1"/>
-          </a:effectRef>
-          <a:fontRef idx="minor">
-            <a:schemeClr val="lt1"/>
-          </a:fontRef>
-        </p:style>
         <p:txBody>
-          <a:bodyPr rtlCol="0" anchor="ctr"/>
+          <a:bodyPr anchorCtr="0" anchor="ctr" bIns="45700" lIns="91425" spcFirstLastPara="1" rIns="91425" wrap="square" tIns="45700">
+            <a:noAutofit/>
+          </a:bodyPr>
           <a:lstStyle/>
           <a:p>
-            <a:pPr algn="ctr"/>
-            <a:endParaRPr lang="ru-RU" dirty="0"/>
+            <a:pPr indent="0" lvl="0" marL="0" marR="0" rtl="0" algn="ctr">
+              <a:lnSpc>
+                <a:spcPct val="100000"/>
+              </a:lnSpc>
+              <a:spcBef>
+                <a:spcPts val="0"/>
+              </a:spcBef>
+              <a:spcAft>
+                <a:spcPts val="0"/>
+              </a:spcAft>
+              <a:buNone/>
+            </a:pPr>
+            <a:r>
+              <a:t/>
+            </a:r>
+            <a:endParaRPr b="0" i="0" sz="1400" u="none" cap="none" strike="noStrike">
+              <a:solidFill>
+                <a:schemeClr val="lt1"/>
+              </a:solidFill>
+              <a:latin typeface="Arial"/>
+              <a:ea typeface="Arial"/>
+              <a:cs typeface="Arial"/>
+              <a:sym typeface="Arial"/>
+            </a:endParaRPr>
           </a:p>
         </p:txBody>
       </p:sp>
       <p:sp>
         <p:nvSpPr>
-          <p:cNvPr id="480" name="Равнобедренный треугольник 479"/>
+          <p:cNvPr id="47" name="Google Shape;47;p7"/>
           <p:cNvSpPr/>
           <p:nvPr/>
         </p:nvSpPr>
@@ -4517,7 +5627,7 @@
           </a:xfrm>
           <a:prstGeom prst="triangle">
             <a:avLst>
-              <a:gd name="adj" fmla="val 49289"/>
+              <a:gd fmla="val 49289" name="adj"/>
             </a:avLst>
           </a:prstGeom>
           <a:solidFill>
@@ -4527,44 +5637,51 @@
             <a:noFill/>
           </a:ln>
         </p:spPr>
-        <p:style>
-          <a:lnRef idx="2">
-            <a:schemeClr val="accent1">
-              <a:shade val="50000"/>
-            </a:schemeClr>
-          </a:lnRef>
-          <a:fillRef idx="1">
-            <a:schemeClr val="accent1"/>
-          </a:fillRef>
-          <a:effectRef idx="0">
-            <a:schemeClr val="accent1"/>
-          </a:effectRef>
-          <a:fontRef idx="minor">
-            <a:schemeClr val="lt1"/>
-          </a:fontRef>
-        </p:style>
         <p:txBody>
-          <a:bodyPr rtlCol="0" anchor="ctr"/>
+          <a:bodyPr anchorCtr="0" anchor="ctr" bIns="45700" lIns="91425" spcFirstLastPara="1" rIns="91425" wrap="square" tIns="45700">
+            <a:noAutofit/>
+          </a:bodyPr>
           <a:lstStyle/>
           <a:p>
-            <a:pPr algn="ctr"/>
-            <a:endParaRPr lang="ru-RU" dirty="0"/>
+            <a:pPr indent="0" lvl="0" marL="0" marR="0" rtl="0" algn="ctr">
+              <a:lnSpc>
+                <a:spcPct val="100000"/>
+              </a:lnSpc>
+              <a:spcBef>
+                <a:spcPts val="0"/>
+              </a:spcBef>
+              <a:spcAft>
+                <a:spcPts val="0"/>
+              </a:spcAft>
+              <a:buNone/>
+            </a:pPr>
+            <a:r>
+              <a:t/>
+            </a:r>
+            <a:endParaRPr b="0" i="0" sz="1400" u="none" cap="none" strike="noStrike">
+              <a:solidFill>
+                <a:schemeClr val="lt1"/>
+              </a:solidFill>
+              <a:latin typeface="Arial"/>
+              <a:ea typeface="Arial"/>
+              <a:cs typeface="Arial"/>
+              <a:sym typeface="Arial"/>
+            </a:endParaRPr>
           </a:p>
         </p:txBody>
       </p:sp>
       <p:pic>
         <p:nvPicPr>
-          <p:cNvPr id="7" name="Рисунок 6"/>
-          <p:cNvPicPr>
-            <a:picLocks noChangeAspect="1"/>
-          </p:cNvPicPr>
+          <p:cNvPr id="48" name="Google Shape;48;p7"/>
+          <p:cNvPicPr preferRelativeResize="0"/>
           <p:nvPr/>
         </p:nvPicPr>
-        <p:blipFill>
-          <a:blip r:embed="rId3"/>
-          <a:stretch>
-            <a:fillRect/>
-          </a:stretch>
+        <p:blipFill rotWithShape="1">
+          <a:blip r:embed="rId3">
+            <a:alphaModFix/>
+          </a:blip>
+          <a:srcRect b="0" l="0" r="0" t="0"/>
+          <a:stretch/>
         </p:blipFill>
         <p:spPr>
           <a:xfrm>
@@ -4574,11 +5691,15 @@
           <a:prstGeom prst="rect">
             <a:avLst/>
           </a:prstGeom>
+          <a:noFill/>
+          <a:ln>
+            <a:noFill/>
+          </a:ln>
         </p:spPr>
       </p:pic>
       <p:sp>
         <p:nvSpPr>
-          <p:cNvPr id="9" name="Прямоугольник 8"/>
+          <p:cNvPr id="49" name="Google Shape;49;p7"/>
           <p:cNvSpPr/>
           <p:nvPr/>
         </p:nvSpPr>
@@ -4597,53 +5718,64 @@
             <a:noFill/>
           </a:ln>
         </p:spPr>
-        <p:style>
-          <a:lnRef idx="2">
-            <a:schemeClr val="accent1">
-              <a:shade val="50000"/>
-            </a:schemeClr>
-          </a:lnRef>
-          <a:fillRef idx="1">
-            <a:schemeClr val="accent1"/>
-          </a:fillRef>
-          <a:effectRef idx="0">
-            <a:schemeClr val="accent1"/>
-          </a:effectRef>
-          <a:fontRef idx="minor">
-            <a:schemeClr val="lt1"/>
-          </a:fontRef>
-        </p:style>
         <p:txBody>
-          <a:bodyPr rtlCol="0" anchor="ctr"/>
+          <a:bodyPr anchorCtr="0" anchor="ctr" bIns="45700" lIns="91425" spcFirstLastPara="1" rIns="91425" wrap="square" tIns="45700">
+            <a:noAutofit/>
+          </a:bodyPr>
           <a:lstStyle/>
           <a:p>
-            <a:pPr algn="ctr"/>
-            <a:endParaRPr lang="ru-RU"/>
+            <a:pPr indent="0" lvl="0" marL="0" marR="0" rtl="0" algn="ctr">
+              <a:lnSpc>
+                <a:spcPct val="100000"/>
+              </a:lnSpc>
+              <a:spcBef>
+                <a:spcPts val="0"/>
+              </a:spcBef>
+              <a:spcAft>
+                <a:spcPts val="0"/>
+              </a:spcAft>
+              <a:buNone/>
+            </a:pPr>
+            <a:r>
+              <a:t/>
+            </a:r>
+            <a:endParaRPr b="0" i="0" sz="1400" u="none" cap="none" strike="noStrike">
+              <a:solidFill>
+                <a:schemeClr val="lt1"/>
+              </a:solidFill>
+              <a:latin typeface="Arial"/>
+              <a:ea typeface="Arial"/>
+              <a:cs typeface="Arial"/>
+              <a:sym typeface="Arial"/>
+            </a:endParaRPr>
           </a:p>
         </p:txBody>
       </p:sp>
       <p:pic>
         <p:nvPicPr>
-          <p:cNvPr id="8" name="Рисунок 7"/>
-          <p:cNvPicPr>
-            <a:picLocks noChangeAspect="1"/>
-          </p:cNvPicPr>
+          <p:cNvPr id="50" name="Google Shape;50;p7"/>
+          <p:cNvPicPr preferRelativeResize="0"/>
           <p:nvPr/>
         </p:nvPicPr>
-        <p:blipFill>
-          <a:blip r:embed="rId4"/>
-          <a:stretch>
-            <a:fillRect/>
-          </a:stretch>
+        <p:blipFill rotWithShape="1">
+          <a:blip r:embed="rId4">
+            <a:alphaModFix/>
+          </a:blip>
+          <a:srcRect b="0" l="0" r="0" t="0"/>
+          <a:stretch/>
         </p:blipFill>
         <p:spPr>
-          <a:xfrm rot="19864722">
+          <a:xfrm rot="-1735278">
             <a:off x="8757373" y="131497"/>
             <a:ext cx="255569" cy="248470"/>
           </a:xfrm>
           <a:prstGeom prst="rect">
             <a:avLst/>
           </a:prstGeom>
+          <a:noFill/>
+          <a:ln>
+            <a:noFill/>
+          </a:ln>
         </p:spPr>
       </p:pic>
     </p:spTree>
@@ -4651,22 +5783,15 @@
   <p:clrMapOvr>
     <a:masterClrMapping/>
   </p:clrMapOvr>
-  <p:timing>
-    <p:tnLst>
-      <p:par>
-        <p:cTn id="1" dur="indefinite" restart="never" nodeType="tmRoot"/>
-      </p:par>
-    </p:tnLst>
-  </p:timing>
 </p:sld>
 </file>
 
 <file path=ppt/slides/slide2.xml><?xml version="1.0" encoding="utf-8"?>
-<p:sld xmlns:a="http://schemas.openxmlformats.org/drawingml/2006/main" xmlns:r="http://schemas.openxmlformats.org/officeDocument/2006/relationships" xmlns:p="http://schemas.openxmlformats.org/presentationml/2006/main">
+<p:sld xmlns:a="http://schemas.openxmlformats.org/drawingml/2006/main" xmlns:r="http://schemas.openxmlformats.org/officeDocument/2006/relationships" xmlns:mc="http://schemas.openxmlformats.org/markup-compatibility/2006" xmlns:mv="urn:schemas-microsoft-com:mac:vml" xmlns:p="http://schemas.openxmlformats.org/presentationml/2006/main" xmlns:c="http://schemas.openxmlformats.org/drawingml/2006/chart" xmlns:dgm="http://schemas.openxmlformats.org/drawingml/2006/diagram" xmlns:o="urn:schemas-microsoft-com:office:office" xmlns:v="urn:schemas-microsoft-com:vml" xmlns:pvml="urn:schemas-microsoft-com:office:powerpoint" xmlns:com="http://schemas.openxmlformats.org/drawingml/2006/compatibility" xmlns:p14="http://schemas.microsoft.com/office/powerpoint/2010/main" xmlns:p15="http://schemas.microsoft.com/office/powerpoint/2012/main" xmlns:ahyp="http://schemas.microsoft.com/office/drawing/2018/hyperlinkcolor">
   <p:cSld>
     <p:spTree>
       <p:nvGrpSpPr>
-        <p:cNvPr id="1" name="Shape 482"/>
+        <p:cNvPr id="54" name="Shape 54"/>
         <p:cNvGrpSpPr/>
         <p:nvPr/>
       </p:nvGrpSpPr>
@@ -4680,7 +5805,7 @@
       </p:grpSpPr>
       <p:sp>
         <p:nvSpPr>
-          <p:cNvPr id="15" name="Полилиния 14"/>
+          <p:cNvPr id="55" name="Google Shape;55;p8"/>
           <p:cNvSpPr/>
           <p:nvPr/>
         </p:nvSpPr>
@@ -4690,40 +5815,9 @@
             <a:ext cx="1444854" cy="469828"/>
           </a:xfrm>
           <a:custGeom>
-            <a:avLst/>
-            <a:gdLst>
-              <a:gd name="connsiteX0" fmla="*/ 0 w 1358971"/>
-              <a:gd name="connsiteY0" fmla="*/ 0 h 439518"/>
-              <a:gd name="connsiteX1" fmla="*/ 1358971 w 1358971"/>
-              <a:gd name="connsiteY1" fmla="*/ 0 h 439518"/>
-              <a:gd name="connsiteX2" fmla="*/ 1156893 w 1358971"/>
-              <a:gd name="connsiteY2" fmla="*/ 404155 h 439518"/>
-              <a:gd name="connsiteX3" fmla="*/ 146507 w 1358971"/>
-              <a:gd name="connsiteY3" fmla="*/ 439518 h 439518"/>
-              <a:gd name="connsiteX4" fmla="*/ 0 w 1358971"/>
-              <a:gd name="connsiteY4" fmla="*/ 0 h 439518"/>
-            </a:gdLst>
-            <a:ahLst/>
-            <a:cxnLst>
-              <a:cxn ang="0">
-                <a:pos x="connsiteX0" y="connsiteY0"/>
-              </a:cxn>
-              <a:cxn ang="0">
-                <a:pos x="connsiteX1" y="connsiteY1"/>
-              </a:cxn>
-              <a:cxn ang="0">
-                <a:pos x="connsiteX2" y="connsiteY2"/>
-              </a:cxn>
-              <a:cxn ang="0">
-                <a:pos x="connsiteX3" y="connsiteY3"/>
-              </a:cxn>
-              <a:cxn ang="0">
-                <a:pos x="connsiteX4" y="connsiteY4"/>
-              </a:cxn>
-            </a:cxnLst>
-            <a:rect l="l" t="t" r="r" b="b"/>
+            <a:rect b="b" l="l" r="r" t="t"/>
             <a:pathLst>
-              <a:path w="1358971" h="439518">
+              <a:path extrusionOk="0" h="439518" w="1358971">
                 <a:moveTo>
                   <a:pt x="0" y="0"/>
                 </a:moveTo>
@@ -4744,40 +5838,48 @@
             </a:pathLst>
           </a:custGeom>
           <a:solidFill>
-            <a:schemeClr val="tx2"/>
+            <a:schemeClr val="lt2"/>
           </a:solidFill>
           <a:ln>
             <a:noFill/>
           </a:ln>
         </p:spPr>
-        <p:style>
-          <a:lnRef idx="2">
-            <a:schemeClr val="accent1">
-              <a:shade val="50000"/>
-            </a:schemeClr>
-          </a:lnRef>
-          <a:fillRef idx="1">
-            <a:schemeClr val="accent1"/>
-          </a:fillRef>
-          <a:effectRef idx="0">
-            <a:schemeClr val="accent1"/>
-          </a:effectRef>
-          <a:fontRef idx="minor">
-            <a:schemeClr val="lt1"/>
-          </a:fontRef>
-        </p:style>
         <p:txBody>
-          <a:bodyPr rtlCol="0" anchor="ctr"/>
+          <a:bodyPr anchorCtr="0" anchor="ctr" bIns="45700" lIns="91425" spcFirstLastPara="1" rIns="91425" wrap="square" tIns="45700">
+            <a:noAutofit/>
+          </a:bodyPr>
           <a:lstStyle/>
           <a:p>
-            <a:pPr algn="ctr"/>
-            <a:endParaRPr lang="ru-RU"/>
+            <a:pPr indent="0" lvl="0" marL="0" marR="0" rtl="0" algn="ctr">
+              <a:lnSpc>
+                <a:spcPct val="100000"/>
+              </a:lnSpc>
+              <a:spcBef>
+                <a:spcPts val="0"/>
+              </a:spcBef>
+              <a:spcAft>
+                <a:spcPts val="0"/>
+              </a:spcAft>
+              <a:buNone/>
+            </a:pPr>
+            <a:r>
+              <a:t/>
+            </a:r>
+            <a:endParaRPr b="0" i="0" sz="1400" u="none" cap="none" strike="noStrike">
+              <a:solidFill>
+                <a:schemeClr val="lt1"/>
+              </a:solidFill>
+              <a:latin typeface="Arial"/>
+              <a:ea typeface="Arial"/>
+              <a:cs typeface="Arial"/>
+              <a:sym typeface="Arial"/>
+            </a:endParaRPr>
           </a:p>
         </p:txBody>
       </p:sp>
       <p:sp>
         <p:nvSpPr>
-          <p:cNvPr id="11" name="Полилиния 10"/>
+          <p:cNvPr id="56" name="Google Shape;56;p8"/>
           <p:cNvSpPr/>
           <p:nvPr/>
         </p:nvSpPr>
@@ -4787,40 +5889,9 @@
             <a:ext cx="1323607" cy="414258"/>
           </a:xfrm>
           <a:custGeom>
-            <a:avLst/>
-            <a:gdLst>
-              <a:gd name="connsiteX0" fmla="*/ 212181 w 1217516"/>
-              <a:gd name="connsiteY0" fmla="*/ 0 h 343531"/>
-              <a:gd name="connsiteX1" fmla="*/ 0 w 1217516"/>
-              <a:gd name="connsiteY1" fmla="*/ 313219 h 343531"/>
-              <a:gd name="connsiteX2" fmla="*/ 1217516 w 1217516"/>
-              <a:gd name="connsiteY2" fmla="*/ 343531 h 343531"/>
-              <a:gd name="connsiteX3" fmla="*/ 1187205 w 1217516"/>
-              <a:gd name="connsiteY3" fmla="*/ 15155 h 343531"/>
-              <a:gd name="connsiteX4" fmla="*/ 212181 w 1217516"/>
-              <a:gd name="connsiteY4" fmla="*/ 0 h 343531"/>
-            </a:gdLst>
-            <a:ahLst/>
-            <a:cxnLst>
-              <a:cxn ang="0">
-                <a:pos x="connsiteX0" y="connsiteY0"/>
-              </a:cxn>
-              <a:cxn ang="0">
-                <a:pos x="connsiteX1" y="connsiteY1"/>
-              </a:cxn>
-              <a:cxn ang="0">
-                <a:pos x="connsiteX2" y="connsiteY2"/>
-              </a:cxn>
-              <a:cxn ang="0">
-                <a:pos x="connsiteX3" y="connsiteY3"/>
-              </a:cxn>
-              <a:cxn ang="0">
-                <a:pos x="connsiteX4" y="connsiteY4"/>
-              </a:cxn>
-            </a:cxnLst>
-            <a:rect l="l" t="t" r="r" b="b"/>
+            <a:rect b="b" l="l" r="r" t="t"/>
             <a:pathLst>
-              <a:path w="1217516" h="343531">
+              <a:path extrusionOk="0" h="343531" w="1217516">
                 <a:moveTo>
                   <a:pt x="212181" y="0"/>
                 </a:moveTo>
@@ -4841,40 +5912,48 @@
             </a:pathLst>
           </a:custGeom>
           <a:solidFill>
-            <a:schemeClr val="tx2"/>
+            <a:schemeClr val="lt2"/>
           </a:solidFill>
           <a:ln>
             <a:noFill/>
           </a:ln>
         </p:spPr>
-        <p:style>
-          <a:lnRef idx="2">
-            <a:schemeClr val="accent1">
-              <a:shade val="50000"/>
-            </a:schemeClr>
-          </a:lnRef>
-          <a:fillRef idx="1">
-            <a:schemeClr val="accent1"/>
-          </a:fillRef>
-          <a:effectRef idx="0">
-            <a:schemeClr val="accent1"/>
-          </a:effectRef>
-          <a:fontRef idx="minor">
-            <a:schemeClr val="lt1"/>
-          </a:fontRef>
-        </p:style>
         <p:txBody>
-          <a:bodyPr rtlCol="0" anchor="ctr"/>
+          <a:bodyPr anchorCtr="0" anchor="ctr" bIns="45700" lIns="91425" spcFirstLastPara="1" rIns="91425" wrap="square" tIns="45700">
+            <a:noAutofit/>
+          </a:bodyPr>
           <a:lstStyle/>
           <a:p>
-            <a:pPr algn="ctr"/>
-            <a:endParaRPr lang="ru-RU"/>
+            <a:pPr indent="0" lvl="0" marL="0" marR="0" rtl="0" algn="ctr">
+              <a:lnSpc>
+                <a:spcPct val="100000"/>
+              </a:lnSpc>
+              <a:spcBef>
+                <a:spcPts val="0"/>
+              </a:spcBef>
+              <a:spcAft>
+                <a:spcPts val="0"/>
+              </a:spcAft>
+              <a:buNone/>
+            </a:pPr>
+            <a:r>
+              <a:t/>
+            </a:r>
+            <a:endParaRPr b="0" i="0" sz="1400" u="none" cap="none" strike="noStrike">
+              <a:solidFill>
+                <a:schemeClr val="lt1"/>
+              </a:solidFill>
+              <a:latin typeface="Arial"/>
+              <a:ea typeface="Arial"/>
+              <a:cs typeface="Arial"/>
+              <a:sym typeface="Arial"/>
+            </a:endParaRPr>
           </a:p>
         </p:txBody>
       </p:sp>
       <p:sp>
         <p:nvSpPr>
-          <p:cNvPr id="483" name="Google Shape;483;p31"/>
+          <p:cNvPr id="57" name="Google Shape;57;p8"/>
           <p:cNvSpPr/>
           <p:nvPr/>
         </p:nvSpPr>
@@ -4884,13 +5963,9 @@
             <a:ext cx="4896051" cy="572620"/>
           </a:xfrm>
           <a:custGeom>
-            <a:avLst/>
-            <a:gdLst/>
-            <a:ahLst/>
-            <a:cxnLst/>
-            <a:rect l="l" t="t" r="r" b="b"/>
+            <a:rect b="b" l="l" r="r" t="t"/>
             <a:pathLst>
-              <a:path w="251531" h="78200" extrusionOk="0">
+              <a:path extrusionOk="0" h="78200" w="251531">
                 <a:moveTo>
                   <a:pt x="0" y="0"/>
                 </a:moveTo>
@@ -4917,10 +5992,8 @@
       </p:sp>
       <p:sp>
         <p:nvSpPr>
-          <p:cNvPr id="484" name="Google Shape;484;p31"/>
-          <p:cNvSpPr txBox="1">
-            <a:spLocks noGrp="1"/>
-          </p:cNvSpPr>
+          <p:cNvPr id="58" name="Google Shape;58;p8"/>
+          <p:cNvSpPr txBox="1"/>
           <p:nvPr>
             <p:ph type="title"/>
           </p:nvPr>
@@ -4933,38 +6006,44 @@
           <a:prstGeom prst="rect">
             <a:avLst/>
           </a:prstGeom>
+          <a:noFill/>
+          <a:ln>
+            <a:noFill/>
+          </a:ln>
         </p:spPr>
         <p:txBody>
-          <a:bodyPr spcFirstLastPara="1" wrap="square" lIns="91425" tIns="91425" rIns="91425" bIns="91425" anchor="ctr" anchorCtr="0">
+          <a:bodyPr anchorCtr="0" anchor="ctr" bIns="91425" lIns="91425" spcFirstLastPara="1" rIns="91425" wrap="square" tIns="91425">
             <a:noAutofit/>
           </a:bodyPr>
           <a:lstStyle/>
           <a:p>
-            <a:pPr marL="0" lvl="0" indent="0" algn="l" rtl="0">
-              <a:spcBef>
-                <a:spcPts val="0"/>
-              </a:spcBef>
-              <a:spcAft>
-                <a:spcPts val="0"/>
-              </a:spcAft>
+            <a:pPr indent="0" lvl="0" marL="0" rtl="0" algn="l">
+              <a:lnSpc>
+                <a:spcPct val="100000"/>
+              </a:lnSpc>
+              <a:spcBef>
+                <a:spcPts val="0"/>
+              </a:spcBef>
+              <a:spcAft>
+                <a:spcPts val="0"/>
+              </a:spcAft>
+              <a:buSzPts val="3000"/>
               <a:buNone/>
             </a:pPr>
             <a:r>
-              <a:rPr lang="ru-RU" dirty="0" smtClean="0"/>
+              <a:rPr lang="ru-RU"/>
               <a:t>Идея и цели проекта</a:t>
             </a:r>
-            <a:endParaRPr dirty="0"/>
+            <a:endParaRPr/>
           </a:p>
         </p:txBody>
       </p:sp>
       <p:sp>
         <p:nvSpPr>
-          <p:cNvPr id="485" name="Google Shape;485;p31"/>
-          <p:cNvSpPr txBox="1">
-            <a:spLocks noGrp="1"/>
-          </p:cNvSpPr>
+          <p:cNvPr id="59" name="Google Shape;59;p8"/>
+          <p:cNvSpPr txBox="1"/>
           <p:nvPr>
-            <p:ph type="body" idx="1"/>
+            <p:ph idx="1" type="body"/>
           </p:nvPr>
         </p:nvSpPr>
         <p:spPr>
@@ -4975,14 +6054,18 @@
           <a:prstGeom prst="rect">
             <a:avLst/>
           </a:prstGeom>
+          <a:noFill/>
+          <a:ln>
+            <a:noFill/>
+          </a:ln>
         </p:spPr>
         <p:txBody>
-          <a:bodyPr spcFirstLastPara="1" wrap="square" lIns="91425" tIns="91425" rIns="91425" bIns="91425" anchor="b" anchorCtr="0">
+          <a:bodyPr anchorCtr="0" anchor="b" bIns="91425" lIns="91425" spcFirstLastPara="1" rIns="91425" wrap="square" tIns="91425">
             <a:noAutofit/>
           </a:bodyPr>
           <a:lstStyle/>
           <a:p>
-            <a:pPr marL="0" lvl="0" indent="0" algn="l" rtl="0">
+            <a:pPr indent="0" lvl="0" marL="0" rtl="0" algn="l">
               <a:lnSpc>
                 <a:spcPct val="60000"/>
               </a:lnSpc>
@@ -4992,22 +6075,21 @@
               <a:spcAft>
                 <a:spcPts val="0"/>
               </a:spcAft>
+              <a:buSzPts val="1400"/>
               <a:buNone/>
             </a:pPr>
             <a:r>
-              <a:rPr lang="ru-RU" sz="2000" b="1" dirty="0" smtClean="0"/>
+              <a:rPr b="1" lang="ru-RU" sz="2000"/>
               <a:t>Идея:</a:t>
             </a:r>
-            <a:endParaRPr sz="2000" b="1" dirty="0"/>
+            <a:endParaRPr b="1" sz="2000"/>
           </a:p>
         </p:txBody>
       </p:sp>
       <p:sp>
         <p:nvSpPr>
-          <p:cNvPr id="5" name="Google Shape;485;p31"/>
-          <p:cNvSpPr txBox="1">
-            <a:spLocks/>
-          </p:cNvSpPr>
+          <p:cNvPr id="60" name="Google Shape;60;p8"/>
+          <p:cNvSpPr txBox="1"/>
           <p:nvPr/>
         </p:nvSpPr>
         <p:spPr>
@@ -5024,24 +6106,14 @@
           </a:ln>
         </p:spPr>
         <p:txBody>
-          <a:bodyPr spcFirstLastPara="1" wrap="square" lIns="91425" tIns="91425" rIns="91425" bIns="91425" anchor="b" anchorCtr="0">
+          <a:bodyPr anchorCtr="0" anchor="b" bIns="91425" lIns="91425" spcFirstLastPara="1" rIns="91425" wrap="square" tIns="91425">
             <a:noAutofit/>
           </a:bodyPr>
-          <a:lstStyle>
-            <a:defPPr marR="0" lvl="0" algn="l" rtl="0">
-              <a:lnSpc>
-                <a:spcPct val="100000"/>
-              </a:lnSpc>
-              <a:spcBef>
-                <a:spcPts val="0"/>
-              </a:spcBef>
-              <a:spcAft>
-                <a:spcPts val="0"/>
-              </a:spcAft>
-            </a:defPPr>
-            <a:lvl1pPr marL="457200" marR="0" lvl="0" indent="-317500" algn="l" rtl="0">
-              <a:lnSpc>
-                <a:spcPct val="115000"/>
+          <a:lstStyle/>
+          <a:p>
+            <a:pPr indent="0" lvl="0" marL="0" marR="0" rtl="0" algn="ctr">
+              <a:lnSpc>
+                <a:spcPct val="60000"/>
               </a:lnSpc>
               <a:spcBef>
                 <a:spcPts val="0"/>
@@ -5054,8 +6126,10 @@
               </a:buClr>
               <a:buSzPts val="1400"/>
               <a:buFont typeface="PT Sans"/>
-              <a:buAutoNum type="arabicPeriod"/>
-              <a:defRPr sz="1200" b="0" i="0" u="none" strike="noStrike" cap="none">
+              <a:buNone/>
+            </a:pPr>
+            <a:r>
+              <a:rPr b="1" i="0" lang="ru-RU" sz="2000" u="none" cap="none" strike="noStrike">
                 <a:solidFill>
                   <a:schemeClr val="dk2"/>
                 </a:solidFill>
@@ -5063,25 +6137,11 @@
                 <a:ea typeface="PT Sans"/>
                 <a:cs typeface="PT Sans"/>
                 <a:sym typeface="PT Sans"/>
-              </a:defRPr>
-            </a:lvl1pPr>
-            <a:lvl2pPr marL="914400" marR="0" lvl="1" indent="-317500" algn="l" rtl="0">
-              <a:lnSpc>
-                <a:spcPct val="115000"/>
-              </a:lnSpc>
-              <a:spcBef>
-                <a:spcPts val="1600"/>
-              </a:spcBef>
-              <a:spcAft>
-                <a:spcPts val="0"/>
-              </a:spcAft>
-              <a:buClr>
-                <a:schemeClr val="dk2"/>
-              </a:buClr>
-              <a:buSzPts val="1400"/>
-              <a:buFont typeface="PT Sans"/>
-              <a:buAutoNum type="alphaLcPeriod"/>
-              <a:defRPr sz="1400" b="0" i="0" u="none" strike="noStrike" cap="none">
+              </a:rPr>
+              <a:t>Цели</a:t>
+            </a:r>
+            <a:r>
+              <a:rPr b="1" i="0" lang="ru-RU" sz="2400" u="none" cap="none" strike="noStrike">
                 <a:solidFill>
                   <a:schemeClr val="dk2"/>
                 </a:solidFill>
@@ -5089,214 +6149,24 @@
                 <a:ea typeface="PT Sans"/>
                 <a:cs typeface="PT Sans"/>
                 <a:sym typeface="PT Sans"/>
-              </a:defRPr>
-            </a:lvl2pPr>
-            <a:lvl3pPr marL="1371600" marR="0" lvl="2" indent="-317500" algn="l" rtl="0">
-              <a:lnSpc>
-                <a:spcPct val="115000"/>
-              </a:lnSpc>
-              <a:spcBef>
-                <a:spcPts val="1600"/>
-              </a:spcBef>
-              <a:spcAft>
-                <a:spcPts val="0"/>
-              </a:spcAft>
-              <a:buClr>
-                <a:schemeClr val="dk2"/>
-              </a:buClr>
-              <a:buSzPts val="1400"/>
-              <a:buFont typeface="PT Sans"/>
-              <a:buAutoNum type="romanLcPeriod"/>
-              <a:defRPr sz="1400" b="0" i="0" u="none" strike="noStrike" cap="none">
-                <a:solidFill>
-                  <a:schemeClr val="dk2"/>
-                </a:solidFill>
-                <a:latin typeface="PT Sans"/>
-                <a:ea typeface="PT Sans"/>
-                <a:cs typeface="PT Sans"/>
-                <a:sym typeface="PT Sans"/>
-              </a:defRPr>
-            </a:lvl3pPr>
-            <a:lvl4pPr marL="1828800" marR="0" lvl="3" indent="-317500" algn="l" rtl="0">
-              <a:lnSpc>
-                <a:spcPct val="115000"/>
-              </a:lnSpc>
-              <a:spcBef>
-                <a:spcPts val="1600"/>
-              </a:spcBef>
-              <a:spcAft>
-                <a:spcPts val="0"/>
-              </a:spcAft>
-              <a:buClr>
-                <a:schemeClr val="dk2"/>
-              </a:buClr>
-              <a:buSzPts val="1400"/>
-              <a:buFont typeface="PT Sans"/>
-              <a:buAutoNum type="arabicPeriod"/>
-              <a:defRPr sz="1400" b="0" i="0" u="none" strike="noStrike" cap="none">
-                <a:solidFill>
-                  <a:schemeClr val="dk2"/>
-                </a:solidFill>
-                <a:latin typeface="PT Sans"/>
-                <a:ea typeface="PT Sans"/>
-                <a:cs typeface="PT Sans"/>
-                <a:sym typeface="PT Sans"/>
-              </a:defRPr>
-            </a:lvl4pPr>
-            <a:lvl5pPr marL="2286000" marR="0" lvl="4" indent="-317500" algn="l" rtl="0">
-              <a:lnSpc>
-                <a:spcPct val="115000"/>
-              </a:lnSpc>
-              <a:spcBef>
-                <a:spcPts val="1600"/>
-              </a:spcBef>
-              <a:spcAft>
-                <a:spcPts val="0"/>
-              </a:spcAft>
-              <a:buClr>
-                <a:schemeClr val="dk2"/>
-              </a:buClr>
-              <a:buSzPts val="1400"/>
-              <a:buFont typeface="PT Sans"/>
-              <a:buAutoNum type="alphaLcPeriod"/>
-              <a:defRPr sz="1400" b="0" i="0" u="none" strike="noStrike" cap="none">
-                <a:solidFill>
-                  <a:schemeClr val="dk2"/>
-                </a:solidFill>
-                <a:latin typeface="PT Sans"/>
-                <a:ea typeface="PT Sans"/>
-                <a:cs typeface="PT Sans"/>
-                <a:sym typeface="PT Sans"/>
-              </a:defRPr>
-            </a:lvl5pPr>
-            <a:lvl6pPr marL="2743200" marR="0" lvl="5" indent="-317500" algn="l" rtl="0">
-              <a:lnSpc>
-                <a:spcPct val="115000"/>
-              </a:lnSpc>
-              <a:spcBef>
-                <a:spcPts val="1600"/>
-              </a:spcBef>
-              <a:spcAft>
-                <a:spcPts val="0"/>
-              </a:spcAft>
-              <a:buClr>
-                <a:schemeClr val="dk2"/>
-              </a:buClr>
-              <a:buSzPts val="1400"/>
-              <a:buFont typeface="PT Sans"/>
-              <a:buAutoNum type="romanLcPeriod"/>
-              <a:defRPr sz="1400" b="0" i="0" u="none" strike="noStrike" cap="none">
-                <a:solidFill>
-                  <a:schemeClr val="dk2"/>
-                </a:solidFill>
-                <a:latin typeface="PT Sans"/>
-                <a:ea typeface="PT Sans"/>
-                <a:cs typeface="PT Sans"/>
-                <a:sym typeface="PT Sans"/>
-              </a:defRPr>
-            </a:lvl6pPr>
-            <a:lvl7pPr marL="3200400" marR="0" lvl="6" indent="-317500" algn="l" rtl="0">
-              <a:lnSpc>
-                <a:spcPct val="115000"/>
-              </a:lnSpc>
-              <a:spcBef>
-                <a:spcPts val="1600"/>
-              </a:spcBef>
-              <a:spcAft>
-                <a:spcPts val="0"/>
-              </a:spcAft>
-              <a:buClr>
-                <a:schemeClr val="dk2"/>
-              </a:buClr>
-              <a:buSzPts val="1400"/>
-              <a:buFont typeface="PT Sans"/>
-              <a:buAutoNum type="arabicPeriod"/>
-              <a:defRPr sz="1400" b="0" i="0" u="none" strike="noStrike" cap="none">
-                <a:solidFill>
-                  <a:schemeClr val="dk2"/>
-                </a:solidFill>
-                <a:latin typeface="PT Sans"/>
-                <a:ea typeface="PT Sans"/>
-                <a:cs typeface="PT Sans"/>
-                <a:sym typeface="PT Sans"/>
-              </a:defRPr>
-            </a:lvl7pPr>
-            <a:lvl8pPr marL="3657600" marR="0" lvl="7" indent="-317500" algn="l" rtl="0">
-              <a:lnSpc>
-                <a:spcPct val="115000"/>
-              </a:lnSpc>
-              <a:spcBef>
-                <a:spcPts val="1600"/>
-              </a:spcBef>
-              <a:spcAft>
-                <a:spcPts val="0"/>
-              </a:spcAft>
-              <a:buClr>
-                <a:schemeClr val="dk2"/>
-              </a:buClr>
-              <a:buSzPts val="1400"/>
-              <a:buFont typeface="PT Sans"/>
-              <a:buAutoNum type="alphaLcPeriod"/>
-              <a:defRPr sz="1400" b="0" i="0" u="none" strike="noStrike" cap="none">
-                <a:solidFill>
-                  <a:schemeClr val="dk2"/>
-                </a:solidFill>
-                <a:latin typeface="PT Sans"/>
-                <a:ea typeface="PT Sans"/>
-                <a:cs typeface="PT Sans"/>
-                <a:sym typeface="PT Sans"/>
-              </a:defRPr>
-            </a:lvl8pPr>
-            <a:lvl9pPr marL="4114800" marR="0" lvl="8" indent="-317500" algn="l" rtl="0">
-              <a:lnSpc>
-                <a:spcPct val="115000"/>
-              </a:lnSpc>
-              <a:spcBef>
-                <a:spcPts val="1600"/>
-              </a:spcBef>
-              <a:spcAft>
-                <a:spcPts val="1600"/>
-              </a:spcAft>
-              <a:buClr>
-                <a:schemeClr val="dk2"/>
-              </a:buClr>
-              <a:buSzPts val="1400"/>
-              <a:buFont typeface="PT Sans"/>
-              <a:buAutoNum type="romanLcPeriod"/>
-              <a:defRPr sz="1400" b="0" i="0" u="none" strike="noStrike" cap="none">
-                <a:solidFill>
-                  <a:schemeClr val="dk2"/>
-                </a:solidFill>
-                <a:latin typeface="PT Sans"/>
-                <a:ea typeface="PT Sans"/>
-                <a:cs typeface="PT Sans"/>
-                <a:sym typeface="PT Sans"/>
-              </a:defRPr>
-            </a:lvl9pPr>
-          </a:lstStyle>
-          <a:p>
-            <a:pPr marL="0" indent="0" algn="ctr">
-              <a:lnSpc>
-                <a:spcPct val="60000"/>
-              </a:lnSpc>
-              <a:buFont typeface="PT Sans"/>
-              <a:buNone/>
-            </a:pPr>
-            <a:r>
-              <a:rPr lang="ru-RU" sz="2000" b="1" dirty="0" smtClean="0"/>
-              <a:t>Цели</a:t>
-            </a:r>
-            <a:r>
-              <a:rPr lang="ru-RU" sz="2400" b="1" dirty="0" smtClean="0"/>
+              </a:rPr>
               <a:t>:</a:t>
             </a:r>
-            <a:endParaRPr lang="ru-RU" sz="2400" b="1" dirty="0"/>
+            <a:endParaRPr b="1" i="0" sz="2400" u="none" cap="none" strike="noStrike">
+              <a:solidFill>
+                <a:schemeClr val="dk2"/>
+              </a:solidFill>
+              <a:latin typeface="PT Sans"/>
+              <a:ea typeface="PT Sans"/>
+              <a:cs typeface="PT Sans"/>
+              <a:sym typeface="PT Sans"/>
+            </a:endParaRPr>
           </a:p>
         </p:txBody>
       </p:sp>
       <p:sp>
         <p:nvSpPr>
-          <p:cNvPr id="17" name="TextBox 16"/>
+          <p:cNvPr id="61" name="Google Shape;61;p8"/>
           <p:cNvSpPr txBox="1"/>
           <p:nvPr/>
         </p:nvSpPr>
@@ -5309,61 +6179,55 @@
             <a:avLst/>
           </a:prstGeom>
           <a:noFill/>
+          <a:ln>
+            <a:noFill/>
+          </a:ln>
         </p:spPr>
         <p:txBody>
-          <a:bodyPr wrap="square" rtlCol="0">
+          <a:bodyPr anchorCtr="0" anchor="t" bIns="45700" lIns="91425" spcFirstLastPara="1" rIns="91425" wrap="square" tIns="45700">
             <a:spAutoFit/>
           </a:bodyPr>
           <a:lstStyle/>
           <a:p>
+            <a:pPr indent="0" lvl="0" marL="0" marR="0" rtl="0" algn="l">
+              <a:lnSpc>
+                <a:spcPct val="100000"/>
+              </a:lnSpc>
+              <a:spcBef>
+                <a:spcPts val="0"/>
+              </a:spcBef>
+              <a:spcAft>
+                <a:spcPts val="0"/>
+              </a:spcAft>
+              <a:buNone/>
+            </a:pPr>
             <a:r>
-              <a:rPr lang="en-US" sz="1600" dirty="0" smtClean="0">
+              <a:rPr b="0" i="0" lang="ru-RU" sz="1600" u="none" cap="none" strike="noStrike">
                 <a:solidFill>
-                  <a:schemeClr val="bg2"/>
+                  <a:schemeClr val="dk2"/>
                 </a:solidFill>
-                <a:latin typeface="PT Sans" panose="020B0604020202020204" charset="-52"/>
+                <a:latin typeface="PT Sans"/>
+                <a:ea typeface="PT Sans"/>
+                <a:cs typeface="PT Sans"/>
+                <a:sym typeface="PT Sans"/>
               </a:rPr>
-              <a:t>Telegram</a:t>
+              <a:t>Telegram-бот для обслуживания канала</a:t>
             </a:r>
-            <a:r>
-              <a:rPr lang="ru-RU" sz="1600" dirty="0" smtClean="0">
-                <a:solidFill>
-                  <a:schemeClr val="bg2"/>
-                </a:solidFill>
-                <a:latin typeface="PT Sans" panose="020B0604020202020204" charset="-52"/>
-              </a:rPr>
-              <a:t>-бот</a:t>
-            </a:r>
-            <a:r>
-              <a:rPr lang="en-US" sz="1600" dirty="0" smtClean="0">
-                <a:solidFill>
-                  <a:schemeClr val="bg2"/>
-                </a:solidFill>
-                <a:latin typeface="PT Sans" panose="020B0604020202020204" charset="-52"/>
-              </a:rPr>
-              <a:t> </a:t>
-            </a:r>
-            <a:r>
-              <a:rPr lang="ru-RU" sz="1600" dirty="0" smtClean="0">
-                <a:solidFill>
-                  <a:schemeClr val="bg2"/>
-                </a:solidFill>
-                <a:latin typeface="PT Sans" panose="020B0604020202020204" charset="-52"/>
-              </a:rPr>
-              <a:t>для обслуживания канала</a:t>
-            </a:r>
-            <a:endParaRPr lang="ru-RU" sz="1600" dirty="0">
+            <a:endParaRPr b="0" i="0" sz="1600" u="none" cap="none" strike="noStrike">
               <a:solidFill>
-                <a:schemeClr val="bg2"/>
+                <a:schemeClr val="dk2"/>
               </a:solidFill>
-              <a:latin typeface="PT Sans" panose="020B0604020202020204" charset="-52"/>
+              <a:latin typeface="PT Sans"/>
+              <a:ea typeface="PT Sans"/>
+              <a:cs typeface="PT Sans"/>
+              <a:sym typeface="PT Sans"/>
             </a:endParaRPr>
           </a:p>
         </p:txBody>
       </p:sp>
       <p:sp>
         <p:nvSpPr>
-          <p:cNvPr id="21" name="TextBox 20"/>
+          <p:cNvPr id="62" name="Google Shape;62;p8"/>
           <p:cNvSpPr txBox="1"/>
           <p:nvPr/>
         </p:nvSpPr>
@@ -5376,73 +6240,93 @@
             <a:avLst/>
           </a:prstGeom>
           <a:noFill/>
+          <a:ln>
+            <a:noFill/>
+          </a:ln>
         </p:spPr>
         <p:txBody>
-          <a:bodyPr wrap="square" rtlCol="0">
+          <a:bodyPr anchorCtr="0" anchor="t" bIns="45700" lIns="91425" spcFirstLastPara="1" rIns="91425" wrap="square" tIns="45700">
             <a:spAutoFit/>
           </a:bodyPr>
           <a:lstStyle/>
           <a:p>
-            <a:pPr marL="285750" indent="-285750">
-              <a:buFont typeface="Arial" panose="020B0604020202020204" pitchFamily="34" charset="0"/>
+            <a:pPr indent="-285750" lvl="0" marL="285750" marR="0" rtl="0" algn="l">
+              <a:lnSpc>
+                <a:spcPct val="100000"/>
+              </a:lnSpc>
+              <a:spcBef>
+                <a:spcPts val="0"/>
+              </a:spcBef>
+              <a:spcAft>
+                <a:spcPts val="0"/>
+              </a:spcAft>
+              <a:buClr>
+                <a:srgbClr val="000000"/>
+              </a:buClr>
+              <a:buSzPts val="1600"/>
+              <a:buFont typeface="Arial"/>
               <a:buChar char="•"/>
             </a:pPr>
             <a:r>
-              <a:rPr lang="ru-RU" sz="1600" dirty="0" smtClean="0">
+              <a:rPr b="0" i="0" lang="ru-RU" sz="1600" u="none" cap="none" strike="noStrike">
                 <a:solidFill>
-                  <a:schemeClr val="bg2"/>
+                  <a:schemeClr val="dk2"/>
                 </a:solidFill>
-                <a:latin typeface="PT Sans" panose="020B0604020202020204" charset="-52"/>
+                <a:latin typeface="PT Sans"/>
+                <a:ea typeface="PT Sans"/>
+                <a:cs typeface="PT Sans"/>
+                <a:sym typeface="PT Sans"/>
               </a:rPr>
-              <a:t>Научиться работать с библиотекой </a:t>
+              <a:t>Научиться работать с библиотекой telebot</a:t>
             </a:r>
-            <a:r>
-              <a:rPr lang="en-US" sz="1600" dirty="0" err="1" smtClean="0">
-                <a:solidFill>
-                  <a:schemeClr val="bg2"/>
-                </a:solidFill>
-                <a:latin typeface="PT Sans" panose="020B0604020202020204" charset="-52"/>
-              </a:rPr>
-              <a:t>telebot</a:t>
-            </a:r>
-            <a:endParaRPr lang="en-US" sz="1600" dirty="0" smtClean="0">
+            <a:endParaRPr b="0" i="0" sz="1600" u="none" cap="none" strike="noStrike">
               <a:solidFill>
-                <a:schemeClr val="bg2"/>
+                <a:schemeClr val="dk2"/>
               </a:solidFill>
-              <a:latin typeface="PT Sans" panose="020B0604020202020204" charset="-52"/>
+              <a:latin typeface="PT Sans"/>
+              <a:ea typeface="PT Sans"/>
+              <a:cs typeface="PT Sans"/>
+              <a:sym typeface="PT Sans"/>
             </a:endParaRPr>
           </a:p>
           <a:p>
-            <a:pPr marL="285750" indent="-285750">
+            <a:pPr indent="-285750" lvl="0" marL="285750" marR="0" rtl="0" algn="l">
+              <a:lnSpc>
+                <a:spcPct val="100000"/>
+              </a:lnSpc>
+              <a:spcBef>
+                <a:spcPts val="0"/>
+              </a:spcBef>
+              <a:spcAft>
+                <a:spcPts val="0"/>
+              </a:spcAft>
               <a:buClr>
-                <a:schemeClr val="bg2"/>
+                <a:schemeClr val="dk2"/>
               </a:buClr>
-              <a:buFont typeface="Arial" panose="020B0604020202020204" pitchFamily="34" charset="0"/>
+              <a:buSzPts val="1600"/>
+              <a:buFont typeface="Arial"/>
               <a:buChar char="•"/>
             </a:pPr>
             <a:r>
-              <a:rPr lang="ru-RU" sz="1600" dirty="0" smtClean="0">
+              <a:rPr b="0" i="0" lang="ru-RU" sz="1600" u="none" cap="none" strike="noStrike">
                 <a:solidFill>
-                  <a:schemeClr val="bg2"/>
+                  <a:schemeClr val="dk2"/>
                 </a:solidFill>
-                <a:latin typeface="PT Sans" panose="020B0604020202020204" charset="-52"/>
+                <a:latin typeface="PT Sans"/>
+                <a:ea typeface="PT Sans"/>
+                <a:cs typeface="PT Sans"/>
+                <a:sym typeface="PT Sans"/>
               </a:rPr>
-              <a:t>Закрепить навыки работы с </a:t>
+              <a:t>Закрепить навыки работы с git</a:t>
             </a:r>
-            <a:r>
-              <a:rPr lang="en-US" sz="1600" dirty="0" err="1" smtClean="0">
-                <a:solidFill>
-                  <a:schemeClr val="bg2"/>
-                </a:solidFill>
-                <a:latin typeface="PT Sans" panose="020B0604020202020204" charset="-52"/>
-              </a:rPr>
-              <a:t>git</a:t>
-            </a:r>
-            <a:endParaRPr lang="ru-RU" sz="1600" dirty="0">
+            <a:endParaRPr b="0" i="0" sz="1600" u="none" cap="none" strike="noStrike">
               <a:solidFill>
-                <a:schemeClr val="bg2"/>
+                <a:schemeClr val="dk2"/>
               </a:solidFill>
-              <a:latin typeface="PT Sans" panose="020B0604020202020204" charset="-52"/>
+              <a:latin typeface="PT Sans"/>
+              <a:ea typeface="PT Sans"/>
+              <a:cs typeface="PT Sans"/>
+              <a:sym typeface="PT Sans"/>
             </a:endParaRPr>
           </a:p>
         </p:txBody>
@@ -5452,22 +6336,15 @@
   <p:clrMapOvr>
     <a:masterClrMapping/>
   </p:clrMapOvr>
-  <p:timing>
-    <p:tnLst>
-      <p:par>
-        <p:cTn id="1" dur="indefinite" restart="never" nodeType="tmRoot"/>
-      </p:par>
-    </p:tnLst>
-  </p:timing>
 </p:sld>
 </file>
 
 <file path=ppt/slides/slide3.xml><?xml version="1.0" encoding="utf-8"?>
-<p:sld xmlns:a="http://schemas.openxmlformats.org/drawingml/2006/main" xmlns:r="http://schemas.openxmlformats.org/officeDocument/2006/relationships" xmlns:p="http://schemas.openxmlformats.org/presentationml/2006/main">
+<p:sld xmlns:a="http://schemas.openxmlformats.org/drawingml/2006/main" xmlns:r="http://schemas.openxmlformats.org/officeDocument/2006/relationships" xmlns:mc="http://schemas.openxmlformats.org/markup-compatibility/2006" xmlns:mv="urn:schemas-microsoft-com:mac:vml" xmlns:p="http://schemas.openxmlformats.org/presentationml/2006/main" xmlns:c="http://schemas.openxmlformats.org/drawingml/2006/chart" xmlns:dgm="http://schemas.openxmlformats.org/drawingml/2006/diagram" xmlns:o="urn:schemas-microsoft-com:office:office" xmlns:v="urn:schemas-microsoft-com:vml" xmlns:pvml="urn:schemas-microsoft-com:office:powerpoint" xmlns:com="http://schemas.openxmlformats.org/drawingml/2006/compatibility" xmlns:p14="http://schemas.microsoft.com/office/powerpoint/2010/main" xmlns:p15="http://schemas.microsoft.com/office/powerpoint/2012/main" xmlns:ahyp="http://schemas.microsoft.com/office/drawing/2018/hyperlinkcolor">
   <p:cSld>
     <p:spTree>
       <p:nvGrpSpPr>
-        <p:cNvPr id="1" name=""/>
+        <p:cNvPr id="66" name="Shape 66"/>
         <p:cNvGrpSpPr/>
         <p:nvPr/>
       </p:nvGrpSpPr>
@@ -5481,7 +6358,7 @@
       </p:grpSpPr>
       <p:sp>
         <p:nvSpPr>
-          <p:cNvPr id="18" name="Прямоугольник 17"/>
+          <p:cNvPr id="67" name="Google Shape;67;p9"/>
           <p:cNvSpPr/>
           <p:nvPr/>
         </p:nvSpPr>
@@ -5500,34 +6377,42 @@
             <a:noFill/>
           </a:ln>
         </p:spPr>
-        <p:style>
-          <a:lnRef idx="2">
-            <a:schemeClr val="accent1">
-              <a:shade val="50000"/>
-            </a:schemeClr>
-          </a:lnRef>
-          <a:fillRef idx="1">
-            <a:schemeClr val="accent1"/>
-          </a:fillRef>
-          <a:effectRef idx="0">
-            <a:schemeClr val="accent1"/>
-          </a:effectRef>
-          <a:fontRef idx="minor">
-            <a:schemeClr val="lt1"/>
-          </a:fontRef>
-        </p:style>
         <p:txBody>
-          <a:bodyPr rtlCol="0" anchor="ctr"/>
+          <a:bodyPr anchorCtr="0" anchor="ctr" bIns="45700" lIns="91425" spcFirstLastPara="1" rIns="91425" wrap="square" tIns="45700">
+            <a:noAutofit/>
+          </a:bodyPr>
           <a:lstStyle/>
           <a:p>
-            <a:pPr algn="ctr"/>
-            <a:endParaRPr lang="ru-RU"/>
+            <a:pPr indent="0" lvl="0" marL="0" marR="0" rtl="0" algn="ctr">
+              <a:lnSpc>
+                <a:spcPct val="100000"/>
+              </a:lnSpc>
+              <a:spcBef>
+                <a:spcPts val="0"/>
+              </a:spcBef>
+              <a:spcAft>
+                <a:spcPts val="0"/>
+              </a:spcAft>
+              <a:buNone/>
+            </a:pPr>
+            <a:r>
+              <a:t/>
+            </a:r>
+            <a:endParaRPr b="0" i="0" sz="1400" u="none" cap="none" strike="noStrike">
+              <a:solidFill>
+                <a:schemeClr val="lt1"/>
+              </a:solidFill>
+              <a:latin typeface="Arial"/>
+              <a:ea typeface="Arial"/>
+              <a:cs typeface="Arial"/>
+              <a:sym typeface="Arial"/>
+            </a:endParaRPr>
           </a:p>
         </p:txBody>
       </p:sp>
       <p:sp>
         <p:nvSpPr>
-          <p:cNvPr id="17" name="Полилиния 16"/>
+          <p:cNvPr id="68" name="Google Shape;68;p9"/>
           <p:cNvSpPr/>
           <p:nvPr/>
         </p:nvSpPr>
@@ -5537,40 +6422,9 @@
             <a:ext cx="3854626" cy="676959"/>
           </a:xfrm>
           <a:custGeom>
-            <a:avLst/>
-            <a:gdLst>
-              <a:gd name="connsiteX0" fmla="*/ 0 w 3854626"/>
-              <a:gd name="connsiteY0" fmla="*/ 0 h 676959"/>
-              <a:gd name="connsiteX1" fmla="*/ 3854626 w 3854626"/>
-              <a:gd name="connsiteY1" fmla="*/ 45468 h 676959"/>
-              <a:gd name="connsiteX2" fmla="*/ 3622237 w 3854626"/>
-              <a:gd name="connsiteY2" fmla="*/ 676959 h 676959"/>
-              <a:gd name="connsiteX3" fmla="*/ 50520 w 3854626"/>
-              <a:gd name="connsiteY3" fmla="*/ 666855 h 676959"/>
-              <a:gd name="connsiteX4" fmla="*/ 0 w 3854626"/>
-              <a:gd name="connsiteY4" fmla="*/ 0 h 676959"/>
-            </a:gdLst>
-            <a:ahLst/>
-            <a:cxnLst>
-              <a:cxn ang="0">
-                <a:pos x="connsiteX0" y="connsiteY0"/>
-              </a:cxn>
-              <a:cxn ang="0">
-                <a:pos x="connsiteX1" y="connsiteY1"/>
-              </a:cxn>
-              <a:cxn ang="0">
-                <a:pos x="connsiteX2" y="connsiteY2"/>
-              </a:cxn>
-              <a:cxn ang="0">
-                <a:pos x="connsiteX3" y="connsiteY3"/>
-              </a:cxn>
-              <a:cxn ang="0">
-                <a:pos x="connsiteX4" y="connsiteY4"/>
-              </a:cxn>
-            </a:cxnLst>
-            <a:rect l="l" t="t" r="r" b="b"/>
+            <a:rect b="b" l="l" r="r" t="t"/>
             <a:pathLst>
-              <a:path w="3854626" h="676959">
+              <a:path extrusionOk="0" h="676959" w="3854626">
                 <a:moveTo>
                   <a:pt x="0" y="0"/>
                 </a:moveTo>
@@ -5591,43 +6445,49 @@
             </a:pathLst>
           </a:custGeom>
           <a:solidFill>
-            <a:schemeClr val="tx2"/>
+            <a:schemeClr val="lt2"/>
           </a:solidFill>
           <a:ln>
             <a:noFill/>
           </a:ln>
         </p:spPr>
-        <p:style>
-          <a:lnRef idx="2">
-            <a:schemeClr val="accent1">
-              <a:shade val="50000"/>
-            </a:schemeClr>
-          </a:lnRef>
-          <a:fillRef idx="1">
-            <a:schemeClr val="accent1"/>
-          </a:fillRef>
-          <a:effectRef idx="0">
-            <a:schemeClr val="accent1"/>
-          </a:effectRef>
-          <a:fontRef idx="minor">
-            <a:schemeClr val="lt1"/>
-          </a:fontRef>
-        </p:style>
         <p:txBody>
-          <a:bodyPr rtlCol="0" anchor="ctr"/>
+          <a:bodyPr anchorCtr="0" anchor="ctr" bIns="45700" lIns="91425" spcFirstLastPara="1" rIns="91425" wrap="square" tIns="45700">
+            <a:noAutofit/>
+          </a:bodyPr>
           <a:lstStyle/>
           <a:p>
-            <a:pPr algn="ctr"/>
-            <a:endParaRPr lang="ru-RU"/>
+            <a:pPr indent="0" lvl="0" marL="0" marR="0" rtl="0" algn="ctr">
+              <a:lnSpc>
+                <a:spcPct val="100000"/>
+              </a:lnSpc>
+              <a:spcBef>
+                <a:spcPts val="0"/>
+              </a:spcBef>
+              <a:spcAft>
+                <a:spcPts val="0"/>
+              </a:spcAft>
+              <a:buNone/>
+            </a:pPr>
+            <a:r>
+              <a:t/>
+            </a:r>
+            <a:endParaRPr b="0" i="0" sz="1400" u="none" cap="none" strike="noStrike">
+              <a:solidFill>
+                <a:schemeClr val="lt1"/>
+              </a:solidFill>
+              <a:latin typeface="Arial"/>
+              <a:ea typeface="Arial"/>
+              <a:cs typeface="Arial"/>
+              <a:sym typeface="Arial"/>
+            </a:endParaRPr>
           </a:p>
         </p:txBody>
       </p:sp>
       <p:sp>
         <p:nvSpPr>
-          <p:cNvPr id="12" name="Заголовок 11"/>
-          <p:cNvSpPr>
-            <a:spLocks noGrp="1"/>
-          </p:cNvSpPr>
+          <p:cNvPr id="69" name="Google Shape;69;p9"/>
+          <p:cNvSpPr txBox="1"/>
           <p:nvPr>
             <p:ph type="title"/>
           </p:nvPr>
@@ -5637,27 +6497,47 @@
             <a:off x="2422502" y="695628"/>
             <a:ext cx="3852000" cy="791400"/>
           </a:xfrm>
+          <a:prstGeom prst="rect">
+            <a:avLst/>
+          </a:prstGeom>
+          <a:noFill/>
+          <a:ln>
+            <a:noFill/>
+          </a:ln>
         </p:spPr>
         <p:txBody>
-          <a:bodyPr/>
+          <a:bodyPr anchorCtr="0" anchor="b" bIns="91425" lIns="0" spcFirstLastPara="1" rIns="0" wrap="square" tIns="91425">
+            <a:noAutofit/>
+          </a:bodyPr>
           <a:lstStyle/>
           <a:p>
+            <a:pPr indent="0" lvl="0" marL="0" rtl="0" algn="l">
+              <a:lnSpc>
+                <a:spcPct val="100000"/>
+              </a:lnSpc>
+              <a:spcBef>
+                <a:spcPts val="0"/>
+              </a:spcBef>
+              <a:spcAft>
+                <a:spcPts val="0"/>
+              </a:spcAft>
+              <a:buSzPts val="4200"/>
+              <a:buNone/>
+            </a:pPr>
             <a:r>
-              <a:rPr lang="ru-RU" dirty="0" smtClean="0"/>
+              <a:rPr lang="ru-RU"/>
               <a:t>Функции бота </a:t>
             </a:r>
-            <a:endParaRPr lang="ru-RU" dirty="0"/>
+            <a:endParaRPr/>
           </a:p>
         </p:txBody>
       </p:sp>
       <p:sp>
         <p:nvSpPr>
-          <p:cNvPr id="13" name="Подзаголовок 12"/>
-          <p:cNvSpPr>
-            <a:spLocks noGrp="1"/>
-          </p:cNvSpPr>
+          <p:cNvPr id="70" name="Google Shape;70;p9"/>
+          <p:cNvSpPr txBox="1"/>
           <p:nvPr>
-            <p:ph type="subTitle" idx="1"/>
+            <p:ph idx="1" type="subTitle"/>
           </p:nvPr>
         </p:nvSpPr>
         <p:spPr>
@@ -5665,84 +6545,147 @@
             <a:off x="1726343" y="1333717"/>
             <a:ext cx="5244317" cy="3258908"/>
           </a:xfrm>
+          <a:prstGeom prst="rect">
+            <a:avLst/>
+          </a:prstGeom>
+          <a:noFill/>
+          <a:ln>
+            <a:noFill/>
+          </a:ln>
         </p:spPr>
         <p:txBody>
-          <a:bodyPr/>
+          <a:bodyPr anchorCtr="0" anchor="ctr" bIns="91425" lIns="0" spcFirstLastPara="1" rIns="0" wrap="square" tIns="91425">
+            <a:noAutofit/>
+          </a:bodyPr>
           <a:lstStyle/>
           <a:p>
-            <a:pPr marL="482600" indent="-342900">
-              <a:buFont typeface="Arial" panose="020B0604020202020204" pitchFamily="34" charset="0"/>
+            <a:pPr indent="-342900" lvl="0" marL="482600" rtl="0" algn="l">
+              <a:lnSpc>
+                <a:spcPct val="100000"/>
+              </a:lnSpc>
+              <a:spcBef>
+                <a:spcPts val="0"/>
+              </a:spcBef>
+              <a:spcAft>
+                <a:spcPts val="0"/>
+              </a:spcAft>
+              <a:buSzPts val="2100"/>
+              <a:buFont typeface="Arial"/>
               <a:buChar char="•"/>
             </a:pPr>
             <a:r>
-              <a:rPr lang="ru-RU" dirty="0" smtClean="0"/>
+              <a:rPr lang="ru-RU"/>
               <a:t>Вход в канал по платной подписке</a:t>
             </a:r>
+            <a:endParaRPr/>
           </a:p>
           <a:p>
-            <a:pPr marL="482600" indent="-342900">
-              <a:buFont typeface="Arial" panose="020B0604020202020204" pitchFamily="34" charset="0"/>
+            <a:pPr indent="-342900" lvl="0" marL="482600" rtl="0" algn="l">
+              <a:lnSpc>
+                <a:spcPct val="100000"/>
+              </a:lnSpc>
+              <a:spcBef>
+                <a:spcPts val="0"/>
+              </a:spcBef>
+              <a:spcAft>
+                <a:spcPts val="0"/>
+              </a:spcAft>
+              <a:buSzPts val="2100"/>
+              <a:buFont typeface="Arial"/>
               <a:buChar char="•"/>
             </a:pPr>
             <a:r>
-              <a:rPr lang="ru-RU" dirty="0" smtClean="0"/>
-              <a:t>Отправка </a:t>
+              <a:rPr lang="ru-RU"/>
+              <a:t>Отправка приветственного сообщения</a:t>
             </a:r>
-            <a:r>
-              <a:rPr lang="ru-RU" dirty="0"/>
-              <a:t>приветственного </a:t>
-            </a:r>
-            <a:r>
-              <a:rPr lang="ru-RU" dirty="0" smtClean="0"/>
-              <a:t>сообщения</a:t>
-            </a:r>
+            <a:endParaRPr/>
           </a:p>
           <a:p>
-            <a:pPr marL="482600" indent="-342900">
-              <a:buFont typeface="Arial" panose="020B0604020202020204" pitchFamily="34" charset="0"/>
+            <a:pPr indent="-342900" lvl="0" marL="482600" rtl="0" algn="l">
+              <a:lnSpc>
+                <a:spcPct val="100000"/>
+              </a:lnSpc>
+              <a:spcBef>
+                <a:spcPts val="0"/>
+              </a:spcBef>
+              <a:spcAft>
+                <a:spcPts val="0"/>
+              </a:spcAft>
+              <a:buSzPts val="2100"/>
+              <a:buFont typeface="Arial"/>
               <a:buChar char="•"/>
             </a:pPr>
             <a:r>
-              <a:rPr lang="ru-RU" dirty="0"/>
+              <a:rPr lang="ru-RU"/>
               <a:t>Уведомления о скором истечении подписки</a:t>
             </a:r>
+            <a:endParaRPr/>
           </a:p>
           <a:p>
-            <a:pPr marL="482600" indent="-342900">
-              <a:buFont typeface="Arial" panose="020B0604020202020204" pitchFamily="34" charset="0"/>
+            <a:pPr indent="-342900" lvl="0" marL="482600" rtl="0" algn="l">
+              <a:lnSpc>
+                <a:spcPct val="100000"/>
+              </a:lnSpc>
+              <a:spcBef>
+                <a:spcPts val="0"/>
+              </a:spcBef>
+              <a:spcAft>
+                <a:spcPts val="0"/>
+              </a:spcAft>
+              <a:buSzPts val="2100"/>
+              <a:buFont typeface="Arial"/>
               <a:buChar char="•"/>
             </a:pPr>
             <a:r>
-              <a:rPr lang="ru-RU" dirty="0" smtClean="0"/>
+              <a:rPr lang="ru-RU"/>
               <a:t>Чат поддержки</a:t>
             </a:r>
+            <a:endParaRPr/>
           </a:p>
           <a:p>
-            <a:pPr marL="482600" indent="-342900">
-              <a:buFont typeface="Arial" panose="020B0604020202020204" pitchFamily="34" charset="0"/>
+            <a:pPr indent="-342900" lvl="0" marL="482600" rtl="0" algn="l">
+              <a:lnSpc>
+                <a:spcPct val="100000"/>
+              </a:lnSpc>
+              <a:spcBef>
+                <a:spcPts val="0"/>
+              </a:spcBef>
+              <a:spcAft>
+                <a:spcPts val="0"/>
+              </a:spcAft>
+              <a:buSzPts val="2100"/>
+              <a:buFont typeface="Arial"/>
               <a:buChar char="•"/>
             </a:pPr>
             <a:r>
-              <a:rPr lang="ru-RU" dirty="0" smtClean="0"/>
+              <a:rPr lang="ru-RU"/>
               <a:t>Создание рассылки (для админов)</a:t>
             </a:r>
-            <a:endParaRPr lang="ru-RU" dirty="0"/>
+            <a:endParaRPr/>
           </a:p>
           <a:p>
-            <a:pPr marL="482600" indent="-342900">
-              <a:buFont typeface="Arial" panose="020B0604020202020204" pitchFamily="34" charset="0"/>
-              <a:buChar char="•"/>
+            <a:pPr indent="-209550" lvl="0" marL="482600" rtl="0" algn="l">
+              <a:lnSpc>
+                <a:spcPct val="100000"/>
+              </a:lnSpc>
+              <a:spcBef>
+                <a:spcPts val="0"/>
+              </a:spcBef>
+              <a:spcAft>
+                <a:spcPts val="0"/>
+              </a:spcAft>
+              <a:buSzPts val="2100"/>
+              <a:buFont typeface="Arial"/>
+              <a:buNone/>
             </a:pPr>
-            <a:endParaRPr lang="ru-RU" dirty="0"/>
+            <a:r>
+              <a:t/>
+            </a:r>
+            <a:endParaRPr/>
           </a:p>
         </p:txBody>
       </p:sp>
     </p:spTree>
-    <p:extLst>
-      <p:ext uri="{BB962C8B-B14F-4D97-AF65-F5344CB8AC3E}">
-        <p14:creationId xmlns:p14="http://schemas.microsoft.com/office/powerpoint/2010/main" val="3975126436"/>
-      </p:ext>
-    </p:extLst>
   </p:cSld>
   <p:clrMapOvr>
     <a:masterClrMapping/>
@@ -5751,11 +6694,11 @@
 </file>
 
 <file path=ppt/slides/slide4.xml><?xml version="1.0" encoding="utf-8"?>
-<p:sld xmlns:a="http://schemas.openxmlformats.org/drawingml/2006/main" xmlns:r="http://schemas.openxmlformats.org/officeDocument/2006/relationships" xmlns:p="http://schemas.openxmlformats.org/presentationml/2006/main">
+<p:sld xmlns:a="http://schemas.openxmlformats.org/drawingml/2006/main" xmlns:r="http://schemas.openxmlformats.org/officeDocument/2006/relationships" xmlns:mc="http://schemas.openxmlformats.org/markup-compatibility/2006" xmlns:mv="urn:schemas-microsoft-com:mac:vml" xmlns:p="http://schemas.openxmlformats.org/presentationml/2006/main" xmlns:c="http://schemas.openxmlformats.org/drawingml/2006/chart" xmlns:dgm="http://schemas.openxmlformats.org/drawingml/2006/diagram" xmlns:o="urn:schemas-microsoft-com:office:office" xmlns:v="urn:schemas-microsoft-com:vml" xmlns:pvml="urn:schemas-microsoft-com:office:powerpoint" xmlns:com="http://schemas.openxmlformats.org/drawingml/2006/compatibility" xmlns:p14="http://schemas.microsoft.com/office/powerpoint/2010/main" xmlns:p15="http://schemas.microsoft.com/office/powerpoint/2012/main" xmlns:ahyp="http://schemas.microsoft.com/office/drawing/2018/hyperlinkcolor">
   <p:cSld>
     <p:spTree>
       <p:nvGrpSpPr>
-        <p:cNvPr id="1" name=""/>
+        <p:cNvPr id="74" name="Shape 74"/>
         <p:cNvGrpSpPr/>
         <p:nvPr/>
       </p:nvGrpSpPr>
@@ -5769,7 +6712,7 @@
       </p:grpSpPr>
       <p:sp>
         <p:nvSpPr>
-          <p:cNvPr id="13" name="Полилиния 12"/>
+          <p:cNvPr id="75" name="Google Shape;75;p10"/>
           <p:cNvSpPr/>
           <p:nvPr/>
         </p:nvSpPr>
@@ -5779,40 +6722,9 @@
             <a:ext cx="3938954" cy="612950"/>
           </a:xfrm>
           <a:custGeom>
-            <a:avLst/>
-            <a:gdLst>
-              <a:gd name="connsiteX0" fmla="*/ 0 w 3938954"/>
-              <a:gd name="connsiteY0" fmla="*/ 0 h 612950"/>
-              <a:gd name="connsiteX1" fmla="*/ 3938954 w 3938954"/>
-              <a:gd name="connsiteY1" fmla="*/ 10048 h 612950"/>
-              <a:gd name="connsiteX2" fmla="*/ 3577213 w 3938954"/>
-              <a:gd name="connsiteY2" fmla="*/ 612950 h 612950"/>
-              <a:gd name="connsiteX3" fmla="*/ 60290 w 3938954"/>
-              <a:gd name="connsiteY3" fmla="*/ 612950 h 612950"/>
-              <a:gd name="connsiteX4" fmla="*/ 0 w 3938954"/>
-              <a:gd name="connsiteY4" fmla="*/ 0 h 612950"/>
-            </a:gdLst>
-            <a:ahLst/>
-            <a:cxnLst>
-              <a:cxn ang="0">
-                <a:pos x="connsiteX0" y="connsiteY0"/>
-              </a:cxn>
-              <a:cxn ang="0">
-                <a:pos x="connsiteX1" y="connsiteY1"/>
-              </a:cxn>
-              <a:cxn ang="0">
-                <a:pos x="connsiteX2" y="connsiteY2"/>
-              </a:cxn>
-              <a:cxn ang="0">
-                <a:pos x="connsiteX3" y="connsiteY3"/>
-              </a:cxn>
-              <a:cxn ang="0">
-                <a:pos x="connsiteX4" y="connsiteY4"/>
-              </a:cxn>
-            </a:cxnLst>
-            <a:rect l="l" t="t" r="r" b="b"/>
+            <a:rect b="b" l="l" r="r" t="t"/>
             <a:pathLst>
-              <a:path w="3938954" h="612950">
+              <a:path extrusionOk="0" h="612950" w="3938954">
                 <a:moveTo>
                   <a:pt x="0" y="0"/>
                 </a:moveTo>
@@ -5833,117 +6745,199 @@
             </a:pathLst>
           </a:custGeom>
           <a:solidFill>
-            <a:schemeClr val="tx2"/>
+            <a:schemeClr val="lt2"/>
           </a:solidFill>
           <a:ln>
             <a:noFill/>
           </a:ln>
         </p:spPr>
-        <p:style>
-          <a:lnRef idx="2">
-            <a:schemeClr val="accent1">
-              <a:shade val="50000"/>
-            </a:schemeClr>
-          </a:lnRef>
-          <a:fillRef idx="1">
-            <a:schemeClr val="accent1"/>
-          </a:fillRef>
-          <a:effectRef idx="0">
-            <a:schemeClr val="accent1"/>
-          </a:effectRef>
-          <a:fontRef idx="minor">
-            <a:schemeClr val="lt1"/>
-          </a:fontRef>
-        </p:style>
         <p:txBody>
-          <a:bodyPr rtlCol="0" anchor="ctr"/>
+          <a:bodyPr anchorCtr="0" anchor="ctr" bIns="45700" lIns="91425" spcFirstLastPara="1" rIns="91425" wrap="square" tIns="45700">
+            <a:noAutofit/>
+          </a:bodyPr>
           <a:lstStyle/>
           <a:p>
-            <a:pPr algn="ctr"/>
-            <a:endParaRPr lang="ru-RU"/>
+            <a:pPr indent="0" lvl="0" marL="0" marR="0" rtl="0" algn="ctr">
+              <a:lnSpc>
+                <a:spcPct val="100000"/>
+              </a:lnSpc>
+              <a:spcBef>
+                <a:spcPts val="0"/>
+              </a:spcBef>
+              <a:spcAft>
+                <a:spcPts val="0"/>
+              </a:spcAft>
+              <a:buNone/>
+            </a:pPr>
+            <a:r>
+              <a:t/>
+            </a:r>
+            <a:endParaRPr b="0" i="0" sz="1400" u="none" cap="none" strike="noStrike">
+              <a:solidFill>
+                <a:schemeClr val="lt1"/>
+              </a:solidFill>
+              <a:latin typeface="Arial"/>
+              <a:ea typeface="Arial"/>
+              <a:cs typeface="Arial"/>
+              <a:sym typeface="Arial"/>
+            </a:endParaRPr>
           </a:p>
         </p:txBody>
       </p:sp>
       <p:sp>
         <p:nvSpPr>
-          <p:cNvPr id="5" name="Заголовок 4"/>
-          <p:cNvSpPr>
-            <a:spLocks noGrp="1"/>
-          </p:cNvSpPr>
+          <p:cNvPr id="76" name="Google Shape;76;p10"/>
+          <p:cNvSpPr txBox="1"/>
           <p:nvPr>
             <p:ph type="title"/>
           </p:nvPr>
         </p:nvSpPr>
-        <p:spPr/>
+        <p:spPr>
+          <a:xfrm>
+            <a:off x="720000" y="445025"/>
+            <a:ext cx="4214100" cy="572700"/>
+          </a:xfrm>
+          <a:prstGeom prst="rect">
+            <a:avLst/>
+          </a:prstGeom>
+          <a:noFill/>
+          <a:ln>
+            <a:noFill/>
+          </a:ln>
+        </p:spPr>
         <p:txBody>
-          <a:bodyPr/>
+          <a:bodyPr anchorCtr="0" anchor="ctr" bIns="91425" lIns="91425" spcFirstLastPara="1" rIns="91425" wrap="square" tIns="91425">
+            <a:noAutofit/>
+          </a:bodyPr>
           <a:lstStyle/>
           <a:p>
+            <a:pPr indent="0" lvl="0" marL="0" rtl="0" algn="l">
+              <a:lnSpc>
+                <a:spcPct val="100000"/>
+              </a:lnSpc>
+              <a:spcBef>
+                <a:spcPts val="0"/>
+              </a:spcBef>
+              <a:spcAft>
+                <a:spcPts val="0"/>
+              </a:spcAft>
+              <a:buSzPts val="3000"/>
+              <a:buNone/>
+            </a:pPr>
             <a:r>
-              <a:rPr lang="ru-RU" sz="3200" dirty="0" smtClean="0"/>
+              <a:rPr lang="ru-RU" sz="3200"/>
               <a:t>Структура проекта</a:t>
             </a:r>
-            <a:endParaRPr lang="ru-RU" sz="3200" dirty="0"/>
+            <a:endParaRPr sz="3200"/>
           </a:p>
         </p:txBody>
       </p:sp>
       <p:sp>
         <p:nvSpPr>
-          <p:cNvPr id="11" name="Текст 10"/>
-          <p:cNvSpPr>
-            <a:spLocks noGrp="1"/>
-          </p:cNvSpPr>
+          <p:cNvPr id="77" name="Google Shape;77;p10"/>
+          <p:cNvSpPr txBox="1"/>
           <p:nvPr>
-            <p:ph type="body" idx="1"/>
+            <p:ph idx="1" type="body"/>
           </p:nvPr>
         </p:nvSpPr>
-        <p:spPr/>
+        <p:spPr>
+          <a:xfrm>
+            <a:off x="720000" y="1304925"/>
+            <a:ext cx="3642600" cy="3298500"/>
+          </a:xfrm>
+          <a:prstGeom prst="rect">
+            <a:avLst/>
+          </a:prstGeom>
+          <a:noFill/>
+          <a:ln>
+            <a:noFill/>
+          </a:ln>
+        </p:spPr>
         <p:txBody>
-          <a:bodyPr/>
+          <a:bodyPr anchorCtr="0" anchor="b" bIns="91425" lIns="91425" spcFirstLastPara="1" rIns="91425" wrap="square" tIns="91425">
+            <a:noAutofit/>
+          </a:bodyPr>
           <a:lstStyle/>
           <a:p>
-            <a:endParaRPr lang="ru-RU" dirty="0"/>
+            <a:pPr indent="-228600" lvl="0" marL="457200" rtl="0" algn="l">
+              <a:lnSpc>
+                <a:spcPct val="115000"/>
+              </a:lnSpc>
+              <a:spcBef>
+                <a:spcPts val="0"/>
+              </a:spcBef>
+              <a:spcAft>
+                <a:spcPts val="0"/>
+              </a:spcAft>
+              <a:buSzPts val="1400"/>
+              <a:buNone/>
+            </a:pPr>
+            <a:r>
+              <a:t/>
+            </a:r>
+            <a:endParaRPr/>
           </a:p>
         </p:txBody>
       </p:sp>
       <p:sp>
         <p:nvSpPr>
-          <p:cNvPr id="12" name="Текст 11"/>
-          <p:cNvSpPr>
-            <a:spLocks noGrp="1"/>
-          </p:cNvSpPr>
+          <p:cNvPr id="78" name="Google Shape;78;p10"/>
+          <p:cNvSpPr txBox="1"/>
           <p:nvPr>
-            <p:ph type="body" idx="2"/>
+            <p:ph idx="2" type="body"/>
           </p:nvPr>
         </p:nvSpPr>
-        <p:spPr/>
+        <p:spPr>
+          <a:xfrm>
+            <a:off x="4777575" y="1304925"/>
+            <a:ext cx="3642600" cy="3298500"/>
+          </a:xfrm>
+          <a:prstGeom prst="rect">
+            <a:avLst/>
+          </a:prstGeom>
+          <a:noFill/>
+          <a:ln>
+            <a:noFill/>
+          </a:ln>
+        </p:spPr>
         <p:txBody>
-          <a:bodyPr/>
+          <a:bodyPr anchorCtr="0" anchor="b" bIns="91425" lIns="91425" spcFirstLastPara="1" rIns="91425" wrap="square" tIns="91425">
+            <a:noAutofit/>
+          </a:bodyPr>
           <a:lstStyle/>
           <a:p>
-            <a:endParaRPr lang="ru-RU" dirty="0"/>
+            <a:pPr indent="-228600" lvl="0" marL="457200" rtl="0" algn="l">
+              <a:lnSpc>
+                <a:spcPct val="115000"/>
+              </a:lnSpc>
+              <a:spcBef>
+                <a:spcPts val="0"/>
+              </a:spcBef>
+              <a:spcAft>
+                <a:spcPts val="0"/>
+              </a:spcAft>
+              <a:buSzPts val="1400"/>
+              <a:buNone/>
+            </a:pPr>
+            <a:r>
+              <a:t/>
+            </a:r>
+            <a:endParaRPr/>
           </a:p>
         </p:txBody>
       </p:sp>
       <p:pic>
         <p:nvPicPr>
-          <p:cNvPr id="17" name="Рисунок 16"/>
-          <p:cNvPicPr>
-            <a:picLocks noChangeAspect="1"/>
-          </p:cNvPicPr>
+          <p:cNvPr id="79" name="Google Shape;79;p10"/>
+          <p:cNvPicPr preferRelativeResize="0"/>
           <p:nvPr/>
         </p:nvPicPr>
-        <p:blipFill>
-          <a:blip r:embed="rId2">
-            <a:extLst>
-              <a:ext uri="{28A0092B-C50C-407E-A947-70E740481C1C}">
-                <a14:useLocalDpi xmlns:a14="http://schemas.microsoft.com/office/drawing/2010/main" val="0"/>
-              </a:ext>
-            </a:extLst>
+        <p:blipFill rotWithShape="1">
+          <a:blip r:embed="rId3">
+            <a:alphaModFix/>
           </a:blip>
-          <a:stretch>
-            <a:fillRect/>
-          </a:stretch>
+          <a:srcRect b="0" l="0" r="0" t="0"/>
+          <a:stretch/>
         </p:blipFill>
         <p:spPr>
           <a:xfrm>
@@ -5953,27 +6947,24 @@
           <a:prstGeom prst="rect">
             <a:avLst/>
           </a:prstGeom>
+          <a:noFill/>
+          <a:ln>
+            <a:noFill/>
+          </a:ln>
         </p:spPr>
       </p:pic>
       <p:pic>
         <p:nvPicPr>
-          <p:cNvPr id="18" name="Рисунок 17"/>
-          <p:cNvPicPr>
-            <a:picLocks noChangeAspect="1"/>
-          </p:cNvPicPr>
+          <p:cNvPr id="80" name="Google Shape;80;p10"/>
+          <p:cNvPicPr preferRelativeResize="0"/>
           <p:nvPr/>
         </p:nvPicPr>
-        <p:blipFill>
-          <a:blip r:embed="rId3">
-            <a:extLst>
-              <a:ext uri="{28A0092B-C50C-407E-A947-70E740481C1C}">
-                <a14:useLocalDpi xmlns:a14="http://schemas.microsoft.com/office/drawing/2010/main" val="0"/>
-              </a:ext>
-            </a:extLst>
+        <p:blipFill rotWithShape="1">
+          <a:blip r:embed="rId4">
+            <a:alphaModFix/>
           </a:blip>
-          <a:stretch>
-            <a:fillRect/>
-          </a:stretch>
+          <a:srcRect b="0" l="0" r="0" t="0"/>
+          <a:stretch/>
         </p:blipFill>
         <p:spPr>
           <a:xfrm>
@@ -5983,27 +6974,24 @@
           <a:prstGeom prst="rect">
             <a:avLst/>
           </a:prstGeom>
+          <a:noFill/>
+          <a:ln>
+            <a:noFill/>
+          </a:ln>
         </p:spPr>
       </p:pic>
       <p:pic>
         <p:nvPicPr>
-          <p:cNvPr id="19" name="Рисунок 18"/>
-          <p:cNvPicPr>
-            <a:picLocks noChangeAspect="1"/>
-          </p:cNvPicPr>
+          <p:cNvPr id="81" name="Google Shape;81;p10"/>
+          <p:cNvPicPr preferRelativeResize="0"/>
           <p:nvPr/>
         </p:nvPicPr>
-        <p:blipFill>
-          <a:blip r:embed="rId4">
-            <a:extLst>
-              <a:ext uri="{28A0092B-C50C-407E-A947-70E740481C1C}">
-                <a14:useLocalDpi xmlns:a14="http://schemas.microsoft.com/office/drawing/2010/main" val="0"/>
-              </a:ext>
-            </a:extLst>
+        <p:blipFill rotWithShape="1">
+          <a:blip r:embed="rId5">
+            <a:alphaModFix/>
           </a:blip>
-          <a:stretch>
-            <a:fillRect/>
-          </a:stretch>
+          <a:srcRect b="0" l="0" r="0" t="0"/>
+          <a:stretch/>
         </p:blipFill>
         <p:spPr>
           <a:xfrm>
@@ -6013,14 +7001,13 @@
           <a:prstGeom prst="rect">
             <a:avLst/>
           </a:prstGeom>
+          <a:noFill/>
+          <a:ln>
+            <a:noFill/>
+          </a:ln>
         </p:spPr>
       </p:pic>
     </p:spTree>
-    <p:extLst>
-      <p:ext uri="{BB962C8B-B14F-4D97-AF65-F5344CB8AC3E}">
-        <p14:creationId xmlns:p14="http://schemas.microsoft.com/office/powerpoint/2010/main" val="1252506259"/>
-      </p:ext>
-    </p:extLst>
   </p:cSld>
   <p:clrMapOvr>
     <a:masterClrMapping/>
@@ -6029,11 +7016,11 @@
 </file>
 
 <file path=ppt/slides/slide5.xml><?xml version="1.0" encoding="utf-8"?>
-<p:sld xmlns:a="http://schemas.openxmlformats.org/drawingml/2006/main" xmlns:r="http://schemas.openxmlformats.org/officeDocument/2006/relationships" xmlns:p="http://schemas.openxmlformats.org/presentationml/2006/main">
+<p:sld xmlns:a="http://schemas.openxmlformats.org/drawingml/2006/main" xmlns:r="http://schemas.openxmlformats.org/officeDocument/2006/relationships" xmlns:mc="http://schemas.openxmlformats.org/markup-compatibility/2006" xmlns:mv="urn:schemas-microsoft-com:mac:vml" xmlns:p="http://schemas.openxmlformats.org/presentationml/2006/main" xmlns:c="http://schemas.openxmlformats.org/drawingml/2006/chart" xmlns:dgm="http://schemas.openxmlformats.org/drawingml/2006/diagram" xmlns:o="urn:schemas-microsoft-com:office:office" xmlns:v="urn:schemas-microsoft-com:vml" xmlns:pvml="urn:schemas-microsoft-com:office:powerpoint" xmlns:com="http://schemas.openxmlformats.org/drawingml/2006/compatibility" xmlns:p14="http://schemas.microsoft.com/office/powerpoint/2010/main" xmlns:p15="http://schemas.microsoft.com/office/powerpoint/2012/main" xmlns:ahyp="http://schemas.microsoft.com/office/drawing/2018/hyperlinkcolor">
   <p:cSld>
     <p:spTree>
       <p:nvGrpSpPr>
-        <p:cNvPr id="1" name=""/>
+        <p:cNvPr id="85" name="Shape 85"/>
         <p:cNvGrpSpPr/>
         <p:nvPr/>
       </p:nvGrpSpPr>
@@ -6047,35 +7034,58 @@
       </p:grpSpPr>
       <p:sp>
         <p:nvSpPr>
-          <p:cNvPr id="4" name="Заголовок 3"/>
-          <p:cNvSpPr>
-            <a:spLocks noGrp="1"/>
-          </p:cNvSpPr>
+          <p:cNvPr id="86" name="Google Shape;86;p11"/>
+          <p:cNvSpPr txBox="1"/>
           <p:nvPr>
             <p:ph type="title"/>
           </p:nvPr>
         </p:nvSpPr>
-        <p:spPr/>
+        <p:spPr>
+          <a:xfrm>
+            <a:off x="720000" y="445025"/>
+            <a:ext cx="4214100" cy="572700"/>
+          </a:xfrm>
+          <a:prstGeom prst="rect">
+            <a:avLst/>
+          </a:prstGeom>
+          <a:noFill/>
+          <a:ln>
+            <a:noFill/>
+          </a:ln>
+        </p:spPr>
         <p:txBody>
-          <a:bodyPr/>
+          <a:bodyPr anchorCtr="0" anchor="ctr" bIns="91425" lIns="91425" spcFirstLastPara="1" rIns="91425" wrap="square" tIns="91425">
+            <a:noAutofit/>
+          </a:bodyPr>
           <a:lstStyle/>
           <a:p>
+            <a:pPr indent="0" lvl="0" marL="0" rtl="0" algn="l">
+              <a:lnSpc>
+                <a:spcPct val="100000"/>
+              </a:lnSpc>
+              <a:spcBef>
+                <a:spcPts val="0"/>
+              </a:spcBef>
+              <a:spcAft>
+                <a:spcPts val="0"/>
+              </a:spcAft>
+              <a:buSzPts val="3000"/>
+              <a:buNone/>
+            </a:pPr>
             <a:r>
-              <a:rPr lang="ru-RU" dirty="0" smtClean="0"/>
+              <a:rPr lang="ru-RU"/>
               <a:t>Возможности развития</a:t>
             </a:r>
-            <a:endParaRPr lang="ru-RU" dirty="0"/>
+            <a:endParaRPr/>
           </a:p>
         </p:txBody>
       </p:sp>
       <p:sp>
         <p:nvSpPr>
-          <p:cNvPr id="5" name="Текст 4"/>
-          <p:cNvSpPr>
-            <a:spLocks noGrp="1"/>
-          </p:cNvSpPr>
+          <p:cNvPr id="87" name="Google Shape;87;p11"/>
+          <p:cNvSpPr txBox="1"/>
           <p:nvPr>
-            <p:ph type="body" idx="1"/>
+            <p:ph idx="1" type="body"/>
           </p:nvPr>
         </p:nvSpPr>
         <p:spPr>
@@ -6083,86 +7093,127 @@
             <a:off x="559226" y="1361552"/>
             <a:ext cx="7704000" cy="1914211"/>
           </a:xfrm>
+          <a:prstGeom prst="rect">
+            <a:avLst/>
+          </a:prstGeom>
+          <a:noFill/>
+          <a:ln>
+            <a:noFill/>
+          </a:ln>
         </p:spPr>
         <p:txBody>
-          <a:bodyPr/>
+          <a:bodyPr anchorCtr="0" anchor="b" bIns="91425" lIns="91425" spcFirstLastPara="1" rIns="91425" wrap="square" tIns="91425">
+            <a:noAutofit/>
+          </a:bodyPr>
           <a:lstStyle/>
           <a:p>
-            <a:pPr>
-              <a:buFont typeface="Arial" panose="020B0604020202020204" pitchFamily="34" charset="0"/>
+            <a:pPr indent="-317500" lvl="0" marL="457200" rtl="0" algn="l">
+              <a:lnSpc>
+                <a:spcPct val="115000"/>
+              </a:lnSpc>
+              <a:spcBef>
+                <a:spcPts val="0"/>
+              </a:spcBef>
+              <a:spcAft>
+                <a:spcPts val="0"/>
+              </a:spcAft>
+              <a:buSzPts val="1400"/>
+              <a:buFont typeface="Arial"/>
               <a:buChar char="•"/>
             </a:pPr>
             <a:r>
-              <a:rPr lang="ru-RU" sz="1600" dirty="0" smtClean="0"/>
+              <a:rPr lang="ru-RU" sz="1600"/>
               <a:t>Сбор информации о пользователях для создания разного рода статистик</a:t>
             </a:r>
+            <a:endParaRPr/>
           </a:p>
           <a:p>
-            <a:pPr>
-              <a:buFont typeface="Arial" panose="020B0604020202020204" pitchFamily="34" charset="0"/>
+            <a:pPr indent="-317500" lvl="0" marL="457200" rtl="0" algn="l">
+              <a:lnSpc>
+                <a:spcPct val="115000"/>
+              </a:lnSpc>
+              <a:spcBef>
+                <a:spcPts val="0"/>
+              </a:spcBef>
+              <a:spcAft>
+                <a:spcPts val="0"/>
+              </a:spcAft>
+              <a:buSzPts val="1400"/>
+              <a:buFont typeface="Arial"/>
               <a:buChar char="•"/>
             </a:pPr>
             <a:r>
-              <a:rPr lang="ru-RU" sz="1600" dirty="0" smtClean="0"/>
-              <a:t>Разговорный</a:t>
+              <a:rPr lang="ru-RU" sz="1600"/>
+              <a:t>Разговорный/игровой модуль</a:t>
             </a:r>
-            <a:r>
-              <a:rPr lang="en-US" sz="1600" dirty="0" smtClean="0"/>
-              <a:t>/</a:t>
-            </a:r>
-            <a:r>
-              <a:rPr lang="ru-RU" sz="1600" dirty="0" smtClean="0"/>
-              <a:t>игровой модуль</a:t>
-            </a:r>
+            <a:endParaRPr/>
           </a:p>
           <a:p>
-            <a:pPr>
-              <a:buFont typeface="Arial" panose="020B0604020202020204" pitchFamily="34" charset="0"/>
+            <a:pPr indent="-317500" lvl="0" marL="457200" rtl="0" algn="l">
+              <a:lnSpc>
+                <a:spcPct val="115000"/>
+              </a:lnSpc>
+              <a:spcBef>
+                <a:spcPts val="0"/>
+              </a:spcBef>
+              <a:spcAft>
+                <a:spcPts val="0"/>
+              </a:spcAft>
+              <a:buSzPts val="1400"/>
+              <a:buFont typeface="Arial"/>
               <a:buChar char="•"/>
             </a:pPr>
             <a:r>
-              <a:rPr lang="ru-RU" sz="1600" dirty="0" smtClean="0"/>
-              <a:t>Возможность покупки товаров</a:t>
+              <a:rPr lang="ru-RU" sz="1600"/>
+              <a:t>Возможность покупки товаров/услуг с сайта владельцев канала</a:t>
             </a:r>
-            <a:r>
-              <a:rPr lang="en-US" sz="1600" dirty="0" smtClean="0"/>
-              <a:t>/</a:t>
-            </a:r>
-            <a:r>
-              <a:rPr lang="ru-RU" sz="1600" dirty="0" smtClean="0"/>
-              <a:t>услуг с сайта владельцев канала</a:t>
-            </a:r>
+            <a:endParaRPr/>
           </a:p>
           <a:p>
-            <a:pPr>
-              <a:buFont typeface="Arial" panose="020B0604020202020204" pitchFamily="34" charset="0"/>
+            <a:pPr indent="-317500" lvl="0" marL="457200" rtl="0" algn="l">
+              <a:lnSpc>
+                <a:spcPct val="115000"/>
+              </a:lnSpc>
+              <a:spcBef>
+                <a:spcPts val="0"/>
+              </a:spcBef>
+              <a:spcAft>
+                <a:spcPts val="0"/>
+              </a:spcAft>
+              <a:buSzPts val="1400"/>
+              <a:buFont typeface="Arial"/>
               <a:buChar char="•"/>
             </a:pPr>
             <a:r>
-              <a:rPr lang="ru-RU" sz="1600" dirty="0" smtClean="0"/>
+              <a:rPr lang="ru-RU" sz="1600"/>
               <a:t>Возможность добавления изображений при создании рассылки</a:t>
             </a:r>
-            <a:endParaRPr lang="ru-RU" sz="1600" dirty="0"/>
+            <a:endParaRPr sz="1600"/>
           </a:p>
           <a:p>
-            <a:pPr>
-              <a:buFont typeface="Arial" panose="020B0604020202020204" pitchFamily="34" charset="0"/>
+            <a:pPr indent="-317500" lvl="0" marL="457200" rtl="0" algn="l">
+              <a:lnSpc>
+                <a:spcPct val="115000"/>
+              </a:lnSpc>
+              <a:spcBef>
+                <a:spcPts val="0"/>
+              </a:spcBef>
+              <a:spcAft>
+                <a:spcPts val="0"/>
+              </a:spcAft>
+              <a:buSzPts val="1400"/>
+              <a:buFont typeface="Arial"/>
               <a:buChar char="•"/>
             </a:pPr>
             <a:r>
-              <a:rPr lang="ru-RU" sz="1600" dirty="0" smtClean="0"/>
-              <a:t>Ежемесячный подсчёт самых активных подписчиков и выражение им благодарности в виде личных сообщений</a:t>
+              <a:rPr lang="ru-RU" sz="1600"/>
+              <a:t>Отслеживание самых длительных подписчиков и выражение им благодарности в виде личных сообщений</a:t>
             </a:r>
-            <a:endParaRPr lang="ru-RU" sz="1600" dirty="0"/>
+            <a:endParaRPr sz="1600"/>
           </a:p>
         </p:txBody>
       </p:sp>
     </p:spTree>
-    <p:extLst>
-      <p:ext uri="{BB962C8B-B14F-4D97-AF65-F5344CB8AC3E}">
-        <p14:creationId xmlns:p14="http://schemas.microsoft.com/office/powerpoint/2010/main" val="1842696382"/>
-      </p:ext>
-    </p:extLst>
   </p:cSld>
   <p:clrMapOvr>
     <a:masterClrMapping/>
@@ -6171,7 +7222,7 @@
 </file>
 
 <file path=ppt/theme/theme1.xml><?xml version="1.0" encoding="utf-8"?>
-<a:theme xmlns:a="http://schemas.openxmlformats.org/drawingml/2006/main" name="School Counseling about Social Media by Slidesgo">
+<a:theme xmlns:a="http://schemas.openxmlformats.org/drawingml/2006/main" xmlns:r="http://schemas.openxmlformats.org/officeDocument/2006/relationships" name="School Counseling about Social Media by Slidesgo">
   <a:themeElements>
     <a:clrScheme name="Simple Light">
       <a:dk1>
@@ -6446,13 +7497,11 @@
       </a:bgFillStyleLst>
     </a:fmtScheme>
   </a:themeElements>
-  <a:objectDefaults/>
-  <a:extraClrSchemeLst/>
 </a:theme>
 </file>
 
 <file path=ppt/theme/theme2.xml><?xml version="1.0" encoding="utf-8"?>
-<a:theme xmlns:a="http://schemas.openxmlformats.org/drawingml/2006/main">
+<a:theme xmlns:a="http://schemas.openxmlformats.org/drawingml/2006/main" xmlns:r="http://schemas.openxmlformats.org/officeDocument/2006/relationships">
   <a:themeElements>
     <a:clrScheme name="Default">
       <a:dk1>
@@ -6727,7 +7776,5 @@
       </a:bgFillStyleLst>
     </a:fmtScheme>
   </a:themeElements>
-  <a:objectDefaults/>
-  <a:extraClrSchemeLst/>
 </a:theme>
 </file>